--- a/Odoo Tutorial.pptx
+++ b/Odoo Tutorial.pptx
@@ -34,6 +34,11 @@
     <p:sldId id="279" r:id="rId29"/>
     <p:sldId id="280" r:id="rId30"/>
     <p:sldId id="281" r:id="rId31"/>
+    <p:sldId id="282" r:id="rId32"/>
+    <p:sldId id="283" r:id="rId33"/>
+    <p:sldId id="284" r:id="rId34"/>
+    <p:sldId id="285" r:id="rId35"/>
+    <p:sldId id="286" r:id="rId36"/>
   </p:sldIdLst>
   <p:sldSz cy="5143500" cx="9144000"/>
   <p:notesSz cx="6858000" cy="9144000"/>
@@ -2512,7 +2517,7 @@
       </p:grpSpPr>
       <p:sp>
         <p:nvSpPr>
-          <p:cNvPr id="229" name="Google Shape;229;ge2fcc65c9c_0_210:notes"/>
+          <p:cNvPr id="229" name="Google Shape;229;ge51a18eeff_0_9:notes"/>
           <p:cNvSpPr/>
           <p:nvPr>
             <p:ph idx="2" type="sldImg"/>
@@ -2547,7 +2552,304 @@
       </p:sp>
       <p:sp>
         <p:nvSpPr>
-          <p:cNvPr id="230" name="Google Shape;230;ge2fcc65c9c_0_210:notes"/>
+          <p:cNvPr id="230" name="Google Shape;230;ge51a18eeff_0_9:notes"/>
+          <p:cNvSpPr txBox="1"/>
+          <p:nvPr>
+            <p:ph idx="1" type="body"/>
+          </p:nvPr>
+        </p:nvSpPr>
+        <p:spPr>
+          <a:xfrm>
+            <a:off x="685800" y="4343400"/>
+            <a:ext cx="5486400" cy="4114800"/>
+          </a:xfrm>
+          <a:prstGeom prst="rect">
+            <a:avLst/>
+          </a:prstGeom>
+        </p:spPr>
+        <p:txBody>
+          <a:bodyPr anchorCtr="0" anchor="t" bIns="91425" lIns="91425" spcFirstLastPara="1" rIns="91425" wrap="square" tIns="91425">
+            <a:noAutofit/>
+          </a:bodyPr>
+          <a:lstStyle/>
+          <a:p>
+            <a:pPr indent="0" lvl="0" marL="0" rtl="0" algn="l">
+              <a:spcBef>
+                <a:spcPts val="0"/>
+              </a:spcBef>
+              <a:spcAft>
+                <a:spcPts val="0"/>
+              </a:spcAft>
+              <a:buNone/>
+            </a:pPr>
+            <a:r>
+              <a:t/>
+            </a:r>
+            <a:endParaRPr/>
+          </a:p>
+        </p:txBody>
+      </p:sp>
+    </p:spTree>
+  </p:cSld>
+  <p:clrMapOvr>
+    <a:masterClrMapping/>
+  </p:clrMapOvr>
+</p:notes>
+</file>
+
+<file path=ppt/notesSlides/notesSlide27.xml><?xml version="1.0" encoding="utf-8"?>
+<p:notes xmlns:a="http://schemas.openxmlformats.org/drawingml/2006/main" xmlns:r="http://schemas.openxmlformats.org/officeDocument/2006/relationships" xmlns:mc="http://schemas.openxmlformats.org/markup-compatibility/2006" xmlns:mv="urn:schemas-microsoft-com:mac:vml" xmlns:p="http://schemas.openxmlformats.org/presentationml/2006/main" xmlns:c="http://schemas.openxmlformats.org/drawingml/2006/chart" xmlns:dgm="http://schemas.openxmlformats.org/drawingml/2006/diagram" xmlns:o="urn:schemas-microsoft-com:office:office" xmlns:v="urn:schemas-microsoft-com:vml" xmlns:pvml="urn:schemas-microsoft-com:office:powerpoint" xmlns:com="http://schemas.openxmlformats.org/drawingml/2006/compatibility" xmlns:p14="http://schemas.microsoft.com/office/powerpoint/2010/main" xmlns:p15="http://schemas.microsoft.com/office/powerpoint/2012/main" xmlns:ahyp="http://schemas.microsoft.com/office/drawing/2018/hyperlinkcolor" showMasterPhAnim="0" showMasterSp="0">
+  <p:cSld>
+    <p:spTree>
+      <p:nvGrpSpPr>
+        <p:cNvPr id="234" name="Shape 234"/>
+        <p:cNvGrpSpPr/>
+        <p:nvPr/>
+      </p:nvGrpSpPr>
+      <p:grpSpPr>
+        <a:xfrm>
+          <a:off x="0" y="0"/>
+          <a:ext cx="0" cy="0"/>
+          <a:chOff x="0" y="0"/>
+          <a:chExt cx="0" cy="0"/>
+        </a:xfrm>
+      </p:grpSpPr>
+      <p:sp>
+        <p:nvSpPr>
+          <p:cNvPr id="235" name="Google Shape;235;ge2fcc65c9c_0_210:notes"/>
+          <p:cNvSpPr/>
+          <p:nvPr>
+            <p:ph idx="2" type="sldImg"/>
+          </p:nvPr>
+        </p:nvSpPr>
+        <p:spPr>
+          <a:xfrm>
+            <a:off x="381300" y="685800"/>
+            <a:ext cx="6096000" cy="3429000"/>
+          </a:xfrm>
+          <a:custGeom>
+            <a:rect b="b" l="l" r="r" t="t"/>
+            <a:pathLst>
+              <a:path extrusionOk="0" h="120000" w="120000">
+                <a:moveTo>
+                  <a:pt x="0" y="0"/>
+                </a:moveTo>
+                <a:lnTo>
+                  <a:pt x="120000" y="0"/>
+                </a:lnTo>
+                <a:lnTo>
+                  <a:pt x="120000" y="120000"/>
+                </a:lnTo>
+                <a:lnTo>
+                  <a:pt x="0" y="120000"/>
+                </a:lnTo>
+                <a:close/>
+              </a:path>
+            </a:pathLst>
+          </a:custGeom>
+        </p:spPr>
+      </p:sp>
+      <p:sp>
+        <p:nvSpPr>
+          <p:cNvPr id="236" name="Google Shape;236;ge2fcc65c9c_0_210:notes"/>
+          <p:cNvSpPr txBox="1"/>
+          <p:nvPr>
+            <p:ph idx="1" type="body"/>
+          </p:nvPr>
+        </p:nvSpPr>
+        <p:spPr>
+          <a:xfrm>
+            <a:off x="685800" y="4343400"/>
+            <a:ext cx="5486400" cy="4114800"/>
+          </a:xfrm>
+          <a:prstGeom prst="rect">
+            <a:avLst/>
+          </a:prstGeom>
+        </p:spPr>
+        <p:txBody>
+          <a:bodyPr anchorCtr="0" anchor="t" bIns="91425" lIns="91425" spcFirstLastPara="1" rIns="91425" wrap="square" tIns="91425">
+            <a:noAutofit/>
+          </a:bodyPr>
+          <a:lstStyle/>
+          <a:p>
+            <a:pPr indent="0" lvl="0" marL="0" rtl="0" algn="l">
+              <a:spcBef>
+                <a:spcPts val="0"/>
+              </a:spcBef>
+              <a:spcAft>
+                <a:spcPts val="0"/>
+              </a:spcAft>
+              <a:buNone/>
+            </a:pPr>
+            <a:r>
+              <a:t/>
+            </a:r>
+            <a:endParaRPr/>
+          </a:p>
+        </p:txBody>
+      </p:sp>
+    </p:spTree>
+  </p:cSld>
+  <p:clrMapOvr>
+    <a:masterClrMapping/>
+  </p:clrMapOvr>
+</p:notes>
+</file>
+
+<file path=ppt/notesSlides/notesSlide28.xml><?xml version="1.0" encoding="utf-8"?>
+<p:notes xmlns:a="http://schemas.openxmlformats.org/drawingml/2006/main" xmlns:r="http://schemas.openxmlformats.org/officeDocument/2006/relationships" xmlns:mc="http://schemas.openxmlformats.org/markup-compatibility/2006" xmlns:mv="urn:schemas-microsoft-com:mac:vml" xmlns:p="http://schemas.openxmlformats.org/presentationml/2006/main" xmlns:c="http://schemas.openxmlformats.org/drawingml/2006/chart" xmlns:dgm="http://schemas.openxmlformats.org/drawingml/2006/diagram" xmlns:o="urn:schemas-microsoft-com:office:office" xmlns:v="urn:schemas-microsoft-com:vml" xmlns:pvml="urn:schemas-microsoft-com:office:powerpoint" xmlns:com="http://schemas.openxmlformats.org/drawingml/2006/compatibility" xmlns:p14="http://schemas.microsoft.com/office/powerpoint/2010/main" xmlns:p15="http://schemas.microsoft.com/office/powerpoint/2012/main" xmlns:ahyp="http://schemas.microsoft.com/office/drawing/2018/hyperlinkcolor" showMasterPhAnim="0" showMasterSp="0">
+  <p:cSld>
+    <p:spTree>
+      <p:nvGrpSpPr>
+        <p:cNvPr id="241" name="Shape 241"/>
+        <p:cNvGrpSpPr/>
+        <p:nvPr/>
+      </p:nvGrpSpPr>
+      <p:grpSpPr>
+        <a:xfrm>
+          <a:off x="0" y="0"/>
+          <a:ext cx="0" cy="0"/>
+          <a:chOff x="0" y="0"/>
+          <a:chExt cx="0" cy="0"/>
+        </a:xfrm>
+      </p:grpSpPr>
+      <p:sp>
+        <p:nvSpPr>
+          <p:cNvPr id="242" name="Google Shape;242;ge52c41c508_0_18:notes"/>
+          <p:cNvSpPr/>
+          <p:nvPr>
+            <p:ph idx="2" type="sldImg"/>
+          </p:nvPr>
+        </p:nvSpPr>
+        <p:spPr>
+          <a:xfrm>
+            <a:off x="381300" y="685800"/>
+            <a:ext cx="6096000" cy="3429000"/>
+          </a:xfrm>
+          <a:custGeom>
+            <a:rect b="b" l="l" r="r" t="t"/>
+            <a:pathLst>
+              <a:path extrusionOk="0" h="120000" w="120000">
+                <a:moveTo>
+                  <a:pt x="0" y="0"/>
+                </a:moveTo>
+                <a:lnTo>
+                  <a:pt x="120000" y="0"/>
+                </a:lnTo>
+                <a:lnTo>
+                  <a:pt x="120000" y="120000"/>
+                </a:lnTo>
+                <a:lnTo>
+                  <a:pt x="0" y="120000"/>
+                </a:lnTo>
+                <a:close/>
+              </a:path>
+            </a:pathLst>
+          </a:custGeom>
+        </p:spPr>
+      </p:sp>
+      <p:sp>
+        <p:nvSpPr>
+          <p:cNvPr id="243" name="Google Shape;243;ge52c41c508_0_18:notes"/>
+          <p:cNvSpPr txBox="1"/>
+          <p:nvPr>
+            <p:ph idx="1" type="body"/>
+          </p:nvPr>
+        </p:nvSpPr>
+        <p:spPr>
+          <a:xfrm>
+            <a:off x="685800" y="4343400"/>
+            <a:ext cx="5486400" cy="4114800"/>
+          </a:xfrm>
+          <a:prstGeom prst="rect">
+            <a:avLst/>
+          </a:prstGeom>
+        </p:spPr>
+        <p:txBody>
+          <a:bodyPr anchorCtr="0" anchor="t" bIns="91425" lIns="91425" spcFirstLastPara="1" rIns="91425" wrap="square" tIns="91425">
+            <a:noAutofit/>
+          </a:bodyPr>
+          <a:lstStyle/>
+          <a:p>
+            <a:pPr indent="0" lvl="0" marL="0" rtl="0" algn="l">
+              <a:spcBef>
+                <a:spcPts val="0"/>
+              </a:spcBef>
+              <a:spcAft>
+                <a:spcPts val="0"/>
+              </a:spcAft>
+              <a:buNone/>
+            </a:pPr>
+            <a:r>
+              <a:t/>
+            </a:r>
+            <a:endParaRPr/>
+          </a:p>
+        </p:txBody>
+      </p:sp>
+    </p:spTree>
+  </p:cSld>
+  <p:clrMapOvr>
+    <a:masterClrMapping/>
+  </p:clrMapOvr>
+</p:notes>
+</file>
+
+<file path=ppt/notesSlides/notesSlide29.xml><?xml version="1.0" encoding="utf-8"?>
+<p:notes xmlns:a="http://schemas.openxmlformats.org/drawingml/2006/main" xmlns:r="http://schemas.openxmlformats.org/officeDocument/2006/relationships" xmlns:mc="http://schemas.openxmlformats.org/markup-compatibility/2006" xmlns:mv="urn:schemas-microsoft-com:mac:vml" xmlns:p="http://schemas.openxmlformats.org/presentationml/2006/main" xmlns:c="http://schemas.openxmlformats.org/drawingml/2006/chart" xmlns:dgm="http://schemas.openxmlformats.org/drawingml/2006/diagram" xmlns:o="urn:schemas-microsoft-com:office:office" xmlns:v="urn:schemas-microsoft-com:vml" xmlns:pvml="urn:schemas-microsoft-com:office:powerpoint" xmlns:com="http://schemas.openxmlformats.org/drawingml/2006/compatibility" xmlns:p14="http://schemas.microsoft.com/office/powerpoint/2010/main" xmlns:p15="http://schemas.microsoft.com/office/powerpoint/2012/main" xmlns:ahyp="http://schemas.microsoft.com/office/drawing/2018/hyperlinkcolor" showMasterPhAnim="0" showMasterSp="0">
+  <p:cSld>
+    <p:spTree>
+      <p:nvGrpSpPr>
+        <p:cNvPr id="249" name="Shape 249"/>
+        <p:cNvGrpSpPr/>
+        <p:nvPr/>
+      </p:nvGrpSpPr>
+      <p:grpSpPr>
+        <a:xfrm>
+          <a:off x="0" y="0"/>
+          <a:ext cx="0" cy="0"/>
+          <a:chOff x="0" y="0"/>
+          <a:chExt cx="0" cy="0"/>
+        </a:xfrm>
+      </p:grpSpPr>
+      <p:sp>
+        <p:nvSpPr>
+          <p:cNvPr id="250" name="Google Shape;250;ge52c41c508_0_35:notes"/>
+          <p:cNvSpPr/>
+          <p:nvPr>
+            <p:ph idx="2" type="sldImg"/>
+          </p:nvPr>
+        </p:nvSpPr>
+        <p:spPr>
+          <a:xfrm>
+            <a:off x="381300" y="685800"/>
+            <a:ext cx="6096000" cy="3429000"/>
+          </a:xfrm>
+          <a:custGeom>
+            <a:rect b="b" l="l" r="r" t="t"/>
+            <a:pathLst>
+              <a:path extrusionOk="0" h="120000" w="120000">
+                <a:moveTo>
+                  <a:pt x="0" y="0"/>
+                </a:moveTo>
+                <a:lnTo>
+                  <a:pt x="120000" y="0"/>
+                </a:lnTo>
+                <a:lnTo>
+                  <a:pt x="120000" y="120000"/>
+                </a:lnTo>
+                <a:lnTo>
+                  <a:pt x="0" y="120000"/>
+                </a:lnTo>
+                <a:close/>
+              </a:path>
+            </a:pathLst>
+          </a:custGeom>
+        </p:spPr>
+      </p:sp>
+      <p:sp>
+        <p:nvSpPr>
+          <p:cNvPr id="251" name="Google Shape;251;ge52c41c508_0_35:notes"/>
           <p:cNvSpPr txBox="1"/>
           <p:nvPr>
             <p:ph idx="1" type="body"/>
@@ -2647,6 +2949,204 @@
       <p:sp>
         <p:nvSpPr>
           <p:cNvPr id="66" name="Google Shape;66;ge4ed4086e0_1_1:notes"/>
+          <p:cNvSpPr txBox="1"/>
+          <p:nvPr>
+            <p:ph idx="1" type="body"/>
+          </p:nvPr>
+        </p:nvSpPr>
+        <p:spPr>
+          <a:xfrm>
+            <a:off x="685800" y="4343400"/>
+            <a:ext cx="5486400" cy="4114800"/>
+          </a:xfrm>
+          <a:prstGeom prst="rect">
+            <a:avLst/>
+          </a:prstGeom>
+        </p:spPr>
+        <p:txBody>
+          <a:bodyPr anchorCtr="0" anchor="t" bIns="91425" lIns="91425" spcFirstLastPara="1" rIns="91425" wrap="square" tIns="91425">
+            <a:noAutofit/>
+          </a:bodyPr>
+          <a:lstStyle/>
+          <a:p>
+            <a:pPr indent="0" lvl="0" marL="0" rtl="0" algn="l">
+              <a:spcBef>
+                <a:spcPts val="0"/>
+              </a:spcBef>
+              <a:spcAft>
+                <a:spcPts val="0"/>
+              </a:spcAft>
+              <a:buNone/>
+            </a:pPr>
+            <a:r>
+              <a:t/>
+            </a:r>
+            <a:endParaRPr/>
+          </a:p>
+        </p:txBody>
+      </p:sp>
+    </p:spTree>
+  </p:cSld>
+  <p:clrMapOvr>
+    <a:masterClrMapping/>
+  </p:clrMapOvr>
+</p:notes>
+</file>
+
+<file path=ppt/notesSlides/notesSlide30.xml><?xml version="1.0" encoding="utf-8"?>
+<p:notes xmlns:a="http://schemas.openxmlformats.org/drawingml/2006/main" xmlns:r="http://schemas.openxmlformats.org/officeDocument/2006/relationships" xmlns:mc="http://schemas.openxmlformats.org/markup-compatibility/2006" xmlns:mv="urn:schemas-microsoft-com:mac:vml" xmlns:p="http://schemas.openxmlformats.org/presentationml/2006/main" xmlns:c="http://schemas.openxmlformats.org/drawingml/2006/chart" xmlns:dgm="http://schemas.openxmlformats.org/drawingml/2006/diagram" xmlns:o="urn:schemas-microsoft-com:office:office" xmlns:v="urn:schemas-microsoft-com:vml" xmlns:pvml="urn:schemas-microsoft-com:office:powerpoint" xmlns:com="http://schemas.openxmlformats.org/drawingml/2006/compatibility" xmlns:p14="http://schemas.microsoft.com/office/powerpoint/2010/main" xmlns:p15="http://schemas.microsoft.com/office/powerpoint/2012/main" xmlns:ahyp="http://schemas.microsoft.com/office/drawing/2018/hyperlinkcolor" showMasterPhAnim="0" showMasterSp="0">
+  <p:cSld>
+    <p:spTree>
+      <p:nvGrpSpPr>
+        <p:cNvPr id="256" name="Shape 256"/>
+        <p:cNvGrpSpPr/>
+        <p:nvPr/>
+      </p:nvGrpSpPr>
+      <p:grpSpPr>
+        <a:xfrm>
+          <a:off x="0" y="0"/>
+          <a:ext cx="0" cy="0"/>
+          <a:chOff x="0" y="0"/>
+          <a:chExt cx="0" cy="0"/>
+        </a:xfrm>
+      </p:grpSpPr>
+      <p:sp>
+        <p:nvSpPr>
+          <p:cNvPr id="257" name="Google Shape;257;ge52c41c508_0_44:notes"/>
+          <p:cNvSpPr/>
+          <p:nvPr>
+            <p:ph idx="2" type="sldImg"/>
+          </p:nvPr>
+        </p:nvSpPr>
+        <p:spPr>
+          <a:xfrm>
+            <a:off x="381300" y="685800"/>
+            <a:ext cx="6096000" cy="3429000"/>
+          </a:xfrm>
+          <a:custGeom>
+            <a:rect b="b" l="l" r="r" t="t"/>
+            <a:pathLst>
+              <a:path extrusionOk="0" h="120000" w="120000">
+                <a:moveTo>
+                  <a:pt x="0" y="0"/>
+                </a:moveTo>
+                <a:lnTo>
+                  <a:pt x="120000" y="0"/>
+                </a:lnTo>
+                <a:lnTo>
+                  <a:pt x="120000" y="120000"/>
+                </a:lnTo>
+                <a:lnTo>
+                  <a:pt x="0" y="120000"/>
+                </a:lnTo>
+                <a:close/>
+              </a:path>
+            </a:pathLst>
+          </a:custGeom>
+        </p:spPr>
+      </p:sp>
+      <p:sp>
+        <p:nvSpPr>
+          <p:cNvPr id="258" name="Google Shape;258;ge52c41c508_0_44:notes"/>
+          <p:cNvSpPr txBox="1"/>
+          <p:nvPr>
+            <p:ph idx="1" type="body"/>
+          </p:nvPr>
+        </p:nvSpPr>
+        <p:spPr>
+          <a:xfrm>
+            <a:off x="685800" y="4343400"/>
+            <a:ext cx="5486400" cy="4114800"/>
+          </a:xfrm>
+          <a:prstGeom prst="rect">
+            <a:avLst/>
+          </a:prstGeom>
+        </p:spPr>
+        <p:txBody>
+          <a:bodyPr anchorCtr="0" anchor="t" bIns="91425" lIns="91425" spcFirstLastPara="1" rIns="91425" wrap="square" tIns="91425">
+            <a:noAutofit/>
+          </a:bodyPr>
+          <a:lstStyle/>
+          <a:p>
+            <a:pPr indent="0" lvl="0" marL="0" rtl="0" algn="l">
+              <a:spcBef>
+                <a:spcPts val="0"/>
+              </a:spcBef>
+              <a:spcAft>
+                <a:spcPts val="0"/>
+              </a:spcAft>
+              <a:buNone/>
+            </a:pPr>
+            <a:r>
+              <a:t/>
+            </a:r>
+            <a:endParaRPr/>
+          </a:p>
+        </p:txBody>
+      </p:sp>
+    </p:spTree>
+  </p:cSld>
+  <p:clrMapOvr>
+    <a:masterClrMapping/>
+  </p:clrMapOvr>
+</p:notes>
+</file>
+
+<file path=ppt/notesSlides/notesSlide31.xml><?xml version="1.0" encoding="utf-8"?>
+<p:notes xmlns:a="http://schemas.openxmlformats.org/drawingml/2006/main" xmlns:r="http://schemas.openxmlformats.org/officeDocument/2006/relationships" xmlns:mc="http://schemas.openxmlformats.org/markup-compatibility/2006" xmlns:mv="urn:schemas-microsoft-com:mac:vml" xmlns:p="http://schemas.openxmlformats.org/presentationml/2006/main" xmlns:c="http://schemas.openxmlformats.org/drawingml/2006/chart" xmlns:dgm="http://schemas.openxmlformats.org/drawingml/2006/diagram" xmlns:o="urn:schemas-microsoft-com:office:office" xmlns:v="urn:schemas-microsoft-com:vml" xmlns:pvml="urn:schemas-microsoft-com:office:powerpoint" xmlns:com="http://schemas.openxmlformats.org/drawingml/2006/compatibility" xmlns:p14="http://schemas.microsoft.com/office/powerpoint/2010/main" xmlns:p15="http://schemas.microsoft.com/office/powerpoint/2012/main" xmlns:ahyp="http://schemas.microsoft.com/office/drawing/2018/hyperlinkcolor" showMasterPhAnim="0" showMasterSp="0">
+  <p:cSld>
+    <p:spTree>
+      <p:nvGrpSpPr>
+        <p:cNvPr id="263" name="Shape 263"/>
+        <p:cNvGrpSpPr/>
+        <p:nvPr/>
+      </p:nvGrpSpPr>
+      <p:grpSpPr>
+        <a:xfrm>
+          <a:off x="0" y="0"/>
+          <a:ext cx="0" cy="0"/>
+          <a:chOff x="0" y="0"/>
+          <a:chExt cx="0" cy="0"/>
+        </a:xfrm>
+      </p:grpSpPr>
+      <p:sp>
+        <p:nvSpPr>
+          <p:cNvPr id="264" name="Google Shape;264;ge52c41c508_0_55:notes"/>
+          <p:cNvSpPr/>
+          <p:nvPr>
+            <p:ph idx="2" type="sldImg"/>
+          </p:nvPr>
+        </p:nvSpPr>
+        <p:spPr>
+          <a:xfrm>
+            <a:off x="381300" y="685800"/>
+            <a:ext cx="6096000" cy="3429000"/>
+          </a:xfrm>
+          <a:custGeom>
+            <a:rect b="b" l="l" r="r" t="t"/>
+            <a:pathLst>
+              <a:path extrusionOk="0" h="120000" w="120000">
+                <a:moveTo>
+                  <a:pt x="0" y="0"/>
+                </a:moveTo>
+                <a:lnTo>
+                  <a:pt x="120000" y="0"/>
+                </a:lnTo>
+                <a:lnTo>
+                  <a:pt x="120000" y="120000"/>
+                </a:lnTo>
+                <a:lnTo>
+                  <a:pt x="0" y="120000"/>
+                </a:lnTo>
+                <a:close/>
+              </a:path>
+            </a:pathLst>
+          </a:custGeom>
+        </p:spPr>
+      </p:sp>
+      <p:sp>
+        <p:nvSpPr>
+          <p:cNvPr id="265" name="Google Shape;265;ge52c41c508_0_55:notes"/>
           <p:cNvSpPr txBox="1"/>
           <p:nvPr>
             <p:ph idx="1" type="body"/>
@@ -13328,20 +13828,21 @@
             <a:endParaRPr sz="1829"/>
           </a:p>
           <a:p>
-            <a:pPr indent="0" lvl="0" marL="914400" rtl="0" algn="l">
-              <a:lnSpc>
-                <a:spcPct val="80000"/>
-              </a:lnSpc>
-              <a:spcBef>
-                <a:spcPts val="1200"/>
-              </a:spcBef>
-              <a:spcAft>
-                <a:spcPts val="0"/>
-              </a:spcAft>
-              <a:buNone/>
-            </a:pPr>
-            <a:r>
-              <a:t/>
+            <a:pPr indent="0" lvl="0" marL="0" rtl="0" algn="l">
+              <a:lnSpc>
+                <a:spcPct val="80000"/>
+              </a:lnSpc>
+              <a:spcBef>
+                <a:spcPts val="1200"/>
+              </a:spcBef>
+              <a:spcAft>
+                <a:spcPts val="0"/>
+              </a:spcAft>
+              <a:buNone/>
+            </a:pPr>
+            <a:r>
+              <a:rPr lang="vi" sz="1000"/>
+              <a:t>Dữ liệu chưa update vào database</a:t>
             </a:r>
             <a:endParaRPr sz="1000"/>
           </a:p>
@@ -20352,7 +20853,7 @@
         </p:nvSpPr>
         <p:spPr>
           <a:xfrm>
-            <a:off x="4883700" y="2734650"/>
+            <a:off x="4883700" y="2382475"/>
             <a:ext cx="4260300" cy="2408700"/>
           </a:xfrm>
           <a:prstGeom prst="rect">
@@ -20591,6 +21092,30 @@
               </a:rPr>
               <a:t>https://www.odoo.com/page/all-apps</a:t>
             </a:r>
+            <a:endParaRPr sz="1200"/>
+          </a:p>
+          <a:p>
+            <a:pPr indent="0" lvl="0" marL="457200" rtl="0" algn="l">
+              <a:lnSpc>
+                <a:spcPct val="100000"/>
+              </a:lnSpc>
+              <a:spcBef>
+                <a:spcPts val="1800"/>
+              </a:spcBef>
+              <a:spcAft>
+                <a:spcPts val="0"/>
+              </a:spcAft>
+              <a:buNone/>
+            </a:pPr>
+            <a:r>
+              <a:rPr lang="vi" sz="1200" u="sng">
+                <a:solidFill>
+                  <a:schemeClr val="hlink"/>
+                </a:solidFill>
+                <a:hlinkClick r:id="rId4"/>
+              </a:rPr>
+              <a:t>https://vi.wikipedia.org/wiki/Odoo</a:t>
+            </a:r>
             <a:r>
               <a:rPr lang="vi" sz="1200"/>
               <a:t> </a:t>
@@ -20624,7 +21149,7 @@
           <p:nvPr/>
         </p:nvPicPr>
         <p:blipFill>
-          <a:blip r:embed="rId4">
+          <a:blip r:embed="rId5">
             <a:alphaModFix/>
           </a:blip>
           <a:stretch>
@@ -20633,7 +21158,7 @@
         </p:blipFill>
         <p:spPr>
           <a:xfrm>
-            <a:off x="5143476" y="510475"/>
+            <a:off x="5124951" y="158325"/>
             <a:ext cx="3392625" cy="2101400"/>
           </a:xfrm>
           <a:prstGeom prst="rect">
@@ -30132,11 +30657,11 @@
                 <a:spcPts val="0"/>
               </a:spcAft>
               <a:buSzPct val="100000"/>
-              <a:buAutoNum type="romanUcPeriod" startAt="7"/>
+              <a:buAutoNum type="romanUcPeriod" startAt="6"/>
             </a:pPr>
             <a:r>
               <a:rPr lang="vi"/>
-              <a:t>Controllers</a:t>
+              <a:t>Views</a:t>
             </a:r>
             <a:endParaRPr/>
           </a:p>
@@ -30152,8 +30677,8 @@
         </p:nvSpPr>
         <p:spPr>
           <a:xfrm>
-            <a:off x="126400" y="674400"/>
-            <a:ext cx="4260300" cy="4469100"/>
+            <a:off x="126400" y="492375"/>
+            <a:ext cx="4260300" cy="4651200"/>
           </a:xfrm>
           <a:prstGeom prst="rect">
             <a:avLst/>
@@ -30165,21 +30690,88 @@
           </a:bodyPr>
           <a:lstStyle/>
           <a:p>
-            <a:pPr indent="457200" lvl="0" marL="0" rtl="0" algn="l">
-              <a:lnSpc>
-                <a:spcPct val="80000"/>
-              </a:lnSpc>
-              <a:spcBef>
-                <a:spcPts val="0"/>
-              </a:spcBef>
-              <a:spcAft>
-                <a:spcPts val="0"/>
-              </a:spcAft>
-              <a:buNone/>
-            </a:pPr>
-            <a:r>
-              <a:rPr lang="vi" sz="1450"/>
-              <a:t>Trong trường hợp cần mở rộng thêm các view: </a:t>
+            <a:pPr indent="-344805" lvl="0" marL="457200" rtl="0" algn="l">
+              <a:lnSpc>
+                <a:spcPct val="80000"/>
+              </a:lnSpc>
+              <a:spcBef>
+                <a:spcPts val="0"/>
+              </a:spcBef>
+              <a:spcAft>
+                <a:spcPts val="0"/>
+              </a:spcAft>
+              <a:buSzPts val="1830"/>
+              <a:buAutoNum type="arabicPeriod" startAt="4"/>
+            </a:pPr>
+            <a:r>
+              <a:rPr lang="vi" sz="1829"/>
+              <a:t>Template Engine</a:t>
+            </a:r>
+            <a:endParaRPr sz="1829"/>
+          </a:p>
+          <a:p>
+            <a:pPr indent="0" lvl="0" marL="0" rtl="0" algn="l">
+              <a:lnSpc>
+                <a:spcPct val="80000"/>
+              </a:lnSpc>
+              <a:spcBef>
+                <a:spcPts val="1200"/>
+              </a:spcBef>
+              <a:spcAft>
+                <a:spcPts val="0"/>
+              </a:spcAft>
+              <a:buClr>
+                <a:schemeClr val="dk1"/>
+              </a:buClr>
+              <a:buSzPts val="1100"/>
+              <a:buFont typeface="Arial"/>
+              <a:buNone/>
+            </a:pPr>
+            <a:r>
+              <a:rPr lang="vi" sz="1000">
+                <a:solidFill>
+                  <a:schemeClr val="dk1"/>
+                </a:solidFill>
+                <a:highlight>
+                  <a:srgbClr val="FFFFFF"/>
+                </a:highlight>
+                <a:latin typeface="Courier New"/>
+                <a:ea typeface="Courier New"/>
+                <a:cs typeface="Courier New"/>
+                <a:sym typeface="Courier New"/>
+              </a:rPr>
+              <a:t>Ref: </a:t>
+            </a:r>
+            <a:r>
+              <a:rPr lang="vi" sz="1000" u="sng">
+                <a:solidFill>
+                  <a:schemeClr val="hlink"/>
+                </a:solidFill>
+                <a:highlight>
+                  <a:srgbClr val="FFFFFF"/>
+                </a:highlight>
+                <a:latin typeface="Courier New"/>
+                <a:ea typeface="Courier New"/>
+                <a:cs typeface="Courier New"/>
+                <a:sym typeface="Courier New"/>
+                <a:hlinkClick r:id="rId3"/>
+              </a:rPr>
+              <a:t>https://www.odoo.com/documentation/14.0/developer/reference/javascript/qweb.html#reference-qweb</a:t>
+            </a:r>
+            <a:r>
+              <a:rPr lang="vi" sz="1000">
+                <a:solidFill>
+                  <a:schemeClr val="dk1"/>
+                </a:solidFill>
+                <a:highlight>
+                  <a:srgbClr val="FFFFFF"/>
+                </a:highlight>
+                <a:latin typeface="Courier New"/>
+                <a:ea typeface="Courier New"/>
+                <a:cs typeface="Courier New"/>
+                <a:sym typeface="Courier New"/>
+              </a:rPr>
+              <a:t> </a:t>
             </a:r>
             <a:endParaRPr sz="1000">
               <a:solidFill>
@@ -30195,112 +30787,236 @@
             </a:endParaRPr>
           </a:p>
           <a:p>
-            <a:pPr indent="-292100" lvl="0" marL="457200" rtl="0" algn="l">
-              <a:lnSpc>
-                <a:spcPct val="80000"/>
-              </a:lnSpc>
-              <a:spcBef>
-                <a:spcPts val="1200"/>
-              </a:spcBef>
-              <a:spcAft>
-                <a:spcPts val="0"/>
-              </a:spcAft>
-              <a:buClr>
+            <a:pPr indent="0" lvl="0" marL="0" rtl="0" algn="l">
+              <a:lnSpc>
+                <a:spcPct val="80000"/>
+              </a:lnSpc>
+              <a:spcBef>
+                <a:spcPts val="1200"/>
+              </a:spcBef>
+              <a:spcAft>
+                <a:spcPts val="0"/>
+              </a:spcAft>
+              <a:buNone/>
+            </a:pPr>
+            <a:r>
+              <a:t/>
+            </a:r>
+            <a:endParaRPr sz="1000">
+              <a:solidFill>
                 <a:schemeClr val="dk1"/>
-              </a:buClr>
-              <a:buSzPts val="1000"/>
-              <a:buFont typeface="Courier New"/>
-              <a:buChar char="-"/>
-            </a:pPr>
-            <a:r>
-              <a:rPr lang="vi" sz="1000">
-                <a:solidFill>
-                  <a:schemeClr val="dk1"/>
-                </a:solidFill>
-                <a:highlight>
-                  <a:srgbClr val="FFFFFF"/>
-                </a:highlight>
-                <a:latin typeface="Courier New"/>
-                <a:ea typeface="Courier New"/>
-                <a:cs typeface="Courier New"/>
-                <a:sym typeface="Courier New"/>
-              </a:rPr>
-              <a:t>estate/controllers/mycontroller.py</a:t>
+              </a:solidFill>
+              <a:highlight>
+                <a:srgbClr val="EFEFEF"/>
+              </a:highlight>
+              <a:latin typeface="Courier New"/>
+              <a:ea typeface="Courier New"/>
+              <a:cs typeface="Courier New"/>
+              <a:sym typeface="Courier New"/>
+            </a:endParaRPr>
+          </a:p>
+          <a:p>
+            <a:pPr indent="0" lvl="0" marL="0" rtl="0" algn="l">
+              <a:lnSpc>
+                <a:spcPct val="80000"/>
+              </a:lnSpc>
+              <a:spcBef>
+                <a:spcPts val="1200"/>
+              </a:spcBef>
+              <a:spcAft>
+                <a:spcPts val="0"/>
+              </a:spcAft>
+              <a:buNone/>
+            </a:pPr>
+            <a:r>
+              <a:t/>
+            </a:r>
+            <a:endParaRPr sz="1000">
+              <a:solidFill>
+                <a:schemeClr val="dk1"/>
+              </a:solidFill>
+              <a:highlight>
+                <a:srgbClr val="EFEFEF"/>
+              </a:highlight>
+              <a:latin typeface="Courier New"/>
+              <a:ea typeface="Courier New"/>
+              <a:cs typeface="Courier New"/>
+              <a:sym typeface="Courier New"/>
+            </a:endParaRPr>
+          </a:p>
+          <a:p>
+            <a:pPr indent="0" lvl="0" marL="0" rtl="0" algn="l">
+              <a:lnSpc>
+                <a:spcPct val="80000"/>
+              </a:lnSpc>
+              <a:spcBef>
+                <a:spcPts val="1200"/>
+              </a:spcBef>
+              <a:spcAft>
+                <a:spcPts val="0"/>
+              </a:spcAft>
+              <a:buNone/>
+            </a:pPr>
+            <a:r>
+              <a:t/>
+            </a:r>
+            <a:endParaRPr sz="1000">
+              <a:solidFill>
+                <a:schemeClr val="dk1"/>
+              </a:solidFill>
+              <a:highlight>
+                <a:srgbClr val="EFEFEF"/>
+              </a:highlight>
+              <a:latin typeface="Courier New"/>
+              <a:ea typeface="Courier New"/>
+              <a:cs typeface="Courier New"/>
+              <a:sym typeface="Courier New"/>
+            </a:endParaRPr>
+          </a:p>
+          <a:p>
+            <a:pPr indent="0" lvl="0" marL="0" rtl="0" algn="l">
+              <a:lnSpc>
+                <a:spcPct val="80000"/>
+              </a:lnSpc>
+              <a:spcBef>
+                <a:spcPts val="1200"/>
+              </a:spcBef>
+              <a:spcAft>
+                <a:spcPts val="0"/>
+              </a:spcAft>
+              <a:buSzPts val="1100"/>
+              <a:buNone/>
+            </a:pPr>
+            <a:r>
+              <a:t/>
+            </a:r>
+            <a:endParaRPr sz="1000"/>
+          </a:p>
+          <a:p>
+            <a:pPr indent="0" lvl="0" marL="0" rtl="0" algn="l">
+              <a:lnSpc>
+                <a:spcPct val="80000"/>
+              </a:lnSpc>
+              <a:spcBef>
+                <a:spcPts val="1200"/>
+              </a:spcBef>
+              <a:spcAft>
+                <a:spcPts val="1200"/>
+              </a:spcAft>
+              <a:buSzPts val="935"/>
+              <a:buNone/>
+            </a:pPr>
+            <a:r>
+              <a:t/>
             </a:r>
             <a:endParaRPr sz="1829"/>
           </a:p>
-          <a:p>
-            <a:pPr indent="0" lvl="0" marL="0" rtl="0" algn="l">
-              <a:lnSpc>
-                <a:spcPct val="80000"/>
-              </a:lnSpc>
-              <a:spcBef>
-                <a:spcPts val="1200"/>
-              </a:spcBef>
-              <a:spcAft>
-                <a:spcPts val="0"/>
-              </a:spcAft>
-              <a:buNone/>
-            </a:pPr>
-            <a:r>
-              <a:rPr b="1" lang="vi" sz="1000">
-                <a:solidFill>
-                  <a:srgbClr val="000080"/>
-                </a:solidFill>
-                <a:highlight>
-                  <a:srgbClr val="FFFFFF"/>
-                </a:highlight>
-                <a:latin typeface="Courier New"/>
-                <a:ea typeface="Courier New"/>
-                <a:cs typeface="Courier New"/>
-                <a:sym typeface="Courier New"/>
-              </a:rPr>
-              <a:t>from </a:t>
-            </a:r>
-            <a:r>
-              <a:rPr lang="vi" sz="1000">
-                <a:solidFill>
-                  <a:schemeClr val="dk1"/>
-                </a:solidFill>
-                <a:highlight>
-                  <a:srgbClr val="FFFFFF"/>
-                </a:highlight>
-                <a:latin typeface="Courier New"/>
-                <a:ea typeface="Courier New"/>
-                <a:cs typeface="Courier New"/>
-                <a:sym typeface="Courier New"/>
-              </a:rPr>
-              <a:t>odoo.http </a:t>
-            </a:r>
-            <a:r>
-              <a:rPr b="1" lang="vi" sz="1000">
-                <a:solidFill>
-                  <a:srgbClr val="000080"/>
-                </a:solidFill>
-                <a:highlight>
-                  <a:srgbClr val="FFFFFF"/>
-                </a:highlight>
-                <a:latin typeface="Courier New"/>
-                <a:ea typeface="Courier New"/>
-                <a:cs typeface="Courier New"/>
-                <a:sym typeface="Courier New"/>
-              </a:rPr>
-              <a:t>import </a:t>
-            </a:r>
-            <a:r>
-              <a:rPr lang="vi" sz="1000">
-                <a:solidFill>
-                  <a:schemeClr val="dk1"/>
-                </a:solidFill>
-                <a:highlight>
-                  <a:srgbClr val="FFFFFF"/>
-                </a:highlight>
-                <a:latin typeface="Courier New"/>
-                <a:ea typeface="Courier New"/>
-                <a:cs typeface="Courier New"/>
-                <a:sym typeface="Courier New"/>
-              </a:rPr>
-              <a:t>Controller, route</a:t>
+        </p:txBody>
+      </p:sp>
+    </p:spTree>
+  </p:cSld>
+  <p:clrMapOvr>
+    <a:masterClrMapping/>
+  </p:clrMapOvr>
+</p:sld>
+</file>
+
+<file path=ppt/slides/slide27.xml><?xml version="1.0" encoding="utf-8"?>
+<p:sld xmlns:a="http://schemas.openxmlformats.org/drawingml/2006/main" xmlns:r="http://schemas.openxmlformats.org/officeDocument/2006/relationships" xmlns:mc="http://schemas.openxmlformats.org/markup-compatibility/2006" xmlns:mv="urn:schemas-microsoft-com:mac:vml" xmlns:p="http://schemas.openxmlformats.org/presentationml/2006/main" xmlns:c="http://schemas.openxmlformats.org/drawingml/2006/chart" xmlns:dgm="http://schemas.openxmlformats.org/drawingml/2006/diagram" xmlns:o="urn:schemas-microsoft-com:office:office" xmlns:v="urn:schemas-microsoft-com:vml" xmlns:pvml="urn:schemas-microsoft-com:office:powerpoint" xmlns:com="http://schemas.openxmlformats.org/drawingml/2006/compatibility" xmlns:p14="http://schemas.microsoft.com/office/powerpoint/2010/main" xmlns:p15="http://schemas.microsoft.com/office/powerpoint/2012/main" xmlns:ahyp="http://schemas.microsoft.com/office/drawing/2018/hyperlinkcolor">
+  <p:cSld>
+    <p:spTree>
+      <p:nvGrpSpPr>
+        <p:cNvPr id="237" name="Shape 237"/>
+        <p:cNvGrpSpPr/>
+        <p:nvPr/>
+      </p:nvGrpSpPr>
+      <p:grpSpPr>
+        <a:xfrm>
+          <a:off x="0" y="0"/>
+          <a:ext cx="0" cy="0"/>
+          <a:chOff x="0" y="0"/>
+          <a:chExt cx="0" cy="0"/>
+        </a:xfrm>
+      </p:grpSpPr>
+      <p:sp>
+        <p:nvSpPr>
+          <p:cNvPr id="238" name="Google Shape;238;p39"/>
+          <p:cNvSpPr txBox="1"/>
+          <p:nvPr>
+            <p:ph type="title"/>
+          </p:nvPr>
+        </p:nvSpPr>
+        <p:spPr>
+          <a:xfrm>
+            <a:off x="311700" y="0"/>
+            <a:ext cx="8520600" cy="572700"/>
+          </a:xfrm>
+          <a:prstGeom prst="rect">
+            <a:avLst/>
+          </a:prstGeom>
+        </p:spPr>
+        <p:txBody>
+          <a:bodyPr anchorCtr="0" anchor="t" bIns="91425" lIns="91425" spcFirstLastPara="1" rIns="91425" wrap="square" tIns="91425">
+            <a:normAutofit fontScale="90000"/>
+          </a:bodyPr>
+          <a:lstStyle/>
+          <a:p>
+            <a:pPr indent="-388620" lvl="0" marL="457200" rtl="0" algn="l">
+              <a:spcBef>
+                <a:spcPts val="0"/>
+              </a:spcBef>
+              <a:spcAft>
+                <a:spcPts val="0"/>
+              </a:spcAft>
+              <a:buSzPct val="100000"/>
+              <a:buAutoNum type="romanUcPeriod" startAt="7"/>
+            </a:pPr>
+            <a:r>
+              <a:rPr lang="vi"/>
+              <a:t>Controllers</a:t>
+            </a:r>
+            <a:endParaRPr/>
+          </a:p>
+        </p:txBody>
+      </p:sp>
+      <p:sp>
+        <p:nvSpPr>
+          <p:cNvPr id="239" name="Google Shape;239;p39"/>
+          <p:cNvSpPr txBox="1"/>
+          <p:nvPr>
+            <p:ph idx="1" type="body"/>
+          </p:nvPr>
+        </p:nvSpPr>
+        <p:spPr>
+          <a:xfrm>
+            <a:off x="126400" y="572700"/>
+            <a:ext cx="4260300" cy="4570800"/>
+          </a:xfrm>
+          <a:prstGeom prst="rect">
+            <a:avLst/>
+          </a:prstGeom>
+        </p:spPr>
+        <p:txBody>
+          <a:bodyPr anchorCtr="0" anchor="t" bIns="91425" lIns="91425" spcFirstLastPara="1" rIns="91425" wrap="square" tIns="91425">
+            <a:noAutofit/>
+          </a:bodyPr>
+          <a:lstStyle/>
+          <a:p>
+            <a:pPr indent="457200" lvl="0" marL="0" rtl="0" algn="l">
+              <a:lnSpc>
+                <a:spcPct val="80000"/>
+              </a:lnSpc>
+              <a:spcBef>
+                <a:spcPts val="0"/>
+              </a:spcBef>
+              <a:spcAft>
+                <a:spcPts val="0"/>
+              </a:spcAft>
+              <a:buNone/>
+            </a:pPr>
+            <a:r>
+              <a:rPr lang="vi" sz="1450"/>
+              <a:t>Trong trường hợp cần mở rộng thêm các view: </a:t>
             </a:r>
             <a:endParaRPr sz="1000">
               <a:solidFill>
@@ -30316,6 +31032,41 @@
             </a:endParaRPr>
           </a:p>
           <a:p>
+            <a:pPr indent="-292100" lvl="0" marL="457200" rtl="0" algn="l">
+              <a:lnSpc>
+                <a:spcPct val="80000"/>
+              </a:lnSpc>
+              <a:spcBef>
+                <a:spcPts val="1200"/>
+              </a:spcBef>
+              <a:spcAft>
+                <a:spcPts val="0"/>
+              </a:spcAft>
+              <a:buClr>
+                <a:schemeClr val="dk1"/>
+              </a:buClr>
+              <a:buSzPts val="1000"/>
+              <a:buFont typeface="Courier New"/>
+              <a:buChar char="-"/>
+            </a:pPr>
+            <a:r>
+              <a:rPr lang="vi" sz="1000">
+                <a:solidFill>
+                  <a:schemeClr val="dk1"/>
+                </a:solidFill>
+                <a:highlight>
+                  <a:srgbClr val="FFFFFF"/>
+                </a:highlight>
+                <a:latin typeface="Courier New"/>
+                <a:ea typeface="Courier New"/>
+                <a:cs typeface="Courier New"/>
+                <a:sym typeface="Courier New"/>
+              </a:rPr>
+              <a:t>estate/controllers/mycontroller.py</a:t>
+            </a:r>
+            <a:endParaRPr sz="1829"/>
+          </a:p>
+          <a:p>
             <a:pPr indent="0" lvl="0" marL="0" rtl="0" algn="l">
               <a:lnSpc>
                 <a:spcPct val="80000"/>
@@ -30341,22 +31092,52 @@
                 <a:cs typeface="Courier New"/>
                 <a:sym typeface="Courier New"/>
               </a:rPr>
-              <a:t>class </a:t>
-            </a:r>
-            <a:r>
-              <a:rPr lang="vi" sz="1000">
-                <a:solidFill>
-                  <a:schemeClr val="dk1"/>
-                </a:solidFill>
-                <a:highlight>
-                  <a:srgbClr val="FFFFFF"/>
-                </a:highlight>
-                <a:latin typeface="Courier New"/>
-                <a:ea typeface="Courier New"/>
-                <a:cs typeface="Courier New"/>
-                <a:sym typeface="Courier New"/>
-              </a:rPr>
-              <a:t>MyController(Controller):</a:t>
+              <a:t>from </a:t>
+            </a:r>
+            <a:r>
+              <a:rPr lang="vi" sz="1000">
+                <a:solidFill>
+                  <a:schemeClr val="dk1"/>
+                </a:solidFill>
+                <a:highlight>
+                  <a:srgbClr val="FFFFFF"/>
+                </a:highlight>
+                <a:latin typeface="Courier New"/>
+                <a:ea typeface="Courier New"/>
+                <a:cs typeface="Courier New"/>
+                <a:sym typeface="Courier New"/>
+              </a:rPr>
+              <a:t>odoo.http </a:t>
+            </a:r>
+            <a:r>
+              <a:rPr b="1" lang="vi" sz="1000">
+                <a:solidFill>
+                  <a:srgbClr val="000080"/>
+                </a:solidFill>
+                <a:highlight>
+                  <a:srgbClr val="FFFFFF"/>
+                </a:highlight>
+                <a:latin typeface="Courier New"/>
+                <a:ea typeface="Courier New"/>
+                <a:cs typeface="Courier New"/>
+                <a:sym typeface="Courier New"/>
+              </a:rPr>
+              <a:t>import </a:t>
+            </a:r>
+            <a:r>
+              <a:rPr lang="vi" sz="1000">
+                <a:solidFill>
+                  <a:schemeClr val="dk1"/>
+                </a:solidFill>
+                <a:highlight>
+                  <a:srgbClr val="FFFFFF"/>
+                </a:highlight>
+                <a:latin typeface="Courier New"/>
+                <a:ea typeface="Courier New"/>
+                <a:cs typeface="Courier New"/>
+                <a:sym typeface="Courier New"/>
+              </a:rPr>
+              <a:t>Controller, route</a:t>
             </a:r>
             <a:endParaRPr sz="1000">
               <a:solidFill>
@@ -30385,139 +31166,34 @@
               <a:buNone/>
             </a:pPr>
             <a:r>
-              <a:rPr lang="vi" sz="1000">
-                <a:solidFill>
-                  <a:schemeClr val="dk1"/>
-                </a:solidFill>
-                <a:highlight>
-                  <a:srgbClr val="FFFFFF"/>
-                </a:highlight>
-                <a:latin typeface="Courier New"/>
-                <a:ea typeface="Courier New"/>
-                <a:cs typeface="Courier New"/>
-                <a:sym typeface="Courier New"/>
-              </a:rPr>
-              <a:t>   </a:t>
-            </a:r>
-            <a:r>
-              <a:rPr lang="vi" sz="1000">
-                <a:solidFill>
-                  <a:srgbClr val="0000B2"/>
-                </a:solidFill>
-                <a:highlight>
-                  <a:srgbClr val="FFFFFF"/>
-                </a:highlight>
-                <a:latin typeface="Courier New"/>
-                <a:ea typeface="Courier New"/>
-                <a:cs typeface="Courier New"/>
-                <a:sym typeface="Courier New"/>
-              </a:rPr>
-              <a:t>@route</a:t>
-            </a:r>
-            <a:r>
-              <a:rPr lang="vi" sz="1000">
-                <a:solidFill>
-                  <a:schemeClr val="dk1"/>
-                </a:solidFill>
-                <a:highlight>
-                  <a:srgbClr val="FFFFFF"/>
-                </a:highlight>
-                <a:latin typeface="Courier New"/>
-                <a:ea typeface="Courier New"/>
-                <a:cs typeface="Courier New"/>
-                <a:sym typeface="Courier New"/>
-              </a:rPr>
-              <a:t>(</a:t>
-            </a:r>
-            <a:r>
               <a:rPr b="1" lang="vi" sz="1000">
                 <a:solidFill>
-                  <a:srgbClr val="008080"/>
-                </a:solidFill>
-                <a:highlight>
-                  <a:srgbClr val="FFFFFF"/>
-                </a:highlight>
-                <a:latin typeface="Courier New"/>
-                <a:ea typeface="Courier New"/>
-                <a:cs typeface="Courier New"/>
-                <a:sym typeface="Courier New"/>
-              </a:rPr>
-              <a:t>'/some_url'</a:t>
-            </a:r>
-            <a:r>
-              <a:rPr lang="vi" sz="1000">
-                <a:solidFill>
-                  <a:schemeClr val="dk1"/>
-                </a:solidFill>
-                <a:highlight>
-                  <a:srgbClr val="FFFFFF"/>
-                </a:highlight>
-                <a:latin typeface="Courier New"/>
-                <a:ea typeface="Courier New"/>
-                <a:cs typeface="Courier New"/>
-                <a:sym typeface="Courier New"/>
-              </a:rPr>
-              <a:t>, </a:t>
-            </a:r>
-            <a:r>
-              <a:rPr lang="vi" sz="1000">
-                <a:solidFill>
-                  <a:srgbClr val="660099"/>
-                </a:solidFill>
-                <a:highlight>
-                  <a:srgbClr val="FFFFFF"/>
-                </a:highlight>
-                <a:latin typeface="Courier New"/>
-                <a:ea typeface="Courier New"/>
-                <a:cs typeface="Courier New"/>
-                <a:sym typeface="Courier New"/>
-              </a:rPr>
-              <a:t>auth</a:t>
-            </a:r>
-            <a:r>
-              <a:rPr lang="vi" sz="1000">
-                <a:solidFill>
-                  <a:schemeClr val="dk1"/>
-                </a:solidFill>
-                <a:highlight>
-                  <a:srgbClr val="FFFFFF"/>
-                </a:highlight>
-                <a:latin typeface="Courier New"/>
-                <a:ea typeface="Courier New"/>
-                <a:cs typeface="Courier New"/>
-                <a:sym typeface="Courier New"/>
-              </a:rPr>
-              <a:t>=</a:t>
-            </a:r>
-            <a:r>
-              <a:rPr b="1" lang="vi" sz="1000">
-                <a:solidFill>
-                  <a:srgbClr val="008080"/>
-                </a:solidFill>
-                <a:highlight>
-                  <a:srgbClr val="FFFFFF"/>
-                </a:highlight>
-                <a:latin typeface="Courier New"/>
-                <a:ea typeface="Courier New"/>
-                <a:cs typeface="Courier New"/>
-                <a:sym typeface="Courier New"/>
-              </a:rPr>
-              <a:t>'public'</a:t>
-            </a:r>
-            <a:r>
-              <a:rPr lang="vi" sz="1000">
-                <a:solidFill>
-                  <a:schemeClr val="dk1"/>
-                </a:solidFill>
-                <a:highlight>
-                  <a:srgbClr val="FFFFFF"/>
-                </a:highlight>
-                <a:latin typeface="Courier New"/>
-                <a:ea typeface="Courier New"/>
-                <a:cs typeface="Courier New"/>
-                <a:sym typeface="Courier New"/>
-              </a:rPr>
-              <a:t>)</a:t>
+                  <a:srgbClr val="000080"/>
+                </a:solidFill>
+                <a:highlight>
+                  <a:srgbClr val="FFFFFF"/>
+                </a:highlight>
+                <a:latin typeface="Courier New"/>
+                <a:ea typeface="Courier New"/>
+                <a:cs typeface="Courier New"/>
+                <a:sym typeface="Courier New"/>
+              </a:rPr>
+              <a:t>class </a:t>
+            </a:r>
+            <a:r>
+              <a:rPr lang="vi" sz="1000">
+                <a:solidFill>
+                  <a:schemeClr val="dk1"/>
+                </a:solidFill>
+                <a:highlight>
+                  <a:srgbClr val="FFFFFF"/>
+                </a:highlight>
+                <a:latin typeface="Courier New"/>
+                <a:ea typeface="Courier New"/>
+                <a:cs typeface="Courier New"/>
+                <a:sym typeface="Courier New"/>
+              </a:rPr>
+              <a:t>MyController(Controller):</a:t>
             </a:r>
             <a:endParaRPr sz="1000">
               <a:solidFill>
@@ -30561,64 +31237,124 @@
               <a:t>   </a:t>
             </a:r>
             <a:r>
+              <a:rPr lang="vi" sz="1000">
+                <a:solidFill>
+                  <a:srgbClr val="0000B2"/>
+                </a:solidFill>
+                <a:highlight>
+                  <a:srgbClr val="FFFFFF"/>
+                </a:highlight>
+                <a:latin typeface="Courier New"/>
+                <a:ea typeface="Courier New"/>
+                <a:cs typeface="Courier New"/>
+                <a:sym typeface="Courier New"/>
+              </a:rPr>
+              <a:t>@route</a:t>
+            </a:r>
+            <a:r>
+              <a:rPr lang="vi" sz="1000">
+                <a:solidFill>
+                  <a:schemeClr val="dk1"/>
+                </a:solidFill>
+                <a:highlight>
+                  <a:srgbClr val="FFFFFF"/>
+                </a:highlight>
+                <a:latin typeface="Courier New"/>
+                <a:ea typeface="Courier New"/>
+                <a:cs typeface="Courier New"/>
+                <a:sym typeface="Courier New"/>
+              </a:rPr>
+              <a:t>(</a:t>
+            </a:r>
+            <a:r>
               <a:rPr b="1" lang="vi" sz="1000">
                 <a:solidFill>
-                  <a:srgbClr val="000080"/>
-                </a:solidFill>
-                <a:highlight>
-                  <a:srgbClr val="FFFFFF"/>
-                </a:highlight>
-                <a:latin typeface="Courier New"/>
-                <a:ea typeface="Courier New"/>
-                <a:cs typeface="Courier New"/>
-                <a:sym typeface="Courier New"/>
-              </a:rPr>
-              <a:t>def </a:t>
-            </a:r>
-            <a:r>
-              <a:rPr lang="vi" sz="1000">
-                <a:solidFill>
-                  <a:schemeClr val="dk1"/>
-                </a:solidFill>
-                <a:highlight>
-                  <a:srgbClr val="FFFFFF"/>
-                </a:highlight>
-                <a:latin typeface="Courier New"/>
-                <a:ea typeface="Courier New"/>
-                <a:cs typeface="Courier New"/>
-                <a:sym typeface="Courier New"/>
-              </a:rPr>
-              <a:t>handler(</a:t>
-            </a:r>
-            <a:r>
-              <a:rPr lang="vi" sz="1000">
-                <a:solidFill>
-                  <a:srgbClr val="94558D"/>
-                </a:solidFill>
-                <a:highlight>
-                  <a:srgbClr val="FFFFFF"/>
-                </a:highlight>
-                <a:latin typeface="Courier New"/>
-                <a:ea typeface="Courier New"/>
-                <a:cs typeface="Courier New"/>
-                <a:sym typeface="Courier New"/>
-              </a:rPr>
-              <a:t>self</a:t>
-            </a:r>
-            <a:r>
-              <a:rPr lang="vi" sz="1000">
-                <a:solidFill>
-                  <a:schemeClr val="dk1"/>
-                </a:solidFill>
-                <a:highlight>
-                  <a:srgbClr val="FFFFFF"/>
-                </a:highlight>
-                <a:latin typeface="Courier New"/>
-                <a:ea typeface="Courier New"/>
-                <a:cs typeface="Courier New"/>
-                <a:sym typeface="Courier New"/>
-              </a:rPr>
-              <a:t>):</a:t>
+                  <a:srgbClr val="008080"/>
+                </a:solidFill>
+                <a:highlight>
+                  <a:srgbClr val="FFFFFF"/>
+                </a:highlight>
+                <a:latin typeface="Courier New"/>
+                <a:ea typeface="Courier New"/>
+                <a:cs typeface="Courier New"/>
+                <a:sym typeface="Courier New"/>
+              </a:rPr>
+              <a:t>'/some_url'</a:t>
+            </a:r>
+            <a:r>
+              <a:rPr lang="vi" sz="1000">
+                <a:solidFill>
+                  <a:schemeClr val="dk1"/>
+                </a:solidFill>
+                <a:highlight>
+                  <a:srgbClr val="FFFFFF"/>
+                </a:highlight>
+                <a:latin typeface="Courier New"/>
+                <a:ea typeface="Courier New"/>
+                <a:cs typeface="Courier New"/>
+                <a:sym typeface="Courier New"/>
+              </a:rPr>
+              <a:t>, </a:t>
+            </a:r>
+            <a:r>
+              <a:rPr lang="vi" sz="1000">
+                <a:solidFill>
+                  <a:srgbClr val="660099"/>
+                </a:solidFill>
+                <a:highlight>
+                  <a:srgbClr val="FFFFFF"/>
+                </a:highlight>
+                <a:latin typeface="Courier New"/>
+                <a:ea typeface="Courier New"/>
+                <a:cs typeface="Courier New"/>
+                <a:sym typeface="Courier New"/>
+              </a:rPr>
+              <a:t>auth</a:t>
+            </a:r>
+            <a:r>
+              <a:rPr lang="vi" sz="1000">
+                <a:solidFill>
+                  <a:schemeClr val="dk1"/>
+                </a:solidFill>
+                <a:highlight>
+                  <a:srgbClr val="FFFFFF"/>
+                </a:highlight>
+                <a:latin typeface="Courier New"/>
+                <a:ea typeface="Courier New"/>
+                <a:cs typeface="Courier New"/>
+                <a:sym typeface="Courier New"/>
+              </a:rPr>
+              <a:t>=</a:t>
+            </a:r>
+            <a:r>
+              <a:rPr b="1" lang="vi" sz="1000">
+                <a:solidFill>
+                  <a:srgbClr val="008080"/>
+                </a:solidFill>
+                <a:highlight>
+                  <a:srgbClr val="FFFFFF"/>
+                </a:highlight>
+                <a:latin typeface="Courier New"/>
+                <a:ea typeface="Courier New"/>
+                <a:cs typeface="Courier New"/>
+                <a:sym typeface="Courier New"/>
+              </a:rPr>
+              <a:t>'public'</a:t>
+            </a:r>
+            <a:r>
+              <a:rPr lang="vi" sz="1000">
+                <a:solidFill>
+                  <a:schemeClr val="dk1"/>
+                </a:solidFill>
+                <a:highlight>
+                  <a:srgbClr val="FFFFFF"/>
+                </a:highlight>
+                <a:latin typeface="Courier New"/>
+                <a:ea typeface="Courier New"/>
+                <a:cs typeface="Courier New"/>
+                <a:sym typeface="Courier New"/>
+              </a:rPr>
+              <a:t>)</a:t>
             </a:r>
             <a:endParaRPr sz="1000">
               <a:solidFill>
@@ -30659,6 +31395,107 @@
                 <a:cs typeface="Courier New"/>
                 <a:sym typeface="Courier New"/>
               </a:rPr>
+              <a:t>   </a:t>
+            </a:r>
+            <a:r>
+              <a:rPr b="1" lang="vi" sz="1000">
+                <a:solidFill>
+                  <a:srgbClr val="000080"/>
+                </a:solidFill>
+                <a:highlight>
+                  <a:srgbClr val="FFFFFF"/>
+                </a:highlight>
+                <a:latin typeface="Courier New"/>
+                <a:ea typeface="Courier New"/>
+                <a:cs typeface="Courier New"/>
+                <a:sym typeface="Courier New"/>
+              </a:rPr>
+              <a:t>def </a:t>
+            </a:r>
+            <a:r>
+              <a:rPr lang="vi" sz="1000">
+                <a:solidFill>
+                  <a:schemeClr val="dk1"/>
+                </a:solidFill>
+                <a:highlight>
+                  <a:srgbClr val="FFFFFF"/>
+                </a:highlight>
+                <a:latin typeface="Courier New"/>
+                <a:ea typeface="Courier New"/>
+                <a:cs typeface="Courier New"/>
+                <a:sym typeface="Courier New"/>
+              </a:rPr>
+              <a:t>handler(</a:t>
+            </a:r>
+            <a:r>
+              <a:rPr lang="vi" sz="1000">
+                <a:solidFill>
+                  <a:srgbClr val="94558D"/>
+                </a:solidFill>
+                <a:highlight>
+                  <a:srgbClr val="FFFFFF"/>
+                </a:highlight>
+                <a:latin typeface="Courier New"/>
+                <a:ea typeface="Courier New"/>
+                <a:cs typeface="Courier New"/>
+                <a:sym typeface="Courier New"/>
+              </a:rPr>
+              <a:t>self</a:t>
+            </a:r>
+            <a:r>
+              <a:rPr lang="vi" sz="1000">
+                <a:solidFill>
+                  <a:schemeClr val="dk1"/>
+                </a:solidFill>
+                <a:highlight>
+                  <a:srgbClr val="FFFFFF"/>
+                </a:highlight>
+                <a:latin typeface="Courier New"/>
+                <a:ea typeface="Courier New"/>
+                <a:cs typeface="Courier New"/>
+                <a:sym typeface="Courier New"/>
+              </a:rPr>
+              <a:t>):</a:t>
+            </a:r>
+            <a:endParaRPr sz="1000">
+              <a:solidFill>
+                <a:schemeClr val="dk1"/>
+              </a:solidFill>
+              <a:highlight>
+                <a:srgbClr val="FFFFFF"/>
+              </a:highlight>
+              <a:latin typeface="Courier New"/>
+              <a:ea typeface="Courier New"/>
+              <a:cs typeface="Courier New"/>
+              <a:sym typeface="Courier New"/>
+            </a:endParaRPr>
+          </a:p>
+          <a:p>
+            <a:pPr indent="0" lvl="0" marL="0" rtl="0" algn="l">
+              <a:lnSpc>
+                <a:spcPct val="80000"/>
+              </a:lnSpc>
+              <a:spcBef>
+                <a:spcPts val="1200"/>
+              </a:spcBef>
+              <a:spcAft>
+                <a:spcPts val="0"/>
+              </a:spcAft>
+              <a:buNone/>
+            </a:pPr>
+            <a:r>
+              <a:rPr lang="vi" sz="1000">
+                <a:solidFill>
+                  <a:schemeClr val="dk1"/>
+                </a:solidFill>
+                <a:highlight>
+                  <a:srgbClr val="FFFFFF"/>
+                </a:highlight>
+                <a:latin typeface="Courier New"/>
+                <a:ea typeface="Courier New"/>
+                <a:cs typeface="Courier New"/>
+                <a:sym typeface="Courier New"/>
+              </a:rPr>
               <a:t>       </a:t>
             </a:r>
             <a:r>
@@ -31056,7 +31893,7 @@
       </p:sp>
       <p:sp>
         <p:nvSpPr>
-          <p:cNvPr id="234" name="Google Shape;234;p38"/>
+          <p:cNvPr id="240" name="Google Shape;240;p39"/>
           <p:cNvSpPr txBox="1"/>
           <p:nvPr>
             <p:ph idx="1" type="body"/>
@@ -31064,8 +31901,8 @@
         </p:nvSpPr>
         <p:spPr>
           <a:xfrm>
-            <a:off x="4637200" y="796600"/>
-            <a:ext cx="4260300" cy="4469100"/>
+            <a:off x="4637200" y="572700"/>
+            <a:ext cx="4260300" cy="4692900"/>
           </a:xfrm>
           <a:prstGeom prst="rect">
             <a:avLst/>
@@ -31343,6 +32180,2447 @@
               <a:t/>
             </a:r>
             <a:endParaRPr sz="1829"/>
+          </a:p>
+        </p:txBody>
+      </p:sp>
+    </p:spTree>
+  </p:cSld>
+  <p:clrMapOvr>
+    <a:masterClrMapping/>
+  </p:clrMapOvr>
+</p:sld>
+</file>
+
+<file path=ppt/slides/slide28.xml><?xml version="1.0" encoding="utf-8"?>
+<p:sld xmlns:a="http://schemas.openxmlformats.org/drawingml/2006/main" xmlns:r="http://schemas.openxmlformats.org/officeDocument/2006/relationships" xmlns:mc="http://schemas.openxmlformats.org/markup-compatibility/2006" xmlns:mv="urn:schemas-microsoft-com:mac:vml" xmlns:p="http://schemas.openxmlformats.org/presentationml/2006/main" xmlns:c="http://schemas.openxmlformats.org/drawingml/2006/chart" xmlns:dgm="http://schemas.openxmlformats.org/drawingml/2006/diagram" xmlns:o="urn:schemas-microsoft-com:office:office" xmlns:v="urn:schemas-microsoft-com:vml" xmlns:pvml="urn:schemas-microsoft-com:office:powerpoint" xmlns:com="http://schemas.openxmlformats.org/drawingml/2006/compatibility" xmlns:p14="http://schemas.microsoft.com/office/powerpoint/2010/main" xmlns:p15="http://schemas.microsoft.com/office/powerpoint/2012/main" xmlns:ahyp="http://schemas.microsoft.com/office/drawing/2018/hyperlinkcolor">
+  <p:cSld>
+    <p:spTree>
+      <p:nvGrpSpPr>
+        <p:cNvPr id="244" name="Shape 244"/>
+        <p:cNvGrpSpPr/>
+        <p:nvPr/>
+      </p:nvGrpSpPr>
+      <p:grpSpPr>
+        <a:xfrm>
+          <a:off x="0" y="0"/>
+          <a:ext cx="0" cy="0"/>
+          <a:chOff x="0" y="0"/>
+          <a:chExt cx="0" cy="0"/>
+        </a:xfrm>
+      </p:grpSpPr>
+      <p:sp>
+        <p:nvSpPr>
+          <p:cNvPr id="245" name="Google Shape;245;p40"/>
+          <p:cNvSpPr txBox="1"/>
+          <p:nvPr>
+            <p:ph type="title"/>
+          </p:nvPr>
+        </p:nvSpPr>
+        <p:spPr>
+          <a:xfrm>
+            <a:off x="311700" y="0"/>
+            <a:ext cx="8520600" cy="572700"/>
+          </a:xfrm>
+          <a:prstGeom prst="rect">
+            <a:avLst/>
+          </a:prstGeom>
+        </p:spPr>
+        <p:txBody>
+          <a:bodyPr anchorCtr="0" anchor="t" bIns="91425" lIns="91425" spcFirstLastPara="1" rIns="91425" wrap="square" tIns="91425">
+            <a:normAutofit fontScale="90000"/>
+          </a:bodyPr>
+          <a:lstStyle/>
+          <a:p>
+            <a:pPr indent="-388620" lvl="0" marL="457200" rtl="0" algn="l">
+              <a:spcBef>
+                <a:spcPts val="0"/>
+              </a:spcBef>
+              <a:spcAft>
+                <a:spcPts val="0"/>
+              </a:spcAft>
+              <a:buSzPct val="100000"/>
+              <a:buAutoNum type="romanUcPeriod" startAt="7"/>
+            </a:pPr>
+            <a:r>
+              <a:rPr lang="vi"/>
+              <a:t>Testing Odoo</a:t>
+            </a:r>
+            <a:endParaRPr/>
+          </a:p>
+        </p:txBody>
+      </p:sp>
+      <p:sp>
+        <p:nvSpPr>
+          <p:cNvPr id="246" name="Google Shape;246;p40"/>
+          <p:cNvSpPr txBox="1"/>
+          <p:nvPr>
+            <p:ph idx="1" type="body"/>
+          </p:nvPr>
+        </p:nvSpPr>
+        <p:spPr>
+          <a:xfrm>
+            <a:off x="0" y="492375"/>
+            <a:ext cx="4794900" cy="4515000"/>
+          </a:xfrm>
+          <a:prstGeom prst="rect">
+            <a:avLst/>
+          </a:prstGeom>
+        </p:spPr>
+        <p:txBody>
+          <a:bodyPr anchorCtr="0" anchor="t" bIns="91425" lIns="91425" spcFirstLastPara="1" rIns="91425" wrap="square" tIns="91425">
+            <a:noAutofit/>
+          </a:bodyPr>
+          <a:lstStyle/>
+          <a:p>
+            <a:pPr indent="-344805" lvl="0" marL="457200" rtl="0" algn="l">
+              <a:lnSpc>
+                <a:spcPct val="80000"/>
+              </a:lnSpc>
+              <a:spcBef>
+                <a:spcPts val="0"/>
+              </a:spcBef>
+              <a:spcAft>
+                <a:spcPts val="0"/>
+              </a:spcAft>
+              <a:buSzPts val="1830"/>
+              <a:buAutoNum type="arabicPeriod"/>
+            </a:pPr>
+            <a:r>
+              <a:rPr lang="vi" sz="1829"/>
+              <a:t>Testing Python code</a:t>
+            </a:r>
+            <a:endParaRPr sz="1829"/>
+          </a:p>
+          <a:p>
+            <a:pPr indent="-320675" lvl="1" marL="719999" rtl="0" algn="l">
+              <a:lnSpc>
+                <a:spcPct val="80000"/>
+              </a:lnSpc>
+              <a:spcBef>
+                <a:spcPts val="0"/>
+              </a:spcBef>
+              <a:spcAft>
+                <a:spcPts val="0"/>
+              </a:spcAft>
+              <a:buSzPts val="1450"/>
+              <a:buAutoNum type="alphaLcPeriod"/>
+            </a:pPr>
+            <a:r>
+              <a:rPr lang="vi" sz="1450"/>
+              <a:t>Run testing</a:t>
+            </a:r>
+            <a:endParaRPr sz="1450"/>
+          </a:p>
+          <a:p>
+            <a:pPr indent="0" lvl="0" marL="719999" rtl="0" algn="l">
+              <a:lnSpc>
+                <a:spcPct val="80000"/>
+              </a:lnSpc>
+              <a:spcBef>
+                <a:spcPts val="1200"/>
+              </a:spcBef>
+              <a:spcAft>
+                <a:spcPts val="0"/>
+              </a:spcAft>
+              <a:buNone/>
+            </a:pPr>
+            <a:r>
+              <a:rPr lang="vi" sz="1450"/>
+              <a:t>Run all module tests</a:t>
+            </a:r>
+            <a:endParaRPr sz="1450"/>
+          </a:p>
+          <a:p>
+            <a:pPr indent="-228600" lvl="0" marL="719999" rtl="0" algn="l">
+              <a:spcBef>
+                <a:spcPts val="1200"/>
+              </a:spcBef>
+              <a:spcAft>
+                <a:spcPts val="0"/>
+              </a:spcAft>
+              <a:buNone/>
+            </a:pPr>
+            <a:r>
+              <a:rPr lang="vi" sz="950">
+                <a:solidFill>
+                  <a:srgbClr val="2C2CFF"/>
+                </a:solidFill>
+              </a:rPr>
+              <a:t>$</a:t>
+            </a:r>
+            <a:r>
+              <a:rPr lang="vi" sz="950">
+                <a:solidFill>
+                  <a:srgbClr val="212529"/>
+                </a:solidFill>
+              </a:rPr>
+              <a:t> odoo/odoo-bin . . .  -i estate --test-enable</a:t>
+            </a:r>
+            <a:endParaRPr sz="950">
+              <a:solidFill>
+                <a:srgbClr val="212529"/>
+              </a:solidFill>
+            </a:endParaRPr>
+          </a:p>
+          <a:p>
+            <a:pPr indent="-228600" lvl="0" marL="719999" rtl="0" algn="l">
+              <a:spcBef>
+                <a:spcPts val="0"/>
+              </a:spcBef>
+              <a:spcAft>
+                <a:spcPts val="0"/>
+              </a:spcAft>
+              <a:buNone/>
+            </a:pPr>
+            <a:r>
+              <a:t/>
+            </a:r>
+            <a:endParaRPr sz="950">
+              <a:solidFill>
+                <a:srgbClr val="212529"/>
+              </a:solidFill>
+            </a:endParaRPr>
+          </a:p>
+          <a:p>
+            <a:pPr indent="0" lvl="0" marL="719999" rtl="0" algn="l">
+              <a:spcBef>
+                <a:spcPts val="0"/>
+              </a:spcBef>
+              <a:spcAft>
+                <a:spcPts val="0"/>
+              </a:spcAft>
+              <a:buNone/>
+            </a:pPr>
+            <a:r>
+              <a:rPr lang="vi" sz="1450"/>
+              <a:t>Run all the tests in this file</a:t>
+            </a:r>
+            <a:endParaRPr sz="1450"/>
+          </a:p>
+          <a:p>
+            <a:pPr indent="-228600" lvl="0" marL="719999" rtl="0" algn="l">
+              <a:spcBef>
+                <a:spcPts val="0"/>
+              </a:spcBef>
+              <a:spcAft>
+                <a:spcPts val="0"/>
+              </a:spcAft>
+              <a:buNone/>
+            </a:pPr>
+            <a:r>
+              <a:rPr lang="vi" sz="950">
+                <a:solidFill>
+                  <a:srgbClr val="2C2CFF"/>
+                </a:solidFill>
+              </a:rPr>
+              <a:t>$</a:t>
+            </a:r>
+            <a:r>
+              <a:rPr lang="vi" sz="950">
+                <a:solidFill>
+                  <a:srgbClr val="212529"/>
+                </a:solidFill>
+              </a:rPr>
+              <a:t> odoo/odoo-bin . . .  --test-file=customs/estate/tests/test_property.py</a:t>
+            </a:r>
+            <a:endParaRPr sz="950">
+              <a:solidFill>
+                <a:srgbClr val="212529"/>
+              </a:solidFill>
+            </a:endParaRPr>
+          </a:p>
+          <a:p>
+            <a:pPr indent="-228600" lvl="0" marL="719999" rtl="0" algn="l">
+              <a:spcBef>
+                <a:spcPts val="0"/>
+              </a:spcBef>
+              <a:spcAft>
+                <a:spcPts val="0"/>
+              </a:spcAft>
+              <a:buNone/>
+            </a:pPr>
+            <a:r>
+              <a:t/>
+            </a:r>
+            <a:endParaRPr sz="950">
+              <a:solidFill>
+                <a:srgbClr val="212529"/>
+              </a:solidFill>
+            </a:endParaRPr>
+          </a:p>
+          <a:p>
+            <a:pPr indent="-228600" lvl="0" marL="719999" rtl="0" algn="l">
+              <a:spcBef>
+                <a:spcPts val="0"/>
+              </a:spcBef>
+              <a:spcAft>
+                <a:spcPts val="0"/>
+              </a:spcAft>
+              <a:buNone/>
+            </a:pPr>
+            <a:r>
+              <a:t/>
+            </a:r>
+            <a:endParaRPr sz="950">
+              <a:solidFill>
+                <a:srgbClr val="212529"/>
+              </a:solidFill>
+            </a:endParaRPr>
+          </a:p>
+          <a:p>
+            <a:pPr indent="0" lvl="0" marL="719999" rtl="0" algn="l">
+              <a:spcBef>
+                <a:spcPts val="0"/>
+              </a:spcBef>
+              <a:spcAft>
+                <a:spcPts val="0"/>
+              </a:spcAft>
+              <a:buNone/>
+            </a:pPr>
+            <a:r>
+              <a:rPr lang="vi" sz="1450"/>
+              <a:t>Filter which tests to execute</a:t>
+            </a:r>
+            <a:endParaRPr sz="1450"/>
+          </a:p>
+          <a:p>
+            <a:pPr indent="-228600" lvl="0" marL="719999" rtl="0" algn="l">
+              <a:spcBef>
+                <a:spcPts val="0"/>
+              </a:spcBef>
+              <a:spcAft>
+                <a:spcPts val="0"/>
+              </a:spcAft>
+              <a:buNone/>
+            </a:pPr>
+            <a:r>
+              <a:rPr lang="vi" sz="950">
+                <a:solidFill>
+                  <a:srgbClr val="2C2CFF"/>
+                </a:solidFill>
+              </a:rPr>
+              <a:t>$</a:t>
+            </a:r>
+            <a:r>
+              <a:rPr lang="vi" sz="950">
+                <a:solidFill>
+                  <a:srgbClr val="212529"/>
+                </a:solidFill>
+              </a:rPr>
+              <a:t> odoo/odoo-bin . . . --test-tags=/estate:EstateTestCase.test_creation_area</a:t>
+            </a:r>
+            <a:endParaRPr sz="950">
+              <a:solidFill>
+                <a:srgbClr val="212529"/>
+              </a:solidFill>
+            </a:endParaRPr>
+          </a:p>
+          <a:p>
+            <a:pPr indent="-228600" lvl="0" marL="719999" rtl="0" algn="l">
+              <a:spcBef>
+                <a:spcPts val="0"/>
+              </a:spcBef>
+              <a:spcAft>
+                <a:spcPts val="0"/>
+              </a:spcAft>
+              <a:buNone/>
+            </a:pPr>
+            <a:r>
+              <a:t/>
+            </a:r>
+            <a:endParaRPr sz="950">
+              <a:solidFill>
+                <a:srgbClr val="212529"/>
+              </a:solidFill>
+            </a:endParaRPr>
+          </a:p>
+          <a:p>
+            <a:pPr indent="-320675" lvl="1" marL="719999" rtl="0" algn="l">
+              <a:lnSpc>
+                <a:spcPct val="80000"/>
+              </a:lnSpc>
+              <a:spcBef>
+                <a:spcPts val="0"/>
+              </a:spcBef>
+              <a:spcAft>
+                <a:spcPts val="0"/>
+              </a:spcAft>
+              <a:buSzPts val="1450"/>
+              <a:buAutoNum type="alphaLcPeriod"/>
+            </a:pPr>
+            <a:r>
+              <a:rPr lang="vi" sz="1450"/>
+              <a:t>Writing a test</a:t>
+            </a:r>
+            <a:endParaRPr sz="950">
+              <a:solidFill>
+                <a:srgbClr val="212529"/>
+              </a:solidFill>
+            </a:endParaRPr>
+          </a:p>
+          <a:p>
+            <a:pPr indent="0" lvl="0" marL="719999" rtl="0" algn="l">
+              <a:lnSpc>
+                <a:spcPct val="80000"/>
+              </a:lnSpc>
+              <a:spcBef>
+                <a:spcPts val="1200"/>
+              </a:spcBef>
+              <a:spcAft>
+                <a:spcPts val="1200"/>
+              </a:spcAft>
+              <a:buNone/>
+            </a:pPr>
+            <a:r>
+              <a:rPr lang="vi" sz="1450"/>
+              <a:t>Odoo provides support for testing modules using unittest.</a:t>
+            </a:r>
+            <a:endParaRPr sz="1829"/>
+          </a:p>
+        </p:txBody>
+      </p:sp>
+      <p:sp>
+        <p:nvSpPr>
+          <p:cNvPr id="247" name="Google Shape;247;p40"/>
+          <p:cNvSpPr txBox="1"/>
+          <p:nvPr>
+            <p:ph idx="1" type="body"/>
+          </p:nvPr>
+        </p:nvSpPr>
+        <p:spPr>
+          <a:xfrm>
+            <a:off x="4349100" y="368025"/>
+            <a:ext cx="4794900" cy="4719600"/>
+          </a:xfrm>
+          <a:prstGeom prst="rect">
+            <a:avLst/>
+          </a:prstGeom>
+        </p:spPr>
+        <p:txBody>
+          <a:bodyPr anchorCtr="0" anchor="t" bIns="91425" lIns="91425" spcFirstLastPara="1" rIns="91425" wrap="square" tIns="91425">
+            <a:noAutofit/>
+          </a:bodyPr>
+          <a:lstStyle/>
+          <a:p>
+            <a:pPr indent="0" lvl="0" marL="719999" rtl="0" algn="l">
+              <a:spcBef>
+                <a:spcPts val="0"/>
+              </a:spcBef>
+              <a:spcAft>
+                <a:spcPts val="0"/>
+              </a:spcAft>
+              <a:buNone/>
+            </a:pPr>
+            <a:r>
+              <a:rPr lang="vi" sz="1450"/>
+              <a:t>To write tests, simply define a tests sub-package in your module, it will be automatically inspected for test modules. Test modules should have a name starting with test_ and should be imported from tests/__init__.py, e.g.</a:t>
+            </a:r>
+            <a:endParaRPr sz="1200">
+              <a:solidFill>
+                <a:schemeClr val="dk1"/>
+              </a:solidFill>
+              <a:highlight>
+                <a:srgbClr val="FFFFFF"/>
+              </a:highlight>
+              <a:latin typeface="Roboto"/>
+              <a:ea typeface="Roboto"/>
+              <a:cs typeface="Roboto"/>
+              <a:sym typeface="Roboto"/>
+            </a:endParaRPr>
+          </a:p>
+          <a:p>
+            <a:pPr indent="0" lvl="0" marL="719999" rtl="0" algn="l">
+              <a:lnSpc>
+                <a:spcPct val="80000"/>
+              </a:lnSpc>
+              <a:spcBef>
+                <a:spcPts val="1200"/>
+              </a:spcBef>
+              <a:spcAft>
+                <a:spcPts val="0"/>
+              </a:spcAft>
+              <a:buNone/>
+            </a:pPr>
+            <a:r>
+              <a:t/>
+            </a:r>
+            <a:endParaRPr sz="1450"/>
+          </a:p>
+          <a:p>
+            <a:pPr indent="0" lvl="0" marL="914400" rtl="0" algn="l">
+              <a:lnSpc>
+                <a:spcPct val="80000"/>
+              </a:lnSpc>
+              <a:spcBef>
+                <a:spcPts val="1200"/>
+              </a:spcBef>
+              <a:spcAft>
+                <a:spcPts val="0"/>
+              </a:spcAft>
+              <a:buNone/>
+            </a:pPr>
+            <a:r>
+              <a:t/>
+            </a:r>
+            <a:endParaRPr sz="1450"/>
+          </a:p>
+          <a:p>
+            <a:pPr indent="457200" lvl="0" marL="457200" rtl="0" algn="l">
+              <a:spcBef>
+                <a:spcPts val="1200"/>
+              </a:spcBef>
+              <a:spcAft>
+                <a:spcPts val="0"/>
+              </a:spcAft>
+              <a:buNone/>
+            </a:pPr>
+            <a:r>
+              <a:t/>
+            </a:r>
+            <a:endParaRPr sz="950">
+              <a:solidFill>
+                <a:srgbClr val="212529"/>
+              </a:solidFill>
+            </a:endParaRPr>
+          </a:p>
+          <a:p>
+            <a:pPr indent="0" lvl="0" marL="914400" rtl="0" algn="l">
+              <a:lnSpc>
+                <a:spcPct val="80000"/>
+              </a:lnSpc>
+              <a:spcBef>
+                <a:spcPts val="0"/>
+              </a:spcBef>
+              <a:spcAft>
+                <a:spcPts val="0"/>
+              </a:spcAft>
+              <a:buNone/>
+            </a:pPr>
+            <a:r>
+              <a:t/>
+            </a:r>
+            <a:endParaRPr sz="1450"/>
+          </a:p>
+          <a:p>
+            <a:pPr indent="0" lvl="0" marL="0" rtl="0" algn="l">
+              <a:lnSpc>
+                <a:spcPct val="80000"/>
+              </a:lnSpc>
+              <a:spcBef>
+                <a:spcPts val="1200"/>
+              </a:spcBef>
+              <a:spcAft>
+                <a:spcPts val="0"/>
+              </a:spcAft>
+              <a:buSzPts val="1100"/>
+              <a:buNone/>
+            </a:pPr>
+            <a:r>
+              <a:t/>
+            </a:r>
+            <a:endParaRPr sz="1000"/>
+          </a:p>
+          <a:p>
+            <a:pPr indent="0" lvl="0" marL="0" rtl="0" algn="l">
+              <a:lnSpc>
+                <a:spcPct val="80000"/>
+              </a:lnSpc>
+              <a:spcBef>
+                <a:spcPts val="1200"/>
+              </a:spcBef>
+              <a:spcAft>
+                <a:spcPts val="1200"/>
+              </a:spcAft>
+              <a:buSzPts val="935"/>
+              <a:buNone/>
+            </a:pPr>
+            <a:r>
+              <a:t/>
+            </a:r>
+            <a:endParaRPr sz="1829"/>
+          </a:p>
+        </p:txBody>
+      </p:sp>
+      <p:pic>
+        <p:nvPicPr>
+          <p:cNvPr id="248" name="Google Shape;248;p40"/>
+          <p:cNvPicPr preferRelativeResize="0"/>
+          <p:nvPr/>
+        </p:nvPicPr>
+        <p:blipFill>
+          <a:blip r:embed="rId3">
+            <a:alphaModFix/>
+          </a:blip>
+          <a:stretch>
+            <a:fillRect/>
+          </a:stretch>
+        </p:blipFill>
+        <p:spPr>
+          <a:xfrm>
+            <a:off x="5223213" y="2276863"/>
+            <a:ext cx="3400425" cy="1343025"/>
+          </a:xfrm>
+          <a:prstGeom prst="rect">
+            <a:avLst/>
+          </a:prstGeom>
+          <a:noFill/>
+          <a:ln>
+            <a:noFill/>
+          </a:ln>
+        </p:spPr>
+      </p:pic>
+    </p:spTree>
+  </p:cSld>
+  <p:clrMapOvr>
+    <a:masterClrMapping/>
+  </p:clrMapOvr>
+</p:sld>
+</file>
+
+<file path=ppt/slides/slide29.xml><?xml version="1.0" encoding="utf-8"?>
+<p:sld xmlns:a="http://schemas.openxmlformats.org/drawingml/2006/main" xmlns:r="http://schemas.openxmlformats.org/officeDocument/2006/relationships" xmlns:mc="http://schemas.openxmlformats.org/markup-compatibility/2006" xmlns:mv="urn:schemas-microsoft-com:mac:vml" xmlns:p="http://schemas.openxmlformats.org/presentationml/2006/main" xmlns:c="http://schemas.openxmlformats.org/drawingml/2006/chart" xmlns:dgm="http://schemas.openxmlformats.org/drawingml/2006/diagram" xmlns:o="urn:schemas-microsoft-com:office:office" xmlns:v="urn:schemas-microsoft-com:vml" xmlns:pvml="urn:schemas-microsoft-com:office:powerpoint" xmlns:com="http://schemas.openxmlformats.org/drawingml/2006/compatibility" xmlns:p14="http://schemas.microsoft.com/office/powerpoint/2010/main" xmlns:p15="http://schemas.microsoft.com/office/powerpoint/2012/main" xmlns:ahyp="http://schemas.microsoft.com/office/drawing/2018/hyperlinkcolor">
+  <p:cSld>
+    <p:spTree>
+      <p:nvGrpSpPr>
+        <p:cNvPr id="252" name="Shape 252"/>
+        <p:cNvGrpSpPr/>
+        <p:nvPr/>
+      </p:nvGrpSpPr>
+      <p:grpSpPr>
+        <a:xfrm>
+          <a:off x="0" y="0"/>
+          <a:ext cx="0" cy="0"/>
+          <a:chOff x="0" y="0"/>
+          <a:chExt cx="0" cy="0"/>
+        </a:xfrm>
+      </p:grpSpPr>
+      <p:sp>
+        <p:nvSpPr>
+          <p:cNvPr id="253" name="Google Shape;253;p41"/>
+          <p:cNvSpPr txBox="1"/>
+          <p:nvPr>
+            <p:ph type="title"/>
+          </p:nvPr>
+        </p:nvSpPr>
+        <p:spPr>
+          <a:xfrm>
+            <a:off x="311700" y="0"/>
+            <a:ext cx="8520600" cy="572700"/>
+          </a:xfrm>
+          <a:prstGeom prst="rect">
+            <a:avLst/>
+          </a:prstGeom>
+        </p:spPr>
+        <p:txBody>
+          <a:bodyPr anchorCtr="0" anchor="t" bIns="91425" lIns="91425" spcFirstLastPara="1" rIns="91425" wrap="square" tIns="91425">
+            <a:normAutofit fontScale="90000"/>
+          </a:bodyPr>
+          <a:lstStyle/>
+          <a:p>
+            <a:pPr indent="-388620" lvl="0" marL="457200" rtl="0" algn="l">
+              <a:spcBef>
+                <a:spcPts val="0"/>
+              </a:spcBef>
+              <a:spcAft>
+                <a:spcPts val="0"/>
+              </a:spcAft>
+              <a:buSzPct val="100000"/>
+              <a:buAutoNum type="romanUcPeriod" startAt="7"/>
+            </a:pPr>
+            <a:r>
+              <a:rPr lang="vi"/>
+              <a:t>Testing Odoo</a:t>
+            </a:r>
+            <a:endParaRPr/>
+          </a:p>
+        </p:txBody>
+      </p:sp>
+      <p:sp>
+        <p:nvSpPr>
+          <p:cNvPr id="254" name="Google Shape;254;p41"/>
+          <p:cNvSpPr txBox="1"/>
+          <p:nvPr>
+            <p:ph idx="1" type="body"/>
+          </p:nvPr>
+        </p:nvSpPr>
+        <p:spPr>
+          <a:xfrm>
+            <a:off x="4349100" y="368025"/>
+            <a:ext cx="4794900" cy="4719600"/>
+          </a:xfrm>
+          <a:prstGeom prst="rect">
+            <a:avLst/>
+          </a:prstGeom>
+        </p:spPr>
+        <p:txBody>
+          <a:bodyPr anchorCtr="0" anchor="t" bIns="91425" lIns="91425" spcFirstLastPara="1" rIns="91425" wrap="square" tIns="91425">
+            <a:noAutofit/>
+          </a:bodyPr>
+          <a:lstStyle/>
+          <a:p>
+            <a:pPr indent="0" lvl="0" marL="0" rtl="0" algn="l">
+              <a:lnSpc>
+                <a:spcPct val="80000"/>
+              </a:lnSpc>
+              <a:spcBef>
+                <a:spcPts val="0"/>
+              </a:spcBef>
+              <a:spcAft>
+                <a:spcPts val="0"/>
+              </a:spcAft>
+              <a:buClr>
+                <a:schemeClr val="dk1"/>
+              </a:buClr>
+              <a:buSzPts val="1100"/>
+              <a:buFont typeface="Arial"/>
+              <a:buNone/>
+            </a:pPr>
+            <a:r>
+              <a:rPr lang="vi" sz="1000">
+                <a:solidFill>
+                  <a:srgbClr val="0000B2"/>
+                </a:solidFill>
+                <a:highlight>
+                  <a:srgbClr val="FFFFFF"/>
+                </a:highlight>
+                <a:latin typeface="Courier New"/>
+                <a:ea typeface="Courier New"/>
+                <a:cs typeface="Courier New"/>
+                <a:sym typeface="Courier New"/>
+              </a:rPr>
+              <a:t>@tagged</a:t>
+            </a:r>
+            <a:r>
+              <a:rPr lang="vi" sz="1000">
+                <a:solidFill>
+                  <a:schemeClr val="dk1"/>
+                </a:solidFill>
+                <a:highlight>
+                  <a:srgbClr val="FFFFFF"/>
+                </a:highlight>
+                <a:latin typeface="Courier New"/>
+                <a:ea typeface="Courier New"/>
+                <a:cs typeface="Courier New"/>
+                <a:sym typeface="Courier New"/>
+              </a:rPr>
+              <a:t>(</a:t>
+            </a:r>
+            <a:r>
+              <a:rPr b="1" lang="vi" sz="1000">
+                <a:solidFill>
+                  <a:srgbClr val="008080"/>
+                </a:solidFill>
+                <a:highlight>
+                  <a:srgbClr val="FFFFFF"/>
+                </a:highlight>
+                <a:latin typeface="Courier New"/>
+                <a:ea typeface="Courier New"/>
+                <a:cs typeface="Courier New"/>
+                <a:sym typeface="Courier New"/>
+              </a:rPr>
+              <a:t>'at_install'</a:t>
+            </a:r>
+            <a:r>
+              <a:rPr lang="vi" sz="1000">
+                <a:solidFill>
+                  <a:schemeClr val="dk1"/>
+                </a:solidFill>
+                <a:highlight>
+                  <a:srgbClr val="FFFFFF"/>
+                </a:highlight>
+                <a:latin typeface="Courier New"/>
+                <a:ea typeface="Courier New"/>
+                <a:cs typeface="Courier New"/>
+                <a:sym typeface="Courier New"/>
+              </a:rPr>
+              <a:t>)</a:t>
+            </a:r>
+            <a:endParaRPr sz="1000">
+              <a:solidFill>
+                <a:schemeClr val="dk1"/>
+              </a:solidFill>
+              <a:highlight>
+                <a:srgbClr val="FFFFFF"/>
+              </a:highlight>
+              <a:latin typeface="Courier New"/>
+              <a:ea typeface="Courier New"/>
+              <a:cs typeface="Courier New"/>
+              <a:sym typeface="Courier New"/>
+            </a:endParaRPr>
+          </a:p>
+          <a:p>
+            <a:pPr indent="0" lvl="0" marL="0" rtl="0" algn="l">
+              <a:lnSpc>
+                <a:spcPct val="80000"/>
+              </a:lnSpc>
+              <a:spcBef>
+                <a:spcPts val="1200"/>
+              </a:spcBef>
+              <a:spcAft>
+                <a:spcPts val="0"/>
+              </a:spcAft>
+              <a:buClr>
+                <a:schemeClr val="dk1"/>
+              </a:buClr>
+              <a:buSzPts val="1100"/>
+              <a:buFont typeface="Arial"/>
+              <a:buNone/>
+            </a:pPr>
+            <a:r>
+              <a:rPr b="1" lang="vi" sz="1000">
+                <a:solidFill>
+                  <a:srgbClr val="000080"/>
+                </a:solidFill>
+                <a:highlight>
+                  <a:srgbClr val="FFFFFF"/>
+                </a:highlight>
+                <a:latin typeface="Courier New"/>
+                <a:ea typeface="Courier New"/>
+                <a:cs typeface="Courier New"/>
+                <a:sym typeface="Courier New"/>
+              </a:rPr>
+              <a:t>class </a:t>
+            </a:r>
+            <a:r>
+              <a:rPr lang="vi" sz="1000">
+                <a:solidFill>
+                  <a:schemeClr val="dk1"/>
+                </a:solidFill>
+                <a:highlight>
+                  <a:srgbClr val="FFFFFF"/>
+                </a:highlight>
+                <a:latin typeface="Courier New"/>
+                <a:ea typeface="Courier New"/>
+                <a:cs typeface="Courier New"/>
+                <a:sym typeface="Courier New"/>
+              </a:rPr>
+              <a:t>EstateTestCase(SavepointCase):</a:t>
+            </a:r>
+            <a:endParaRPr sz="1000">
+              <a:solidFill>
+                <a:schemeClr val="dk1"/>
+              </a:solidFill>
+              <a:highlight>
+                <a:srgbClr val="FFFFFF"/>
+              </a:highlight>
+              <a:latin typeface="Courier New"/>
+              <a:ea typeface="Courier New"/>
+              <a:cs typeface="Courier New"/>
+              <a:sym typeface="Courier New"/>
+            </a:endParaRPr>
+          </a:p>
+          <a:p>
+            <a:pPr indent="0" lvl="0" marL="0" rtl="0" algn="l">
+              <a:lnSpc>
+                <a:spcPct val="80000"/>
+              </a:lnSpc>
+              <a:spcBef>
+                <a:spcPts val="1200"/>
+              </a:spcBef>
+              <a:spcAft>
+                <a:spcPts val="0"/>
+              </a:spcAft>
+              <a:buClr>
+                <a:schemeClr val="dk1"/>
+              </a:buClr>
+              <a:buSzPts val="1100"/>
+              <a:buFont typeface="Arial"/>
+              <a:buNone/>
+            </a:pPr>
+            <a:r>
+              <a:rPr lang="vi" sz="1000">
+                <a:solidFill>
+                  <a:schemeClr val="dk1"/>
+                </a:solidFill>
+                <a:highlight>
+                  <a:srgbClr val="FFFFFF"/>
+                </a:highlight>
+                <a:latin typeface="Courier New"/>
+                <a:ea typeface="Courier New"/>
+                <a:cs typeface="Courier New"/>
+                <a:sym typeface="Courier New"/>
+              </a:rPr>
+              <a:t>   </a:t>
+            </a:r>
+            <a:r>
+              <a:rPr lang="vi" sz="1000">
+                <a:solidFill>
+                  <a:srgbClr val="0000B2"/>
+                </a:solidFill>
+                <a:highlight>
+                  <a:srgbClr val="FFFFFF"/>
+                </a:highlight>
+                <a:latin typeface="Courier New"/>
+                <a:ea typeface="Courier New"/>
+                <a:cs typeface="Courier New"/>
+                <a:sym typeface="Courier New"/>
+              </a:rPr>
+              <a:t>@classmethod</a:t>
+            </a:r>
+            <a:endParaRPr sz="1000">
+              <a:solidFill>
+                <a:srgbClr val="0000B2"/>
+              </a:solidFill>
+              <a:highlight>
+                <a:srgbClr val="FFFFFF"/>
+              </a:highlight>
+              <a:latin typeface="Courier New"/>
+              <a:ea typeface="Courier New"/>
+              <a:cs typeface="Courier New"/>
+              <a:sym typeface="Courier New"/>
+            </a:endParaRPr>
+          </a:p>
+          <a:p>
+            <a:pPr indent="0" lvl="0" marL="0" rtl="0" algn="l">
+              <a:lnSpc>
+                <a:spcPct val="80000"/>
+              </a:lnSpc>
+              <a:spcBef>
+                <a:spcPts val="1200"/>
+              </a:spcBef>
+              <a:spcAft>
+                <a:spcPts val="0"/>
+              </a:spcAft>
+              <a:buClr>
+                <a:schemeClr val="dk1"/>
+              </a:buClr>
+              <a:buSzPts val="1100"/>
+              <a:buFont typeface="Arial"/>
+              <a:buNone/>
+            </a:pPr>
+            <a:r>
+              <a:rPr lang="vi" sz="1000">
+                <a:solidFill>
+                  <a:srgbClr val="0000B2"/>
+                </a:solidFill>
+                <a:highlight>
+                  <a:srgbClr val="FFFFFF"/>
+                </a:highlight>
+                <a:latin typeface="Courier New"/>
+                <a:ea typeface="Courier New"/>
+                <a:cs typeface="Courier New"/>
+                <a:sym typeface="Courier New"/>
+              </a:rPr>
+              <a:t>   </a:t>
+            </a:r>
+            <a:r>
+              <a:rPr b="1" lang="vi" sz="1000">
+                <a:solidFill>
+                  <a:srgbClr val="000080"/>
+                </a:solidFill>
+                <a:highlight>
+                  <a:srgbClr val="FFFFFF"/>
+                </a:highlight>
+                <a:latin typeface="Courier New"/>
+                <a:ea typeface="Courier New"/>
+                <a:cs typeface="Courier New"/>
+                <a:sym typeface="Courier New"/>
+              </a:rPr>
+              <a:t>def </a:t>
+            </a:r>
+            <a:r>
+              <a:rPr lang="vi" sz="1000">
+                <a:solidFill>
+                  <a:schemeClr val="dk1"/>
+                </a:solidFill>
+                <a:highlight>
+                  <a:srgbClr val="FFFFFF"/>
+                </a:highlight>
+                <a:latin typeface="Courier New"/>
+                <a:ea typeface="Courier New"/>
+                <a:cs typeface="Courier New"/>
+                <a:sym typeface="Courier New"/>
+              </a:rPr>
+              <a:t>setUpClass(</a:t>
+            </a:r>
+            <a:r>
+              <a:rPr lang="vi" sz="1000">
+                <a:solidFill>
+                  <a:srgbClr val="94558D"/>
+                </a:solidFill>
+                <a:highlight>
+                  <a:srgbClr val="FFFFFF"/>
+                </a:highlight>
+                <a:latin typeface="Courier New"/>
+                <a:ea typeface="Courier New"/>
+                <a:cs typeface="Courier New"/>
+                <a:sym typeface="Courier New"/>
+              </a:rPr>
+              <a:t>cls</a:t>
+            </a:r>
+            <a:r>
+              <a:rPr lang="vi" sz="1000">
+                <a:solidFill>
+                  <a:schemeClr val="dk1"/>
+                </a:solidFill>
+                <a:highlight>
+                  <a:srgbClr val="FFFFFF"/>
+                </a:highlight>
+                <a:latin typeface="Courier New"/>
+                <a:ea typeface="Courier New"/>
+                <a:cs typeface="Courier New"/>
+                <a:sym typeface="Courier New"/>
+              </a:rPr>
+              <a:t>):</a:t>
+            </a:r>
+            <a:endParaRPr sz="1000">
+              <a:solidFill>
+                <a:schemeClr val="dk1"/>
+              </a:solidFill>
+              <a:highlight>
+                <a:srgbClr val="FFFFFF"/>
+              </a:highlight>
+              <a:latin typeface="Courier New"/>
+              <a:ea typeface="Courier New"/>
+              <a:cs typeface="Courier New"/>
+              <a:sym typeface="Courier New"/>
+            </a:endParaRPr>
+          </a:p>
+          <a:p>
+            <a:pPr indent="0" lvl="0" marL="0" rtl="0" algn="l">
+              <a:lnSpc>
+                <a:spcPct val="80000"/>
+              </a:lnSpc>
+              <a:spcBef>
+                <a:spcPts val="1200"/>
+              </a:spcBef>
+              <a:spcAft>
+                <a:spcPts val="0"/>
+              </a:spcAft>
+              <a:buClr>
+                <a:schemeClr val="dk1"/>
+              </a:buClr>
+              <a:buSzPts val="1100"/>
+              <a:buFont typeface="Arial"/>
+              <a:buNone/>
+            </a:pPr>
+            <a:r>
+              <a:rPr lang="vi" sz="1000">
+                <a:solidFill>
+                  <a:schemeClr val="dk1"/>
+                </a:solidFill>
+                <a:highlight>
+                  <a:srgbClr val="FFFFFF"/>
+                </a:highlight>
+                <a:latin typeface="Courier New"/>
+                <a:ea typeface="Courier New"/>
+                <a:cs typeface="Courier New"/>
+                <a:sym typeface="Courier New"/>
+              </a:rPr>
+              <a:t>       </a:t>
+            </a:r>
+            <a:r>
+              <a:rPr lang="vi" sz="1000">
+                <a:solidFill>
+                  <a:srgbClr val="000080"/>
+                </a:solidFill>
+                <a:highlight>
+                  <a:srgbClr val="FFFFFF"/>
+                </a:highlight>
+                <a:latin typeface="Courier New"/>
+                <a:ea typeface="Courier New"/>
+                <a:cs typeface="Courier New"/>
+                <a:sym typeface="Courier New"/>
+              </a:rPr>
+              <a:t>super</a:t>
+            </a:r>
+            <a:r>
+              <a:rPr lang="vi" sz="1000">
+                <a:solidFill>
+                  <a:schemeClr val="dk1"/>
+                </a:solidFill>
+                <a:highlight>
+                  <a:srgbClr val="FFFFFF"/>
+                </a:highlight>
+                <a:latin typeface="Courier New"/>
+                <a:ea typeface="Courier New"/>
+                <a:cs typeface="Courier New"/>
+                <a:sym typeface="Courier New"/>
+              </a:rPr>
+              <a:t>(EstateTestCase, </a:t>
+            </a:r>
+            <a:r>
+              <a:rPr lang="vi" sz="1000">
+                <a:solidFill>
+                  <a:srgbClr val="94558D"/>
+                </a:solidFill>
+                <a:highlight>
+                  <a:srgbClr val="FFFFFF"/>
+                </a:highlight>
+                <a:latin typeface="Courier New"/>
+                <a:ea typeface="Courier New"/>
+                <a:cs typeface="Courier New"/>
+                <a:sym typeface="Courier New"/>
+              </a:rPr>
+              <a:t>cls</a:t>
+            </a:r>
+            <a:r>
+              <a:rPr lang="vi" sz="1000">
+                <a:solidFill>
+                  <a:schemeClr val="dk1"/>
+                </a:solidFill>
+                <a:highlight>
+                  <a:srgbClr val="FFFFFF"/>
+                </a:highlight>
+                <a:latin typeface="Courier New"/>
+                <a:ea typeface="Courier New"/>
+                <a:cs typeface="Courier New"/>
+                <a:sym typeface="Courier New"/>
+              </a:rPr>
+              <a:t>).setUpClass()</a:t>
+            </a:r>
+            <a:endParaRPr sz="1000">
+              <a:solidFill>
+                <a:schemeClr val="dk1"/>
+              </a:solidFill>
+              <a:highlight>
+                <a:srgbClr val="FFFFFF"/>
+              </a:highlight>
+              <a:latin typeface="Courier New"/>
+              <a:ea typeface="Courier New"/>
+              <a:cs typeface="Courier New"/>
+              <a:sym typeface="Courier New"/>
+            </a:endParaRPr>
+          </a:p>
+          <a:p>
+            <a:pPr indent="0" lvl="0" marL="0" rtl="0" algn="l">
+              <a:lnSpc>
+                <a:spcPct val="80000"/>
+              </a:lnSpc>
+              <a:spcBef>
+                <a:spcPts val="1200"/>
+              </a:spcBef>
+              <a:spcAft>
+                <a:spcPts val="0"/>
+              </a:spcAft>
+              <a:buClr>
+                <a:schemeClr val="dk1"/>
+              </a:buClr>
+              <a:buSzPts val="1100"/>
+              <a:buFont typeface="Arial"/>
+              <a:buNone/>
+            </a:pPr>
+            <a:r>
+              <a:rPr lang="vi" sz="1000">
+                <a:solidFill>
+                  <a:schemeClr val="dk1"/>
+                </a:solidFill>
+                <a:highlight>
+                  <a:srgbClr val="FFFFFF"/>
+                </a:highlight>
+                <a:latin typeface="Courier New"/>
+                <a:ea typeface="Courier New"/>
+                <a:cs typeface="Courier New"/>
+                <a:sym typeface="Courier New"/>
+              </a:rPr>
+              <a:t>       </a:t>
+            </a:r>
+            <a:r>
+              <a:rPr lang="vi" sz="1000">
+                <a:solidFill>
+                  <a:srgbClr val="94558D"/>
+                </a:solidFill>
+                <a:highlight>
+                  <a:srgbClr val="FFFFFF"/>
+                </a:highlight>
+                <a:latin typeface="Courier New"/>
+                <a:ea typeface="Courier New"/>
+                <a:cs typeface="Courier New"/>
+                <a:sym typeface="Courier New"/>
+              </a:rPr>
+              <a:t>cls</a:t>
+            </a:r>
+            <a:r>
+              <a:rPr lang="vi" sz="1000">
+                <a:solidFill>
+                  <a:schemeClr val="dk1"/>
+                </a:solidFill>
+                <a:highlight>
+                  <a:srgbClr val="FFFFFF"/>
+                </a:highlight>
+                <a:latin typeface="Courier New"/>
+                <a:ea typeface="Courier New"/>
+                <a:cs typeface="Courier New"/>
+                <a:sym typeface="Courier New"/>
+              </a:rPr>
+              <a:t>.properties = </a:t>
+            </a:r>
+            <a:r>
+              <a:rPr lang="vi" sz="1000">
+                <a:solidFill>
+                  <a:srgbClr val="94558D"/>
+                </a:solidFill>
+                <a:highlight>
+                  <a:srgbClr val="FFFFFF"/>
+                </a:highlight>
+                <a:latin typeface="Courier New"/>
+                <a:ea typeface="Courier New"/>
+                <a:cs typeface="Courier New"/>
+                <a:sym typeface="Courier New"/>
+              </a:rPr>
+              <a:t>cls</a:t>
+            </a:r>
+            <a:r>
+              <a:rPr lang="vi" sz="1000">
+                <a:solidFill>
+                  <a:schemeClr val="dk1"/>
+                </a:solidFill>
+                <a:highlight>
+                  <a:srgbClr val="FFFFFF"/>
+                </a:highlight>
+                <a:latin typeface="Courier New"/>
+                <a:ea typeface="Courier New"/>
+                <a:cs typeface="Courier New"/>
+                <a:sym typeface="Courier New"/>
+              </a:rPr>
+              <a:t>.env[</a:t>
+            </a:r>
+            <a:r>
+              <a:rPr b="1" lang="vi" sz="1000">
+                <a:solidFill>
+                  <a:srgbClr val="008080"/>
+                </a:solidFill>
+                <a:highlight>
+                  <a:srgbClr val="FFFFFF"/>
+                </a:highlight>
+                <a:latin typeface="Courier New"/>
+                <a:ea typeface="Courier New"/>
+                <a:cs typeface="Courier New"/>
+                <a:sym typeface="Courier New"/>
+              </a:rPr>
+              <a:t>'estate.property'</a:t>
+            </a:r>
+            <a:r>
+              <a:rPr lang="vi" sz="1000">
+                <a:solidFill>
+                  <a:schemeClr val="dk1"/>
+                </a:solidFill>
+                <a:highlight>
+                  <a:srgbClr val="FFFFFF"/>
+                </a:highlight>
+                <a:latin typeface="Courier New"/>
+                <a:ea typeface="Courier New"/>
+                <a:cs typeface="Courier New"/>
+                <a:sym typeface="Courier New"/>
+              </a:rPr>
+              <a:t>].create([</a:t>
+            </a:r>
+            <a:endParaRPr sz="1000">
+              <a:solidFill>
+                <a:schemeClr val="dk1"/>
+              </a:solidFill>
+              <a:highlight>
+                <a:srgbClr val="FFFFFF"/>
+              </a:highlight>
+              <a:latin typeface="Courier New"/>
+              <a:ea typeface="Courier New"/>
+              <a:cs typeface="Courier New"/>
+              <a:sym typeface="Courier New"/>
+            </a:endParaRPr>
+          </a:p>
+          <a:p>
+            <a:pPr indent="0" lvl="0" marL="0" rtl="0" algn="l">
+              <a:lnSpc>
+                <a:spcPct val="80000"/>
+              </a:lnSpc>
+              <a:spcBef>
+                <a:spcPts val="1200"/>
+              </a:spcBef>
+              <a:spcAft>
+                <a:spcPts val="0"/>
+              </a:spcAft>
+              <a:buClr>
+                <a:schemeClr val="dk1"/>
+              </a:buClr>
+              <a:buSzPts val="1100"/>
+              <a:buFont typeface="Arial"/>
+              <a:buNone/>
+            </a:pPr>
+            <a:r>
+              <a:rPr lang="vi" sz="1000">
+                <a:solidFill>
+                  <a:schemeClr val="dk1"/>
+                </a:solidFill>
+                <a:highlight>
+                  <a:srgbClr val="FFFFFF"/>
+                </a:highlight>
+                <a:latin typeface="Courier New"/>
+                <a:ea typeface="Courier New"/>
+                <a:cs typeface="Courier New"/>
+                <a:sym typeface="Courier New"/>
+              </a:rPr>
+              <a:t>           {</a:t>
+            </a:r>
+            <a:r>
+              <a:rPr b="1" lang="vi" sz="1000">
+                <a:solidFill>
+                  <a:srgbClr val="008080"/>
+                </a:solidFill>
+                <a:highlight>
+                  <a:srgbClr val="FFFFFF"/>
+                </a:highlight>
+                <a:latin typeface="Courier New"/>
+                <a:ea typeface="Courier New"/>
+                <a:cs typeface="Courier New"/>
+                <a:sym typeface="Courier New"/>
+              </a:rPr>
+              <a:t>'name'</a:t>
+            </a:r>
+            <a:r>
+              <a:rPr lang="vi" sz="1000">
+                <a:solidFill>
+                  <a:schemeClr val="dk1"/>
+                </a:solidFill>
+                <a:highlight>
+                  <a:srgbClr val="FFFFFF"/>
+                </a:highlight>
+                <a:latin typeface="Courier New"/>
+                <a:ea typeface="Courier New"/>
+                <a:cs typeface="Courier New"/>
+                <a:sym typeface="Courier New"/>
+              </a:rPr>
+              <a:t>: </a:t>
+            </a:r>
+            <a:r>
+              <a:rPr b="1" lang="vi" sz="1000">
+                <a:solidFill>
+                  <a:srgbClr val="008080"/>
+                </a:solidFill>
+                <a:highlight>
+                  <a:srgbClr val="FFFFFF"/>
+                </a:highlight>
+                <a:latin typeface="Courier New"/>
+                <a:ea typeface="Courier New"/>
+                <a:cs typeface="Courier New"/>
+                <a:sym typeface="Courier New"/>
+              </a:rPr>
+              <a:t>'Test Estate Property'</a:t>
+            </a:r>
+            <a:r>
+              <a:rPr lang="vi" sz="1000">
+                <a:solidFill>
+                  <a:schemeClr val="dk1"/>
+                </a:solidFill>
+                <a:highlight>
+                  <a:srgbClr val="FFFFFF"/>
+                </a:highlight>
+                <a:latin typeface="Courier New"/>
+                <a:ea typeface="Courier New"/>
+                <a:cs typeface="Courier New"/>
+                <a:sym typeface="Courier New"/>
+              </a:rPr>
+              <a:t>},</a:t>
+            </a:r>
+            <a:endParaRPr sz="1000">
+              <a:solidFill>
+                <a:schemeClr val="dk1"/>
+              </a:solidFill>
+              <a:highlight>
+                <a:srgbClr val="FFFFFF"/>
+              </a:highlight>
+              <a:latin typeface="Courier New"/>
+              <a:ea typeface="Courier New"/>
+              <a:cs typeface="Courier New"/>
+              <a:sym typeface="Courier New"/>
+            </a:endParaRPr>
+          </a:p>
+          <a:p>
+            <a:pPr indent="0" lvl="0" marL="0" rtl="0" algn="l">
+              <a:lnSpc>
+                <a:spcPct val="80000"/>
+              </a:lnSpc>
+              <a:spcBef>
+                <a:spcPts val="1200"/>
+              </a:spcBef>
+              <a:spcAft>
+                <a:spcPts val="0"/>
+              </a:spcAft>
+              <a:buClr>
+                <a:schemeClr val="dk1"/>
+              </a:buClr>
+              <a:buSzPts val="1100"/>
+              <a:buFont typeface="Arial"/>
+              <a:buNone/>
+            </a:pPr>
+            <a:r>
+              <a:rPr lang="vi" sz="1000">
+                <a:solidFill>
+                  <a:schemeClr val="dk1"/>
+                </a:solidFill>
+                <a:highlight>
+                  <a:srgbClr val="FFFFFF"/>
+                </a:highlight>
+                <a:latin typeface="Courier New"/>
+                <a:ea typeface="Courier New"/>
+                <a:cs typeface="Courier New"/>
+                <a:sym typeface="Courier New"/>
+              </a:rPr>
+              <a:t>           {</a:t>
+            </a:r>
+            <a:r>
+              <a:rPr b="1" lang="vi" sz="1000">
+                <a:solidFill>
+                  <a:srgbClr val="008080"/>
+                </a:solidFill>
+                <a:highlight>
+                  <a:srgbClr val="FFFFFF"/>
+                </a:highlight>
+                <a:latin typeface="Courier New"/>
+                <a:ea typeface="Courier New"/>
+                <a:cs typeface="Courier New"/>
+                <a:sym typeface="Courier New"/>
+              </a:rPr>
+              <a:t>'name'</a:t>
+            </a:r>
+            <a:r>
+              <a:rPr lang="vi" sz="1000">
+                <a:solidFill>
+                  <a:schemeClr val="dk1"/>
+                </a:solidFill>
+                <a:highlight>
+                  <a:srgbClr val="FFFFFF"/>
+                </a:highlight>
+                <a:latin typeface="Courier New"/>
+                <a:ea typeface="Courier New"/>
+                <a:cs typeface="Courier New"/>
+                <a:sym typeface="Courier New"/>
+              </a:rPr>
+              <a:t>: </a:t>
+            </a:r>
+            <a:r>
+              <a:rPr b="1" lang="vi" sz="1000">
+                <a:solidFill>
+                  <a:srgbClr val="008080"/>
+                </a:solidFill>
+                <a:highlight>
+                  <a:srgbClr val="FFFFFF"/>
+                </a:highlight>
+                <a:latin typeface="Courier New"/>
+                <a:ea typeface="Courier New"/>
+                <a:cs typeface="Courier New"/>
+                <a:sym typeface="Courier New"/>
+              </a:rPr>
+              <a:t>'Test Estate Property 2'</a:t>
+            </a:r>
+            <a:r>
+              <a:rPr lang="vi" sz="1000">
+                <a:solidFill>
+                  <a:schemeClr val="dk1"/>
+                </a:solidFill>
+                <a:highlight>
+                  <a:srgbClr val="FFFFFF"/>
+                </a:highlight>
+                <a:latin typeface="Courier New"/>
+                <a:ea typeface="Courier New"/>
+                <a:cs typeface="Courier New"/>
+                <a:sym typeface="Courier New"/>
+              </a:rPr>
+              <a:t>, </a:t>
+            </a:r>
+            <a:r>
+              <a:rPr b="1" lang="vi" sz="1000">
+                <a:solidFill>
+                  <a:srgbClr val="008080"/>
+                </a:solidFill>
+                <a:highlight>
+                  <a:srgbClr val="FFFFFF"/>
+                </a:highlight>
+                <a:latin typeface="Courier New"/>
+                <a:ea typeface="Courier New"/>
+                <a:cs typeface="Courier New"/>
+                <a:sym typeface="Courier New"/>
+              </a:rPr>
+              <a:t>'garden_area'</a:t>
+            </a:r>
+            <a:r>
+              <a:rPr lang="vi" sz="1000">
+                <a:solidFill>
+                  <a:schemeClr val="dk1"/>
+                </a:solidFill>
+                <a:highlight>
+                  <a:srgbClr val="FFFFFF"/>
+                </a:highlight>
+                <a:latin typeface="Courier New"/>
+                <a:ea typeface="Courier New"/>
+                <a:cs typeface="Courier New"/>
+                <a:sym typeface="Courier New"/>
+              </a:rPr>
+              <a:t>: </a:t>
+            </a:r>
+            <a:r>
+              <a:rPr lang="vi" sz="1000">
+                <a:solidFill>
+                  <a:srgbClr val="0000FF"/>
+                </a:solidFill>
+                <a:highlight>
+                  <a:srgbClr val="FFFFFF"/>
+                </a:highlight>
+                <a:latin typeface="Courier New"/>
+                <a:ea typeface="Courier New"/>
+                <a:cs typeface="Courier New"/>
+                <a:sym typeface="Courier New"/>
+              </a:rPr>
+              <a:t>10</a:t>
+            </a:r>
+            <a:r>
+              <a:rPr lang="vi" sz="1000">
+                <a:solidFill>
+                  <a:schemeClr val="dk1"/>
+                </a:solidFill>
+                <a:highlight>
+                  <a:srgbClr val="FFFFFF"/>
+                </a:highlight>
+                <a:latin typeface="Courier New"/>
+                <a:ea typeface="Courier New"/>
+                <a:cs typeface="Courier New"/>
+                <a:sym typeface="Courier New"/>
+              </a:rPr>
+              <a:t>},</a:t>
+            </a:r>
+            <a:endParaRPr sz="1000">
+              <a:solidFill>
+                <a:schemeClr val="dk1"/>
+              </a:solidFill>
+              <a:highlight>
+                <a:srgbClr val="FFFFFF"/>
+              </a:highlight>
+              <a:latin typeface="Courier New"/>
+              <a:ea typeface="Courier New"/>
+              <a:cs typeface="Courier New"/>
+              <a:sym typeface="Courier New"/>
+            </a:endParaRPr>
+          </a:p>
+          <a:p>
+            <a:pPr indent="0" lvl="0" marL="0" rtl="0" algn="l">
+              <a:lnSpc>
+                <a:spcPct val="80000"/>
+              </a:lnSpc>
+              <a:spcBef>
+                <a:spcPts val="1200"/>
+              </a:spcBef>
+              <a:spcAft>
+                <a:spcPts val="0"/>
+              </a:spcAft>
+              <a:buClr>
+                <a:schemeClr val="dk1"/>
+              </a:buClr>
+              <a:buSzPts val="1100"/>
+              <a:buFont typeface="Arial"/>
+              <a:buNone/>
+            </a:pPr>
+            <a:r>
+              <a:rPr lang="vi" sz="1000">
+                <a:solidFill>
+                  <a:schemeClr val="dk1"/>
+                </a:solidFill>
+                <a:highlight>
+                  <a:srgbClr val="FFFFFF"/>
+                </a:highlight>
+                <a:latin typeface="Courier New"/>
+                <a:ea typeface="Courier New"/>
+                <a:cs typeface="Courier New"/>
+                <a:sym typeface="Courier New"/>
+              </a:rPr>
+              <a:t>       ])</a:t>
+            </a:r>
+            <a:endParaRPr sz="1000">
+              <a:solidFill>
+                <a:schemeClr val="dk1"/>
+              </a:solidFill>
+              <a:highlight>
+                <a:srgbClr val="FFFFFF"/>
+              </a:highlight>
+              <a:latin typeface="Courier New"/>
+              <a:ea typeface="Courier New"/>
+              <a:cs typeface="Courier New"/>
+              <a:sym typeface="Courier New"/>
+            </a:endParaRPr>
+          </a:p>
+          <a:p>
+            <a:pPr indent="0" lvl="0" marL="0" rtl="0" algn="l">
+              <a:lnSpc>
+                <a:spcPct val="80000"/>
+              </a:lnSpc>
+              <a:spcBef>
+                <a:spcPts val="1200"/>
+              </a:spcBef>
+              <a:spcAft>
+                <a:spcPts val="0"/>
+              </a:spcAft>
+              <a:buClr>
+                <a:schemeClr val="dk1"/>
+              </a:buClr>
+              <a:buSzPts val="1100"/>
+              <a:buFont typeface="Arial"/>
+              <a:buNone/>
+            </a:pPr>
+            <a:r>
+              <a:rPr lang="vi" sz="1000">
+                <a:solidFill>
+                  <a:schemeClr val="dk1"/>
+                </a:solidFill>
+                <a:highlight>
+                  <a:srgbClr val="FFFFFF"/>
+                </a:highlight>
+                <a:latin typeface="Courier New"/>
+                <a:ea typeface="Courier New"/>
+                <a:cs typeface="Courier New"/>
+                <a:sym typeface="Courier New"/>
+              </a:rPr>
+              <a:t>   </a:t>
+            </a:r>
+            <a:r>
+              <a:rPr b="1" lang="vi" sz="1000">
+                <a:solidFill>
+                  <a:srgbClr val="000080"/>
+                </a:solidFill>
+                <a:highlight>
+                  <a:srgbClr val="FFFFFF"/>
+                </a:highlight>
+                <a:latin typeface="Courier New"/>
+                <a:ea typeface="Courier New"/>
+                <a:cs typeface="Courier New"/>
+                <a:sym typeface="Courier New"/>
+              </a:rPr>
+              <a:t>def </a:t>
+            </a:r>
+            <a:r>
+              <a:rPr lang="vi" sz="1000">
+                <a:solidFill>
+                  <a:schemeClr val="dk1"/>
+                </a:solidFill>
+                <a:highlight>
+                  <a:srgbClr val="FFFFFF"/>
+                </a:highlight>
+                <a:latin typeface="Courier New"/>
+                <a:ea typeface="Courier New"/>
+                <a:cs typeface="Courier New"/>
+                <a:sym typeface="Courier New"/>
+              </a:rPr>
+              <a:t>test_creation_area(</a:t>
+            </a:r>
+            <a:r>
+              <a:rPr lang="vi" sz="1000">
+                <a:solidFill>
+                  <a:srgbClr val="94558D"/>
+                </a:solidFill>
+                <a:highlight>
+                  <a:srgbClr val="FFFFFF"/>
+                </a:highlight>
+                <a:latin typeface="Courier New"/>
+                <a:ea typeface="Courier New"/>
+                <a:cs typeface="Courier New"/>
+                <a:sym typeface="Courier New"/>
+              </a:rPr>
+              <a:t>self</a:t>
+            </a:r>
+            <a:r>
+              <a:rPr lang="vi" sz="1000">
+                <a:solidFill>
+                  <a:schemeClr val="dk1"/>
+                </a:solidFill>
+                <a:highlight>
+                  <a:srgbClr val="FFFFFF"/>
+                </a:highlight>
+                <a:latin typeface="Courier New"/>
+                <a:ea typeface="Courier New"/>
+                <a:cs typeface="Courier New"/>
+                <a:sym typeface="Courier New"/>
+              </a:rPr>
+              <a:t>):</a:t>
+            </a:r>
+            <a:endParaRPr i="1" sz="1000">
+              <a:solidFill>
+                <a:srgbClr val="808080"/>
+              </a:solidFill>
+              <a:highlight>
+                <a:srgbClr val="FFFFFF"/>
+              </a:highlight>
+              <a:latin typeface="Courier New"/>
+              <a:ea typeface="Courier New"/>
+              <a:cs typeface="Courier New"/>
+              <a:sym typeface="Courier New"/>
+            </a:endParaRPr>
+          </a:p>
+          <a:p>
+            <a:pPr indent="0" lvl="0" marL="0" rtl="0" algn="l">
+              <a:lnSpc>
+                <a:spcPct val="80000"/>
+              </a:lnSpc>
+              <a:spcBef>
+                <a:spcPts val="1200"/>
+              </a:spcBef>
+              <a:spcAft>
+                <a:spcPts val="0"/>
+              </a:spcAft>
+              <a:buClr>
+                <a:schemeClr val="dk1"/>
+              </a:buClr>
+              <a:buSzPts val="1100"/>
+              <a:buFont typeface="Arial"/>
+              <a:buNone/>
+            </a:pPr>
+            <a:r>
+              <a:rPr i="1" lang="vi" sz="1000">
+                <a:solidFill>
+                  <a:srgbClr val="808080"/>
+                </a:solidFill>
+                <a:highlight>
+                  <a:srgbClr val="FFFFFF"/>
+                </a:highlight>
+                <a:latin typeface="Courier New"/>
+                <a:ea typeface="Courier New"/>
+                <a:cs typeface="Courier New"/>
+                <a:sym typeface="Courier New"/>
+              </a:rPr>
+              <a:t>       </a:t>
+            </a:r>
+            <a:r>
+              <a:rPr lang="vi" sz="1000">
+                <a:solidFill>
+                  <a:srgbClr val="94558D"/>
+                </a:solidFill>
+                <a:highlight>
+                  <a:srgbClr val="FFFFFF"/>
+                </a:highlight>
+                <a:latin typeface="Courier New"/>
+                <a:ea typeface="Courier New"/>
+                <a:cs typeface="Courier New"/>
+                <a:sym typeface="Courier New"/>
+              </a:rPr>
+              <a:t>self</a:t>
+            </a:r>
+            <a:r>
+              <a:rPr lang="vi" sz="1000">
+                <a:solidFill>
+                  <a:schemeClr val="dk1"/>
+                </a:solidFill>
+                <a:highlight>
+                  <a:srgbClr val="FFFFFF"/>
+                </a:highlight>
+                <a:latin typeface="Courier New"/>
+                <a:ea typeface="Courier New"/>
+                <a:cs typeface="Courier New"/>
+                <a:sym typeface="Courier New"/>
+              </a:rPr>
+              <a:t>.properties.living_area = </a:t>
+            </a:r>
+            <a:r>
+              <a:rPr lang="vi" sz="1000">
+                <a:solidFill>
+                  <a:srgbClr val="0000FF"/>
+                </a:solidFill>
+                <a:highlight>
+                  <a:srgbClr val="FFFFFF"/>
+                </a:highlight>
+                <a:latin typeface="Courier New"/>
+                <a:ea typeface="Courier New"/>
+                <a:cs typeface="Courier New"/>
+                <a:sym typeface="Courier New"/>
+              </a:rPr>
+              <a:t>20</a:t>
+            </a:r>
+            <a:endParaRPr sz="1000">
+              <a:solidFill>
+                <a:srgbClr val="0000FF"/>
+              </a:solidFill>
+              <a:highlight>
+                <a:srgbClr val="FFFFFF"/>
+              </a:highlight>
+              <a:latin typeface="Courier New"/>
+              <a:ea typeface="Courier New"/>
+              <a:cs typeface="Courier New"/>
+              <a:sym typeface="Courier New"/>
+            </a:endParaRPr>
+          </a:p>
+          <a:p>
+            <a:pPr indent="0" lvl="0" marL="0" rtl="0" algn="l">
+              <a:lnSpc>
+                <a:spcPct val="80000"/>
+              </a:lnSpc>
+              <a:spcBef>
+                <a:spcPts val="1200"/>
+              </a:spcBef>
+              <a:spcAft>
+                <a:spcPts val="0"/>
+              </a:spcAft>
+              <a:buClr>
+                <a:schemeClr val="dk1"/>
+              </a:buClr>
+              <a:buSzPts val="1100"/>
+              <a:buFont typeface="Arial"/>
+              <a:buNone/>
+            </a:pPr>
+            <a:r>
+              <a:rPr lang="vi" sz="1000">
+                <a:solidFill>
+                  <a:srgbClr val="0000FF"/>
+                </a:solidFill>
+                <a:highlight>
+                  <a:srgbClr val="FFFFFF"/>
+                </a:highlight>
+                <a:latin typeface="Courier New"/>
+                <a:ea typeface="Courier New"/>
+                <a:cs typeface="Courier New"/>
+                <a:sym typeface="Courier New"/>
+              </a:rPr>
+              <a:t>       </a:t>
+            </a:r>
+            <a:r>
+              <a:rPr lang="vi" sz="1000">
+                <a:solidFill>
+                  <a:srgbClr val="94558D"/>
+                </a:solidFill>
+                <a:highlight>
+                  <a:srgbClr val="FFFFFF"/>
+                </a:highlight>
+                <a:latin typeface="Courier New"/>
+                <a:ea typeface="Courier New"/>
+                <a:cs typeface="Courier New"/>
+                <a:sym typeface="Courier New"/>
+              </a:rPr>
+              <a:t>self</a:t>
+            </a:r>
+            <a:r>
+              <a:rPr lang="vi" sz="1000">
+                <a:solidFill>
+                  <a:schemeClr val="dk1"/>
+                </a:solidFill>
+                <a:highlight>
+                  <a:srgbClr val="FFFFFF"/>
+                </a:highlight>
+                <a:latin typeface="Courier New"/>
+                <a:ea typeface="Courier New"/>
+                <a:cs typeface="Courier New"/>
+                <a:sym typeface="Courier New"/>
+              </a:rPr>
+              <a:t>.assertRecordValues(</a:t>
+            </a:r>
+            <a:r>
+              <a:rPr lang="vi" sz="1000">
+                <a:solidFill>
+                  <a:srgbClr val="94558D"/>
+                </a:solidFill>
+                <a:highlight>
+                  <a:srgbClr val="FFFFFF"/>
+                </a:highlight>
+                <a:latin typeface="Courier New"/>
+                <a:ea typeface="Courier New"/>
+                <a:cs typeface="Courier New"/>
+                <a:sym typeface="Courier New"/>
+              </a:rPr>
+              <a:t>self</a:t>
+            </a:r>
+            <a:r>
+              <a:rPr lang="vi" sz="1000">
+                <a:solidFill>
+                  <a:schemeClr val="dk1"/>
+                </a:solidFill>
+                <a:highlight>
+                  <a:srgbClr val="FFFFFF"/>
+                </a:highlight>
+                <a:latin typeface="Courier New"/>
+                <a:ea typeface="Courier New"/>
+                <a:cs typeface="Courier New"/>
+                <a:sym typeface="Courier New"/>
+              </a:rPr>
+              <a:t>.properties, [</a:t>
+            </a:r>
+            <a:endParaRPr sz="1000">
+              <a:solidFill>
+                <a:schemeClr val="dk1"/>
+              </a:solidFill>
+              <a:highlight>
+                <a:srgbClr val="FFFFFF"/>
+              </a:highlight>
+              <a:latin typeface="Courier New"/>
+              <a:ea typeface="Courier New"/>
+              <a:cs typeface="Courier New"/>
+              <a:sym typeface="Courier New"/>
+            </a:endParaRPr>
+          </a:p>
+          <a:p>
+            <a:pPr indent="0" lvl="0" marL="0" rtl="0" algn="l">
+              <a:lnSpc>
+                <a:spcPct val="80000"/>
+              </a:lnSpc>
+              <a:spcBef>
+                <a:spcPts val="1200"/>
+              </a:spcBef>
+              <a:spcAft>
+                <a:spcPts val="0"/>
+              </a:spcAft>
+              <a:buClr>
+                <a:schemeClr val="dk1"/>
+              </a:buClr>
+              <a:buSzPts val="1100"/>
+              <a:buFont typeface="Arial"/>
+              <a:buNone/>
+            </a:pPr>
+            <a:r>
+              <a:rPr lang="vi" sz="1000">
+                <a:solidFill>
+                  <a:schemeClr val="dk1"/>
+                </a:solidFill>
+                <a:highlight>
+                  <a:srgbClr val="FFFFFF"/>
+                </a:highlight>
+                <a:latin typeface="Courier New"/>
+                <a:ea typeface="Courier New"/>
+                <a:cs typeface="Courier New"/>
+                <a:sym typeface="Courier New"/>
+              </a:rPr>
+              <a:t>           {</a:t>
+            </a:r>
+            <a:r>
+              <a:rPr b="1" lang="vi" sz="1000">
+                <a:solidFill>
+                  <a:srgbClr val="008080"/>
+                </a:solidFill>
+                <a:highlight>
+                  <a:srgbClr val="FFFFFF"/>
+                </a:highlight>
+                <a:latin typeface="Courier New"/>
+                <a:ea typeface="Courier New"/>
+                <a:cs typeface="Courier New"/>
+                <a:sym typeface="Courier New"/>
+              </a:rPr>
+              <a:t>'name'</a:t>
+            </a:r>
+            <a:r>
+              <a:rPr lang="vi" sz="1000">
+                <a:solidFill>
+                  <a:schemeClr val="dk1"/>
+                </a:solidFill>
+                <a:highlight>
+                  <a:srgbClr val="FFFFFF"/>
+                </a:highlight>
+                <a:latin typeface="Courier New"/>
+                <a:ea typeface="Courier New"/>
+                <a:cs typeface="Courier New"/>
+                <a:sym typeface="Courier New"/>
+              </a:rPr>
+              <a:t>: </a:t>
+            </a:r>
+            <a:r>
+              <a:rPr b="1" lang="vi" sz="1000">
+                <a:solidFill>
+                  <a:srgbClr val="008080"/>
+                </a:solidFill>
+                <a:highlight>
+                  <a:srgbClr val="FFFFFF"/>
+                </a:highlight>
+                <a:latin typeface="Courier New"/>
+                <a:ea typeface="Courier New"/>
+                <a:cs typeface="Courier New"/>
+                <a:sym typeface="Courier New"/>
+              </a:rPr>
+              <a:t>'Test Estate Property'</a:t>
+            </a:r>
+            <a:r>
+              <a:rPr lang="vi" sz="1000">
+                <a:solidFill>
+                  <a:schemeClr val="dk1"/>
+                </a:solidFill>
+                <a:highlight>
+                  <a:srgbClr val="FFFFFF"/>
+                </a:highlight>
+                <a:latin typeface="Courier New"/>
+                <a:ea typeface="Courier New"/>
+                <a:cs typeface="Courier New"/>
+                <a:sym typeface="Courier New"/>
+              </a:rPr>
+              <a:t>, </a:t>
+            </a:r>
+            <a:r>
+              <a:rPr b="1" lang="vi" sz="1000">
+                <a:solidFill>
+                  <a:srgbClr val="008080"/>
+                </a:solidFill>
+                <a:highlight>
+                  <a:srgbClr val="FFFFFF"/>
+                </a:highlight>
+                <a:latin typeface="Courier New"/>
+                <a:ea typeface="Courier New"/>
+                <a:cs typeface="Courier New"/>
+                <a:sym typeface="Courier New"/>
+              </a:rPr>
+              <a:t>'total_area'</a:t>
+            </a:r>
+            <a:r>
+              <a:rPr lang="vi" sz="1000">
+                <a:solidFill>
+                  <a:schemeClr val="dk1"/>
+                </a:solidFill>
+                <a:highlight>
+                  <a:srgbClr val="FFFFFF"/>
+                </a:highlight>
+                <a:latin typeface="Courier New"/>
+                <a:ea typeface="Courier New"/>
+                <a:cs typeface="Courier New"/>
+                <a:sym typeface="Courier New"/>
+              </a:rPr>
+              <a:t>: </a:t>
+            </a:r>
+            <a:r>
+              <a:rPr lang="vi" sz="1000">
+                <a:solidFill>
+                  <a:srgbClr val="0000FF"/>
+                </a:solidFill>
+                <a:highlight>
+                  <a:srgbClr val="FFFFFF"/>
+                </a:highlight>
+                <a:latin typeface="Courier New"/>
+                <a:ea typeface="Courier New"/>
+                <a:cs typeface="Courier New"/>
+                <a:sym typeface="Courier New"/>
+              </a:rPr>
+              <a:t>10</a:t>
+            </a:r>
+            <a:r>
+              <a:rPr lang="vi" sz="1000">
+                <a:solidFill>
+                  <a:schemeClr val="dk1"/>
+                </a:solidFill>
+                <a:highlight>
+                  <a:srgbClr val="FFFFFF"/>
+                </a:highlight>
+                <a:latin typeface="Courier New"/>
+                <a:ea typeface="Courier New"/>
+                <a:cs typeface="Courier New"/>
+                <a:sym typeface="Courier New"/>
+              </a:rPr>
+              <a:t>},</a:t>
+            </a:r>
+            <a:endParaRPr sz="1000">
+              <a:solidFill>
+                <a:schemeClr val="dk1"/>
+              </a:solidFill>
+              <a:highlight>
+                <a:srgbClr val="FFFFFF"/>
+              </a:highlight>
+              <a:latin typeface="Courier New"/>
+              <a:ea typeface="Courier New"/>
+              <a:cs typeface="Courier New"/>
+              <a:sym typeface="Courier New"/>
+            </a:endParaRPr>
+          </a:p>
+          <a:p>
+            <a:pPr indent="0" lvl="0" marL="0" rtl="0" algn="l">
+              <a:lnSpc>
+                <a:spcPct val="80000"/>
+              </a:lnSpc>
+              <a:spcBef>
+                <a:spcPts val="1200"/>
+              </a:spcBef>
+              <a:spcAft>
+                <a:spcPts val="0"/>
+              </a:spcAft>
+              <a:buClr>
+                <a:schemeClr val="dk1"/>
+              </a:buClr>
+              <a:buSzPts val="1100"/>
+              <a:buFont typeface="Arial"/>
+              <a:buNone/>
+            </a:pPr>
+            <a:r>
+              <a:rPr lang="vi" sz="1000">
+                <a:solidFill>
+                  <a:schemeClr val="dk1"/>
+                </a:solidFill>
+                <a:highlight>
+                  <a:srgbClr val="FFFFFF"/>
+                </a:highlight>
+                <a:latin typeface="Courier New"/>
+                <a:ea typeface="Courier New"/>
+                <a:cs typeface="Courier New"/>
+                <a:sym typeface="Courier New"/>
+              </a:rPr>
+              <a:t>           {</a:t>
+            </a:r>
+            <a:r>
+              <a:rPr b="1" lang="vi" sz="1000">
+                <a:solidFill>
+                  <a:srgbClr val="008080"/>
+                </a:solidFill>
+                <a:highlight>
+                  <a:srgbClr val="FFFFFF"/>
+                </a:highlight>
+                <a:latin typeface="Courier New"/>
+                <a:ea typeface="Courier New"/>
+                <a:cs typeface="Courier New"/>
+                <a:sym typeface="Courier New"/>
+              </a:rPr>
+              <a:t>'name'</a:t>
+            </a:r>
+            <a:r>
+              <a:rPr lang="vi" sz="1000">
+                <a:solidFill>
+                  <a:schemeClr val="dk1"/>
+                </a:solidFill>
+                <a:highlight>
+                  <a:srgbClr val="FFFFFF"/>
+                </a:highlight>
+                <a:latin typeface="Courier New"/>
+                <a:ea typeface="Courier New"/>
+                <a:cs typeface="Courier New"/>
+                <a:sym typeface="Courier New"/>
+              </a:rPr>
+              <a:t>: </a:t>
+            </a:r>
+            <a:r>
+              <a:rPr b="1" lang="vi" sz="1000">
+                <a:solidFill>
+                  <a:srgbClr val="008080"/>
+                </a:solidFill>
+                <a:highlight>
+                  <a:srgbClr val="FFFFFF"/>
+                </a:highlight>
+                <a:latin typeface="Courier New"/>
+                <a:ea typeface="Courier New"/>
+                <a:cs typeface="Courier New"/>
+                <a:sym typeface="Courier New"/>
+              </a:rPr>
+              <a:t>'Test Estate Property 2'</a:t>
+            </a:r>
+            <a:r>
+              <a:rPr lang="vi" sz="1000">
+                <a:solidFill>
+                  <a:schemeClr val="dk1"/>
+                </a:solidFill>
+                <a:highlight>
+                  <a:srgbClr val="FFFFFF"/>
+                </a:highlight>
+                <a:latin typeface="Courier New"/>
+                <a:ea typeface="Courier New"/>
+                <a:cs typeface="Courier New"/>
+                <a:sym typeface="Courier New"/>
+              </a:rPr>
+              <a:t>, </a:t>
+            </a:r>
+            <a:r>
+              <a:rPr b="1" lang="vi" sz="1000">
+                <a:solidFill>
+                  <a:srgbClr val="008080"/>
+                </a:solidFill>
+                <a:highlight>
+                  <a:srgbClr val="FFFFFF"/>
+                </a:highlight>
+                <a:latin typeface="Courier New"/>
+                <a:ea typeface="Courier New"/>
+                <a:cs typeface="Courier New"/>
+                <a:sym typeface="Courier New"/>
+              </a:rPr>
+              <a:t>'total_area'</a:t>
+            </a:r>
+            <a:r>
+              <a:rPr lang="vi" sz="1000">
+                <a:solidFill>
+                  <a:schemeClr val="dk1"/>
+                </a:solidFill>
+                <a:highlight>
+                  <a:srgbClr val="FFFFFF"/>
+                </a:highlight>
+                <a:latin typeface="Courier New"/>
+                <a:ea typeface="Courier New"/>
+                <a:cs typeface="Courier New"/>
+                <a:sym typeface="Courier New"/>
+              </a:rPr>
+              <a:t>: </a:t>
+            </a:r>
+            <a:r>
+              <a:rPr lang="vi" sz="1000">
+                <a:solidFill>
+                  <a:srgbClr val="0000FF"/>
+                </a:solidFill>
+                <a:highlight>
+                  <a:srgbClr val="FFFFFF"/>
+                </a:highlight>
+                <a:latin typeface="Courier New"/>
+                <a:ea typeface="Courier New"/>
+                <a:cs typeface="Courier New"/>
+                <a:sym typeface="Courier New"/>
+              </a:rPr>
+              <a:t>30</a:t>
+            </a:r>
+            <a:r>
+              <a:rPr lang="vi" sz="1000">
+                <a:solidFill>
+                  <a:schemeClr val="dk1"/>
+                </a:solidFill>
+                <a:highlight>
+                  <a:srgbClr val="FFFFFF"/>
+                </a:highlight>
+                <a:latin typeface="Courier New"/>
+                <a:ea typeface="Courier New"/>
+                <a:cs typeface="Courier New"/>
+                <a:sym typeface="Courier New"/>
+              </a:rPr>
+              <a:t>},</a:t>
+            </a:r>
+            <a:endParaRPr sz="1000">
+              <a:solidFill>
+                <a:schemeClr val="dk1"/>
+              </a:solidFill>
+              <a:highlight>
+                <a:srgbClr val="FFFFFF"/>
+              </a:highlight>
+              <a:latin typeface="Courier New"/>
+              <a:ea typeface="Courier New"/>
+              <a:cs typeface="Courier New"/>
+              <a:sym typeface="Courier New"/>
+            </a:endParaRPr>
+          </a:p>
+          <a:p>
+            <a:pPr indent="0" lvl="0" marL="0" rtl="0" algn="l">
+              <a:lnSpc>
+                <a:spcPct val="80000"/>
+              </a:lnSpc>
+              <a:spcBef>
+                <a:spcPts val="1200"/>
+              </a:spcBef>
+              <a:spcAft>
+                <a:spcPts val="0"/>
+              </a:spcAft>
+              <a:buClr>
+                <a:schemeClr val="dk1"/>
+              </a:buClr>
+              <a:buSzPts val="1100"/>
+              <a:buFont typeface="Arial"/>
+              <a:buNone/>
+            </a:pPr>
+            <a:r>
+              <a:rPr lang="vi" sz="1000">
+                <a:solidFill>
+                  <a:schemeClr val="dk1"/>
+                </a:solidFill>
+                <a:highlight>
+                  <a:srgbClr val="FFFFFF"/>
+                </a:highlight>
+                <a:latin typeface="Courier New"/>
+                <a:ea typeface="Courier New"/>
+                <a:cs typeface="Courier New"/>
+                <a:sym typeface="Courier New"/>
+              </a:rPr>
+              <a:t>       ])</a:t>
+            </a:r>
+            <a:endParaRPr sz="1000">
+              <a:solidFill>
+                <a:schemeClr val="dk1"/>
+              </a:solidFill>
+              <a:highlight>
+                <a:srgbClr val="FFFFFF"/>
+              </a:highlight>
+              <a:latin typeface="Courier New"/>
+              <a:ea typeface="Courier New"/>
+              <a:cs typeface="Courier New"/>
+              <a:sym typeface="Courier New"/>
+            </a:endParaRPr>
+          </a:p>
+          <a:p>
+            <a:pPr indent="0" lvl="0" marL="0" rtl="0" algn="l">
+              <a:lnSpc>
+                <a:spcPct val="80000"/>
+              </a:lnSpc>
+              <a:spcBef>
+                <a:spcPts val="1200"/>
+              </a:spcBef>
+              <a:spcAft>
+                <a:spcPts val="1200"/>
+              </a:spcAft>
+              <a:buSzPts val="935"/>
+              <a:buNone/>
+            </a:pPr>
+            <a:r>
+              <a:t/>
+            </a:r>
+            <a:endParaRPr sz="1000">
+              <a:solidFill>
+                <a:srgbClr val="0000B2"/>
+              </a:solidFill>
+              <a:highlight>
+                <a:srgbClr val="FFFFFF"/>
+              </a:highlight>
+              <a:latin typeface="Courier New"/>
+              <a:ea typeface="Courier New"/>
+              <a:cs typeface="Courier New"/>
+              <a:sym typeface="Courier New"/>
+            </a:endParaRPr>
+          </a:p>
+        </p:txBody>
+      </p:sp>
+      <p:sp>
+        <p:nvSpPr>
+          <p:cNvPr id="255" name="Google Shape;255;p41"/>
+          <p:cNvSpPr txBox="1"/>
+          <p:nvPr>
+            <p:ph idx="1" type="body"/>
+          </p:nvPr>
+        </p:nvSpPr>
+        <p:spPr>
+          <a:xfrm>
+            <a:off x="0" y="430875"/>
+            <a:ext cx="4349100" cy="4764300"/>
+          </a:xfrm>
+          <a:prstGeom prst="rect">
+            <a:avLst/>
+          </a:prstGeom>
+        </p:spPr>
+        <p:txBody>
+          <a:bodyPr anchorCtr="0" anchor="t" bIns="91425" lIns="91425" spcFirstLastPara="1" rIns="91425" wrap="square" tIns="91425">
+            <a:noAutofit/>
+          </a:bodyPr>
+          <a:lstStyle/>
+          <a:p>
+            <a:pPr indent="0" lvl="0" marL="360000" rtl="0" algn="l">
+              <a:spcBef>
+                <a:spcPts val="0"/>
+              </a:spcBef>
+              <a:spcAft>
+                <a:spcPts val="0"/>
+              </a:spcAft>
+              <a:buNone/>
+            </a:pPr>
+            <a:r>
+              <a:rPr lang="vi" sz="1300"/>
+              <a:t>All the tests should extend odoo.tests.common.SavepointCase. You usually define a setUpClass, and the tests. After doing the setUpClass, you have an env available on the class and can start interacting with the ORM.</a:t>
+            </a:r>
+            <a:endParaRPr sz="1300"/>
+          </a:p>
+          <a:p>
+            <a:pPr indent="0" lvl="0" marL="360000" rtl="0" algn="l">
+              <a:spcBef>
+                <a:spcPts val="1200"/>
+              </a:spcBef>
+              <a:spcAft>
+                <a:spcPts val="0"/>
+              </a:spcAft>
+              <a:buNone/>
+            </a:pPr>
+            <a:r>
+              <a:rPr lang="vi" sz="1300"/>
+              <a:t>M</a:t>
+            </a:r>
+            <a:r>
+              <a:rPr lang="vi" sz="1300"/>
+              <a:t>ột số Model test case khác:</a:t>
+            </a:r>
+            <a:endParaRPr sz="1300"/>
+          </a:p>
+          <a:p>
+            <a:pPr indent="-311150" lvl="0" marL="457200" rtl="0" algn="l">
+              <a:spcBef>
+                <a:spcPts val="1200"/>
+              </a:spcBef>
+              <a:spcAft>
+                <a:spcPts val="0"/>
+              </a:spcAft>
+              <a:buSzPts val="1300"/>
+              <a:buChar char="-"/>
+            </a:pPr>
+            <a:r>
+              <a:rPr lang="vi" sz="1300"/>
+              <a:t>TransactionCase (run transaction for each test method - SavepointCase: run transaction for each instance and run sub-transaction for each test method)</a:t>
+            </a:r>
+            <a:endParaRPr sz="1300"/>
+          </a:p>
+          <a:p>
+            <a:pPr indent="-311150" lvl="0" marL="457200" rtl="0" algn="l">
+              <a:spcBef>
+                <a:spcPts val="0"/>
+              </a:spcBef>
+              <a:spcAft>
+                <a:spcPts val="0"/>
+              </a:spcAft>
+              <a:buSzPts val="1300"/>
+              <a:buChar char="-"/>
+            </a:pPr>
+            <a:r>
+              <a:rPr lang="vi" sz="1300"/>
+              <a:t>HttpCase: test case with urlopen and Chrome</a:t>
+            </a:r>
+            <a:endParaRPr sz="1300"/>
+          </a:p>
+          <a:p>
+            <a:pPr indent="0" lvl="0" marL="457200" rtl="0" algn="l">
+              <a:spcBef>
+                <a:spcPts val="1200"/>
+              </a:spcBef>
+              <a:spcAft>
+                <a:spcPts val="0"/>
+              </a:spcAft>
+              <a:buNone/>
+            </a:pPr>
+            <a:r>
+              <a:rPr lang="vi" sz="1300"/>
+              <a:t>More detail:</a:t>
+            </a:r>
+            <a:endParaRPr sz="1300"/>
+          </a:p>
+          <a:p>
+            <a:pPr indent="0" lvl="0" marL="457200" rtl="0" algn="l">
+              <a:spcBef>
+                <a:spcPts val="1200"/>
+              </a:spcBef>
+              <a:spcAft>
+                <a:spcPts val="0"/>
+              </a:spcAft>
+              <a:buNone/>
+            </a:pPr>
+            <a:r>
+              <a:rPr lang="vi" sz="1300" u="sng">
+                <a:solidFill>
+                  <a:schemeClr val="hlink"/>
+                </a:solidFill>
+                <a:hlinkClick r:id="rId3"/>
+              </a:rPr>
+              <a:t>https://www.odoo.com/documentation/14.0/developer/howtos/rdtraining/E_unittest.html#modules</a:t>
+            </a:r>
+            <a:endParaRPr sz="1300"/>
+          </a:p>
+          <a:p>
+            <a:pPr indent="0" lvl="0" marL="457200" rtl="0" algn="l">
+              <a:spcBef>
+                <a:spcPts val="1200"/>
+              </a:spcBef>
+              <a:spcAft>
+                <a:spcPts val="0"/>
+              </a:spcAft>
+              <a:buNone/>
+            </a:pPr>
+            <a:r>
+              <a:rPr lang="vi" sz="1300" u="sng">
+                <a:solidFill>
+                  <a:schemeClr val="hlink"/>
+                </a:solidFill>
+                <a:hlinkClick r:id="rId4"/>
+              </a:rPr>
+              <a:t>https://www.odoo.com/documentation/14.0/developer/reference/addons/testing.html#testing-python-code</a:t>
+            </a:r>
+            <a:r>
+              <a:rPr lang="vi" sz="1300"/>
+              <a:t> </a:t>
+            </a:r>
+            <a:endParaRPr sz="1300"/>
+          </a:p>
+          <a:p>
+            <a:pPr indent="0" lvl="0" marL="0" rtl="0" algn="l">
+              <a:lnSpc>
+                <a:spcPct val="80000"/>
+              </a:lnSpc>
+              <a:spcBef>
+                <a:spcPts val="1200"/>
+              </a:spcBef>
+              <a:spcAft>
+                <a:spcPts val="1200"/>
+              </a:spcAft>
+              <a:buSzPts val="935"/>
+              <a:buNone/>
+            </a:pPr>
+            <a:r>
+              <a:t/>
+            </a:r>
+            <a:endParaRPr sz="1300"/>
           </a:p>
         </p:txBody>
       </p:sp>
@@ -32331,6 +35609,3058 @@
               <a:t/>
             </a:r>
             <a:endParaRPr sz="1795"/>
+          </a:p>
+        </p:txBody>
+      </p:sp>
+    </p:spTree>
+  </p:cSld>
+  <p:clrMapOvr>
+    <a:masterClrMapping/>
+  </p:clrMapOvr>
+</p:sld>
+</file>
+
+<file path=ppt/slides/slide30.xml><?xml version="1.0" encoding="utf-8"?>
+<p:sld xmlns:a="http://schemas.openxmlformats.org/drawingml/2006/main" xmlns:r="http://schemas.openxmlformats.org/officeDocument/2006/relationships" xmlns:mc="http://schemas.openxmlformats.org/markup-compatibility/2006" xmlns:mv="urn:schemas-microsoft-com:mac:vml" xmlns:p="http://schemas.openxmlformats.org/presentationml/2006/main" xmlns:c="http://schemas.openxmlformats.org/drawingml/2006/chart" xmlns:dgm="http://schemas.openxmlformats.org/drawingml/2006/diagram" xmlns:o="urn:schemas-microsoft-com:office:office" xmlns:v="urn:schemas-microsoft-com:vml" xmlns:pvml="urn:schemas-microsoft-com:office:powerpoint" xmlns:com="http://schemas.openxmlformats.org/drawingml/2006/compatibility" xmlns:p14="http://schemas.microsoft.com/office/powerpoint/2010/main" xmlns:p15="http://schemas.microsoft.com/office/powerpoint/2012/main" xmlns:ahyp="http://schemas.microsoft.com/office/drawing/2018/hyperlinkcolor">
+  <p:cSld>
+    <p:spTree>
+      <p:nvGrpSpPr>
+        <p:cNvPr id="259" name="Shape 259"/>
+        <p:cNvGrpSpPr/>
+        <p:nvPr/>
+      </p:nvGrpSpPr>
+      <p:grpSpPr>
+        <a:xfrm>
+          <a:off x="0" y="0"/>
+          <a:ext cx="0" cy="0"/>
+          <a:chOff x="0" y="0"/>
+          <a:chExt cx="0" cy="0"/>
+        </a:xfrm>
+      </p:grpSpPr>
+      <p:sp>
+        <p:nvSpPr>
+          <p:cNvPr id="260" name="Google Shape;260;p42"/>
+          <p:cNvSpPr txBox="1"/>
+          <p:nvPr>
+            <p:ph type="title"/>
+          </p:nvPr>
+        </p:nvSpPr>
+        <p:spPr>
+          <a:xfrm>
+            <a:off x="311700" y="0"/>
+            <a:ext cx="8520600" cy="572700"/>
+          </a:xfrm>
+          <a:prstGeom prst="rect">
+            <a:avLst/>
+          </a:prstGeom>
+        </p:spPr>
+        <p:txBody>
+          <a:bodyPr anchorCtr="0" anchor="t" bIns="91425" lIns="91425" spcFirstLastPara="1" rIns="91425" wrap="square" tIns="91425">
+            <a:normAutofit fontScale="90000"/>
+          </a:bodyPr>
+          <a:lstStyle/>
+          <a:p>
+            <a:pPr indent="-388620" lvl="0" marL="457200" rtl="0" algn="l">
+              <a:spcBef>
+                <a:spcPts val="0"/>
+              </a:spcBef>
+              <a:spcAft>
+                <a:spcPts val="0"/>
+              </a:spcAft>
+              <a:buSzPct val="100000"/>
+              <a:buAutoNum type="romanUcPeriod" startAt="7"/>
+            </a:pPr>
+            <a:r>
+              <a:rPr lang="vi"/>
+              <a:t>Testing Odoo</a:t>
+            </a:r>
+            <a:endParaRPr/>
+          </a:p>
+        </p:txBody>
+      </p:sp>
+      <p:sp>
+        <p:nvSpPr>
+          <p:cNvPr id="261" name="Google Shape;261;p42"/>
+          <p:cNvSpPr txBox="1"/>
+          <p:nvPr>
+            <p:ph idx="1" type="body"/>
+          </p:nvPr>
+        </p:nvSpPr>
+        <p:spPr>
+          <a:xfrm>
+            <a:off x="0" y="492375"/>
+            <a:ext cx="4794900" cy="4515000"/>
+          </a:xfrm>
+          <a:prstGeom prst="rect">
+            <a:avLst/>
+          </a:prstGeom>
+        </p:spPr>
+        <p:txBody>
+          <a:bodyPr anchorCtr="0" anchor="t" bIns="91425" lIns="91425" spcFirstLastPara="1" rIns="91425" wrap="square" tIns="91425">
+            <a:noAutofit/>
+          </a:bodyPr>
+          <a:lstStyle/>
+          <a:p>
+            <a:pPr indent="-344805" lvl="0" marL="457200" rtl="0" algn="l">
+              <a:lnSpc>
+                <a:spcPct val="80000"/>
+              </a:lnSpc>
+              <a:spcBef>
+                <a:spcPts val="0"/>
+              </a:spcBef>
+              <a:spcAft>
+                <a:spcPts val="0"/>
+              </a:spcAft>
+              <a:buSzPts val="1830"/>
+              <a:buAutoNum type="arabicPeriod" startAt="2"/>
+            </a:pPr>
+            <a:r>
+              <a:rPr lang="vi" sz="1829"/>
+              <a:t>Testing JS code</a:t>
+            </a:r>
+            <a:endParaRPr sz="1450"/>
+          </a:p>
+          <a:p>
+            <a:pPr indent="0" lvl="0" marL="540000" rtl="0" algn="l">
+              <a:lnSpc>
+                <a:spcPct val="80000"/>
+              </a:lnSpc>
+              <a:spcBef>
+                <a:spcPts val="1200"/>
+              </a:spcBef>
+              <a:spcAft>
+                <a:spcPts val="0"/>
+              </a:spcAft>
+              <a:buNone/>
+            </a:pPr>
+            <a:r>
+              <a:rPr lang="vi" sz="1300"/>
+              <a:t>These tests stay in the browser, and are not supposed to reach the server.</a:t>
+            </a:r>
+            <a:endParaRPr sz="1300"/>
+          </a:p>
+          <a:p>
+            <a:pPr indent="0" lvl="0" marL="540000" rtl="0" algn="l">
+              <a:lnSpc>
+                <a:spcPct val="80000"/>
+              </a:lnSpc>
+              <a:spcBef>
+                <a:spcPts val="1200"/>
+              </a:spcBef>
+              <a:spcAft>
+                <a:spcPts val="0"/>
+              </a:spcAft>
+              <a:buNone/>
+            </a:pPr>
+            <a:r>
+              <a:rPr lang="vi" sz="1300"/>
+              <a:t>Các bước viết một js test:</a:t>
+            </a:r>
+            <a:endParaRPr sz="1300"/>
+          </a:p>
+          <a:p>
+            <a:pPr indent="-311150" lvl="0" marL="457200" rtl="0" algn="l">
+              <a:lnSpc>
+                <a:spcPct val="80000"/>
+              </a:lnSpc>
+              <a:spcBef>
+                <a:spcPts val="1200"/>
+              </a:spcBef>
+              <a:spcAft>
+                <a:spcPts val="0"/>
+              </a:spcAft>
+              <a:buSzPts val="1300"/>
+              <a:buAutoNum type="alphaLcPeriod"/>
+            </a:pPr>
+            <a:r>
+              <a:rPr lang="vi" sz="1300"/>
+              <a:t>Viết test case trong file static/tests/&lt;test case name&gt;.js</a:t>
+            </a:r>
+            <a:endParaRPr sz="1300"/>
+          </a:p>
+          <a:p>
+            <a:pPr indent="0" lvl="0" marL="540000" rtl="0" algn="l">
+              <a:lnSpc>
+                <a:spcPct val="80000"/>
+              </a:lnSpc>
+              <a:spcBef>
+                <a:spcPts val="1200"/>
+              </a:spcBef>
+              <a:spcAft>
+                <a:spcPts val="0"/>
+              </a:spcAft>
+              <a:buNone/>
+            </a:pPr>
+            <a:r>
+              <a:rPr lang="vi" sz="1300"/>
+              <a:t>The Odoo framework uses the </a:t>
+            </a:r>
+            <a:r>
+              <a:rPr lang="vi" sz="1300">
+                <a:uFill>
+                  <a:noFill/>
+                </a:uFill>
+                <a:hlinkClick r:id="rId3"/>
+              </a:rPr>
+              <a:t>QUnit</a:t>
+            </a:r>
+            <a:r>
+              <a:rPr lang="vi" sz="1300"/>
+              <a:t> library testing framework as a test runner. QUnit defines the concepts of tests and modules (a set of related tests), and gives us a web based interface to execute the tests.</a:t>
+            </a:r>
+            <a:endParaRPr sz="1300"/>
+          </a:p>
+          <a:p>
+            <a:pPr indent="0" lvl="0" marL="540000" rtl="0" algn="l">
+              <a:lnSpc>
+                <a:spcPct val="80000"/>
+              </a:lnSpc>
+              <a:spcBef>
+                <a:spcPts val="1200"/>
+              </a:spcBef>
+              <a:spcAft>
+                <a:spcPts val="0"/>
+              </a:spcAft>
+              <a:buNone/>
+            </a:pPr>
+            <a:r>
+              <a:rPr lang="vi" sz="1300" u="sng">
+                <a:solidFill>
+                  <a:schemeClr val="hlink"/>
+                </a:solidFill>
+                <a:hlinkClick r:id="rId4"/>
+              </a:rPr>
+              <a:t>https://qunitjs.com/intro/</a:t>
+            </a:r>
+            <a:r>
+              <a:rPr lang="vi" sz="1300"/>
+              <a:t> </a:t>
+            </a:r>
+            <a:endParaRPr sz="1300"/>
+          </a:p>
+          <a:p>
+            <a:pPr indent="-311150" lvl="0" marL="457200" rtl="0" algn="l">
+              <a:lnSpc>
+                <a:spcPct val="80000"/>
+              </a:lnSpc>
+              <a:spcBef>
+                <a:spcPts val="1200"/>
+              </a:spcBef>
+              <a:spcAft>
+                <a:spcPts val="0"/>
+              </a:spcAft>
+              <a:buSzPts val="1300"/>
+              <a:buAutoNum type="alphaLcPeriod"/>
+            </a:pPr>
+            <a:r>
+              <a:rPr lang="vi" sz="1300"/>
+              <a:t>Add file vào main test assets</a:t>
+            </a:r>
+            <a:endParaRPr sz="1300"/>
+          </a:p>
+          <a:p>
+            <a:pPr indent="0" lvl="0" marL="457200" rtl="0" algn="l">
+              <a:lnSpc>
+                <a:spcPct val="80000"/>
+              </a:lnSpc>
+              <a:spcBef>
+                <a:spcPts val="1200"/>
+              </a:spcBef>
+              <a:spcAft>
+                <a:spcPts val="1200"/>
+              </a:spcAft>
+              <a:buNone/>
+            </a:pPr>
+            <a:r>
+              <a:t/>
+            </a:r>
+            <a:endParaRPr sz="1300"/>
+          </a:p>
+        </p:txBody>
+      </p:sp>
+      <p:sp>
+        <p:nvSpPr>
+          <p:cNvPr id="262" name="Google Shape;262;p42"/>
+          <p:cNvSpPr txBox="1"/>
+          <p:nvPr>
+            <p:ph idx="1" type="body"/>
+          </p:nvPr>
+        </p:nvSpPr>
+        <p:spPr>
+          <a:xfrm>
+            <a:off x="4794900" y="368025"/>
+            <a:ext cx="4349100" cy="4719600"/>
+          </a:xfrm>
+          <a:prstGeom prst="rect">
+            <a:avLst/>
+          </a:prstGeom>
+        </p:spPr>
+        <p:txBody>
+          <a:bodyPr anchorCtr="0" anchor="t" bIns="91425" lIns="91425" spcFirstLastPara="1" rIns="91425" wrap="square" tIns="91425">
+            <a:noAutofit/>
+          </a:bodyPr>
+          <a:lstStyle/>
+          <a:p>
+            <a:pPr indent="0" lvl="0" marL="0" rtl="0" algn="l">
+              <a:lnSpc>
+                <a:spcPct val="80000"/>
+              </a:lnSpc>
+              <a:spcBef>
+                <a:spcPts val="0"/>
+              </a:spcBef>
+              <a:spcAft>
+                <a:spcPts val="0"/>
+              </a:spcAft>
+              <a:buClr>
+                <a:schemeClr val="dk1"/>
+              </a:buClr>
+              <a:buSzPts val="1100"/>
+              <a:buFont typeface="Arial"/>
+              <a:buNone/>
+            </a:pPr>
+            <a:r>
+              <a:rPr lang="vi" sz="1000">
+                <a:solidFill>
+                  <a:schemeClr val="dk1"/>
+                </a:solidFill>
+                <a:highlight>
+                  <a:srgbClr val="FFFFFF"/>
+                </a:highlight>
+                <a:latin typeface="Courier New"/>
+                <a:ea typeface="Courier New"/>
+                <a:cs typeface="Courier New"/>
+                <a:sym typeface="Courier New"/>
+              </a:rPr>
+              <a:t>odoo.define(</a:t>
+            </a:r>
+            <a:r>
+              <a:rPr b="1" lang="vi" sz="1000">
+                <a:solidFill>
+                  <a:srgbClr val="008000"/>
+                </a:solidFill>
+                <a:highlight>
+                  <a:srgbClr val="FFFFFF"/>
+                </a:highlight>
+                <a:latin typeface="Courier New"/>
+                <a:ea typeface="Courier New"/>
+                <a:cs typeface="Courier New"/>
+                <a:sym typeface="Courier New"/>
+              </a:rPr>
+              <a:t>'estate.utils_tests'</a:t>
+            </a:r>
+            <a:r>
+              <a:rPr lang="vi" sz="1000">
+                <a:solidFill>
+                  <a:schemeClr val="dk1"/>
+                </a:solidFill>
+                <a:highlight>
+                  <a:srgbClr val="FFFFFF"/>
+                </a:highlight>
+                <a:latin typeface="Courier New"/>
+                <a:ea typeface="Courier New"/>
+                <a:cs typeface="Courier New"/>
+                <a:sym typeface="Courier New"/>
+              </a:rPr>
+              <a:t>, </a:t>
+            </a:r>
+            <a:r>
+              <a:rPr b="1" lang="vi" sz="1000">
+                <a:solidFill>
+                  <a:srgbClr val="000080"/>
+                </a:solidFill>
+                <a:highlight>
+                  <a:srgbClr val="FFFFFF"/>
+                </a:highlight>
+                <a:latin typeface="Courier New"/>
+                <a:ea typeface="Courier New"/>
+                <a:cs typeface="Courier New"/>
+                <a:sym typeface="Courier New"/>
+              </a:rPr>
+              <a:t>function </a:t>
+            </a:r>
+            <a:r>
+              <a:rPr lang="vi" sz="1000">
+                <a:solidFill>
+                  <a:schemeClr val="dk1"/>
+                </a:solidFill>
+                <a:highlight>
+                  <a:srgbClr val="FFFFFF"/>
+                </a:highlight>
+                <a:latin typeface="Courier New"/>
+                <a:ea typeface="Courier New"/>
+                <a:cs typeface="Courier New"/>
+                <a:sym typeface="Courier New"/>
+              </a:rPr>
+              <a:t>(require) {</a:t>
+            </a:r>
+            <a:endParaRPr sz="1000">
+              <a:solidFill>
+                <a:schemeClr val="dk1"/>
+              </a:solidFill>
+              <a:highlight>
+                <a:srgbClr val="FFFFFF"/>
+              </a:highlight>
+              <a:latin typeface="Courier New"/>
+              <a:ea typeface="Courier New"/>
+              <a:cs typeface="Courier New"/>
+              <a:sym typeface="Courier New"/>
+            </a:endParaRPr>
+          </a:p>
+          <a:p>
+            <a:pPr indent="0" lvl="0" marL="0" rtl="0" algn="l">
+              <a:lnSpc>
+                <a:spcPct val="80000"/>
+              </a:lnSpc>
+              <a:spcBef>
+                <a:spcPts val="1200"/>
+              </a:spcBef>
+              <a:spcAft>
+                <a:spcPts val="0"/>
+              </a:spcAft>
+              <a:buClr>
+                <a:schemeClr val="dk1"/>
+              </a:buClr>
+              <a:buSzPts val="1100"/>
+              <a:buFont typeface="Arial"/>
+              <a:buNone/>
+            </a:pPr>
+            <a:r>
+              <a:rPr b="1" lang="vi" sz="1000">
+                <a:solidFill>
+                  <a:srgbClr val="008000"/>
+                </a:solidFill>
+                <a:highlight>
+                  <a:srgbClr val="FFFFFF"/>
+                </a:highlight>
+                <a:latin typeface="Courier New"/>
+                <a:ea typeface="Courier New"/>
+                <a:cs typeface="Courier New"/>
+                <a:sym typeface="Courier New"/>
+              </a:rPr>
+              <a:t>"use strict"</a:t>
+            </a:r>
+            <a:r>
+              <a:rPr lang="vi" sz="1000">
+                <a:solidFill>
+                  <a:schemeClr val="dk1"/>
+                </a:solidFill>
+                <a:highlight>
+                  <a:srgbClr val="FFFFFF"/>
+                </a:highlight>
+                <a:latin typeface="Courier New"/>
+                <a:ea typeface="Courier New"/>
+                <a:cs typeface="Courier New"/>
+                <a:sym typeface="Courier New"/>
+              </a:rPr>
+              <a:t>;</a:t>
+            </a:r>
+            <a:endParaRPr sz="1000">
+              <a:solidFill>
+                <a:schemeClr val="dk1"/>
+              </a:solidFill>
+              <a:highlight>
+                <a:srgbClr val="FFFFFF"/>
+              </a:highlight>
+              <a:latin typeface="Courier New"/>
+              <a:ea typeface="Courier New"/>
+              <a:cs typeface="Courier New"/>
+              <a:sym typeface="Courier New"/>
+            </a:endParaRPr>
+          </a:p>
+          <a:p>
+            <a:pPr indent="0" lvl="0" marL="0" rtl="0" algn="l">
+              <a:lnSpc>
+                <a:spcPct val="80000"/>
+              </a:lnSpc>
+              <a:spcBef>
+                <a:spcPts val="1200"/>
+              </a:spcBef>
+              <a:spcAft>
+                <a:spcPts val="0"/>
+              </a:spcAft>
+              <a:buClr>
+                <a:schemeClr val="dk1"/>
+              </a:buClr>
+              <a:buSzPts val="1100"/>
+              <a:buFont typeface="Arial"/>
+              <a:buNone/>
+            </a:pPr>
+            <a:r>
+              <a:rPr b="1" lang="vi" sz="1000">
+                <a:solidFill>
+                  <a:srgbClr val="000080"/>
+                </a:solidFill>
+                <a:highlight>
+                  <a:srgbClr val="FFFFFF"/>
+                </a:highlight>
+                <a:latin typeface="Courier New"/>
+                <a:ea typeface="Courier New"/>
+                <a:cs typeface="Courier New"/>
+                <a:sym typeface="Courier New"/>
+              </a:rPr>
+              <a:t>function </a:t>
+            </a:r>
+            <a:r>
+              <a:rPr lang="vi" sz="1000">
+                <a:solidFill>
+                  <a:schemeClr val="dk1"/>
+                </a:solidFill>
+                <a:highlight>
+                  <a:srgbClr val="FFFFFF"/>
+                </a:highlight>
+                <a:latin typeface="Courier New"/>
+                <a:ea typeface="Courier New"/>
+                <a:cs typeface="Courier New"/>
+                <a:sym typeface="Courier New"/>
+              </a:rPr>
+              <a:t>add(a, b) {</a:t>
+            </a:r>
+            <a:endParaRPr sz="1000">
+              <a:solidFill>
+                <a:schemeClr val="dk1"/>
+              </a:solidFill>
+              <a:highlight>
+                <a:srgbClr val="FFFFFF"/>
+              </a:highlight>
+              <a:latin typeface="Courier New"/>
+              <a:ea typeface="Courier New"/>
+              <a:cs typeface="Courier New"/>
+              <a:sym typeface="Courier New"/>
+            </a:endParaRPr>
+          </a:p>
+          <a:p>
+            <a:pPr indent="0" lvl="0" marL="0" rtl="0" algn="l">
+              <a:lnSpc>
+                <a:spcPct val="80000"/>
+              </a:lnSpc>
+              <a:spcBef>
+                <a:spcPts val="1200"/>
+              </a:spcBef>
+              <a:spcAft>
+                <a:spcPts val="0"/>
+              </a:spcAft>
+              <a:buClr>
+                <a:schemeClr val="dk1"/>
+              </a:buClr>
+              <a:buSzPts val="1100"/>
+              <a:buFont typeface="Arial"/>
+              <a:buNone/>
+            </a:pPr>
+            <a:r>
+              <a:rPr lang="vi" sz="1000">
+                <a:solidFill>
+                  <a:schemeClr val="dk1"/>
+                </a:solidFill>
+                <a:highlight>
+                  <a:srgbClr val="FFFFFF"/>
+                </a:highlight>
+                <a:latin typeface="Courier New"/>
+                <a:ea typeface="Courier New"/>
+                <a:cs typeface="Courier New"/>
+                <a:sym typeface="Courier New"/>
+              </a:rPr>
+              <a:t>   </a:t>
+            </a:r>
+            <a:r>
+              <a:rPr b="1" lang="vi" sz="1000">
+                <a:solidFill>
+                  <a:srgbClr val="000080"/>
+                </a:solidFill>
+                <a:highlight>
+                  <a:srgbClr val="FFFFFF"/>
+                </a:highlight>
+                <a:latin typeface="Courier New"/>
+                <a:ea typeface="Courier New"/>
+                <a:cs typeface="Courier New"/>
+                <a:sym typeface="Courier New"/>
+              </a:rPr>
+              <a:t>return </a:t>
+            </a:r>
+            <a:r>
+              <a:rPr lang="vi" sz="1000">
+                <a:solidFill>
+                  <a:schemeClr val="dk1"/>
+                </a:solidFill>
+                <a:highlight>
+                  <a:srgbClr val="FFFFFF"/>
+                </a:highlight>
+                <a:latin typeface="Courier New"/>
+                <a:ea typeface="Courier New"/>
+                <a:cs typeface="Courier New"/>
+                <a:sym typeface="Courier New"/>
+              </a:rPr>
+              <a:t>a + b;</a:t>
+            </a:r>
+            <a:endParaRPr sz="1000">
+              <a:solidFill>
+                <a:schemeClr val="dk1"/>
+              </a:solidFill>
+              <a:highlight>
+                <a:srgbClr val="FFFFFF"/>
+              </a:highlight>
+              <a:latin typeface="Courier New"/>
+              <a:ea typeface="Courier New"/>
+              <a:cs typeface="Courier New"/>
+              <a:sym typeface="Courier New"/>
+            </a:endParaRPr>
+          </a:p>
+          <a:p>
+            <a:pPr indent="0" lvl="0" marL="0" rtl="0" algn="l">
+              <a:lnSpc>
+                <a:spcPct val="80000"/>
+              </a:lnSpc>
+              <a:spcBef>
+                <a:spcPts val="1200"/>
+              </a:spcBef>
+              <a:spcAft>
+                <a:spcPts val="0"/>
+              </a:spcAft>
+              <a:buClr>
+                <a:schemeClr val="dk1"/>
+              </a:buClr>
+              <a:buSzPts val="1100"/>
+              <a:buFont typeface="Arial"/>
+              <a:buNone/>
+            </a:pPr>
+            <a:r>
+              <a:rPr lang="vi" sz="1000">
+                <a:solidFill>
+                  <a:schemeClr val="dk1"/>
+                </a:solidFill>
+                <a:highlight>
+                  <a:srgbClr val="FFFFFF"/>
+                </a:highlight>
+                <a:latin typeface="Courier New"/>
+                <a:ea typeface="Courier New"/>
+                <a:cs typeface="Courier New"/>
+                <a:sym typeface="Courier New"/>
+              </a:rPr>
+              <a:t>}</a:t>
+            </a:r>
+            <a:endParaRPr sz="1000">
+              <a:solidFill>
+                <a:schemeClr val="dk1"/>
+              </a:solidFill>
+              <a:highlight>
+                <a:srgbClr val="FFFFFF"/>
+              </a:highlight>
+              <a:latin typeface="Courier New"/>
+              <a:ea typeface="Courier New"/>
+              <a:cs typeface="Courier New"/>
+              <a:sym typeface="Courier New"/>
+            </a:endParaRPr>
+          </a:p>
+          <a:p>
+            <a:pPr indent="0" lvl="0" marL="0" rtl="0" algn="l">
+              <a:lnSpc>
+                <a:spcPct val="80000"/>
+              </a:lnSpc>
+              <a:spcBef>
+                <a:spcPts val="1200"/>
+              </a:spcBef>
+              <a:spcAft>
+                <a:spcPts val="0"/>
+              </a:spcAft>
+              <a:buClr>
+                <a:schemeClr val="dk1"/>
+              </a:buClr>
+              <a:buSzPts val="1100"/>
+              <a:buFont typeface="Arial"/>
+              <a:buNone/>
+            </a:pPr>
+            <a:r>
+              <a:rPr lang="vi" sz="1000">
+                <a:solidFill>
+                  <a:schemeClr val="dk1"/>
+                </a:solidFill>
+                <a:highlight>
+                  <a:srgbClr val="FFFFFF"/>
+                </a:highlight>
+                <a:latin typeface="Courier New"/>
+                <a:ea typeface="Courier New"/>
+                <a:cs typeface="Courier New"/>
+                <a:sym typeface="Courier New"/>
+              </a:rPr>
+              <a:t>QUnit.module(</a:t>
+            </a:r>
+            <a:r>
+              <a:rPr b="1" lang="vi" sz="1000">
+                <a:solidFill>
+                  <a:srgbClr val="008000"/>
+                </a:solidFill>
+                <a:highlight>
+                  <a:srgbClr val="FFFFFF"/>
+                </a:highlight>
+                <a:latin typeface="Courier New"/>
+                <a:ea typeface="Courier New"/>
+                <a:cs typeface="Courier New"/>
+                <a:sym typeface="Courier New"/>
+              </a:rPr>
+              <a:t>'estate'</a:t>
+            </a:r>
+            <a:r>
+              <a:rPr lang="vi" sz="1000">
+                <a:solidFill>
+                  <a:schemeClr val="dk1"/>
+                </a:solidFill>
+                <a:highlight>
+                  <a:srgbClr val="FFFFFF"/>
+                </a:highlight>
+                <a:latin typeface="Courier New"/>
+                <a:ea typeface="Courier New"/>
+                <a:cs typeface="Courier New"/>
+                <a:sym typeface="Courier New"/>
+              </a:rPr>
+              <a:t>, {}, </a:t>
+            </a:r>
+            <a:r>
+              <a:rPr b="1" lang="vi" sz="1000">
+                <a:solidFill>
+                  <a:srgbClr val="000080"/>
+                </a:solidFill>
+                <a:highlight>
+                  <a:srgbClr val="FFFFFF"/>
+                </a:highlight>
+                <a:latin typeface="Courier New"/>
+                <a:ea typeface="Courier New"/>
+                <a:cs typeface="Courier New"/>
+                <a:sym typeface="Courier New"/>
+              </a:rPr>
+              <a:t>function </a:t>
+            </a:r>
+            <a:r>
+              <a:rPr lang="vi" sz="1000">
+                <a:solidFill>
+                  <a:schemeClr val="dk1"/>
+                </a:solidFill>
+                <a:highlight>
+                  <a:srgbClr val="FFFFFF"/>
+                </a:highlight>
+                <a:latin typeface="Courier New"/>
+                <a:ea typeface="Courier New"/>
+                <a:cs typeface="Courier New"/>
+                <a:sym typeface="Courier New"/>
+              </a:rPr>
+              <a:t>() {</a:t>
+            </a:r>
+            <a:endParaRPr sz="1000">
+              <a:solidFill>
+                <a:schemeClr val="dk1"/>
+              </a:solidFill>
+              <a:highlight>
+                <a:srgbClr val="FFFFFF"/>
+              </a:highlight>
+              <a:latin typeface="Courier New"/>
+              <a:ea typeface="Courier New"/>
+              <a:cs typeface="Courier New"/>
+              <a:sym typeface="Courier New"/>
+            </a:endParaRPr>
+          </a:p>
+          <a:p>
+            <a:pPr indent="0" lvl="0" marL="0" rtl="0" algn="l">
+              <a:lnSpc>
+                <a:spcPct val="80000"/>
+              </a:lnSpc>
+              <a:spcBef>
+                <a:spcPts val="1200"/>
+              </a:spcBef>
+              <a:spcAft>
+                <a:spcPts val="0"/>
+              </a:spcAft>
+              <a:buClr>
+                <a:schemeClr val="dk1"/>
+              </a:buClr>
+              <a:buSzPts val="1100"/>
+              <a:buFont typeface="Arial"/>
+              <a:buNone/>
+            </a:pPr>
+            <a:r>
+              <a:rPr lang="vi" sz="1000">
+                <a:solidFill>
+                  <a:schemeClr val="dk1"/>
+                </a:solidFill>
+                <a:highlight>
+                  <a:srgbClr val="FFFFFF"/>
+                </a:highlight>
+                <a:latin typeface="Courier New"/>
+                <a:ea typeface="Courier New"/>
+                <a:cs typeface="Courier New"/>
+                <a:sym typeface="Courier New"/>
+              </a:rPr>
+              <a:t>   QUnit.module(</a:t>
+            </a:r>
+            <a:r>
+              <a:rPr b="1" lang="vi" sz="1000">
+                <a:solidFill>
+                  <a:srgbClr val="008000"/>
+                </a:solidFill>
+                <a:highlight>
+                  <a:srgbClr val="FFFFFF"/>
+                </a:highlight>
+                <a:latin typeface="Courier New"/>
+                <a:ea typeface="Courier New"/>
+                <a:cs typeface="Courier New"/>
+                <a:sym typeface="Courier New"/>
+              </a:rPr>
+              <a:t>'test add'</a:t>
+            </a:r>
+            <a:r>
+              <a:rPr lang="vi" sz="1000">
+                <a:solidFill>
+                  <a:schemeClr val="dk1"/>
+                </a:solidFill>
+                <a:highlight>
+                  <a:srgbClr val="FFFFFF"/>
+                </a:highlight>
+                <a:latin typeface="Courier New"/>
+                <a:ea typeface="Courier New"/>
+                <a:cs typeface="Courier New"/>
+                <a:sym typeface="Courier New"/>
+              </a:rPr>
+              <a:t>, {}, </a:t>
+            </a:r>
+            <a:r>
+              <a:rPr b="1" lang="vi" sz="1000">
+                <a:solidFill>
+                  <a:srgbClr val="000080"/>
+                </a:solidFill>
+                <a:highlight>
+                  <a:srgbClr val="FFFFFF"/>
+                </a:highlight>
+                <a:latin typeface="Courier New"/>
+                <a:ea typeface="Courier New"/>
+                <a:cs typeface="Courier New"/>
+                <a:sym typeface="Courier New"/>
+              </a:rPr>
+              <a:t>function </a:t>
+            </a:r>
+            <a:r>
+              <a:rPr lang="vi" sz="1000">
+                <a:solidFill>
+                  <a:schemeClr val="dk1"/>
+                </a:solidFill>
+                <a:highlight>
+                  <a:srgbClr val="FFFFFF"/>
+                </a:highlight>
+                <a:latin typeface="Courier New"/>
+                <a:ea typeface="Courier New"/>
+                <a:cs typeface="Courier New"/>
+                <a:sym typeface="Courier New"/>
+              </a:rPr>
+              <a:t>() {</a:t>
+            </a:r>
+            <a:endParaRPr sz="1000">
+              <a:solidFill>
+                <a:schemeClr val="dk1"/>
+              </a:solidFill>
+              <a:highlight>
+                <a:srgbClr val="FFFFFF"/>
+              </a:highlight>
+              <a:latin typeface="Courier New"/>
+              <a:ea typeface="Courier New"/>
+              <a:cs typeface="Courier New"/>
+              <a:sym typeface="Courier New"/>
+            </a:endParaRPr>
+          </a:p>
+          <a:p>
+            <a:pPr indent="0" lvl="0" marL="0" rtl="0" algn="l">
+              <a:lnSpc>
+                <a:spcPct val="80000"/>
+              </a:lnSpc>
+              <a:spcBef>
+                <a:spcPts val="1200"/>
+              </a:spcBef>
+              <a:spcAft>
+                <a:spcPts val="0"/>
+              </a:spcAft>
+              <a:buClr>
+                <a:schemeClr val="dk1"/>
+              </a:buClr>
+              <a:buSzPts val="1100"/>
+              <a:buFont typeface="Arial"/>
+              <a:buNone/>
+            </a:pPr>
+            <a:r>
+              <a:rPr lang="vi" sz="1000">
+                <a:solidFill>
+                  <a:schemeClr val="dk1"/>
+                </a:solidFill>
+                <a:highlight>
+                  <a:srgbClr val="FFFFFF"/>
+                </a:highlight>
+                <a:latin typeface="Courier New"/>
+                <a:ea typeface="Courier New"/>
+                <a:cs typeface="Courier New"/>
+                <a:sym typeface="Courier New"/>
+              </a:rPr>
+              <a:t>       QUnit.test(</a:t>
+            </a:r>
+            <a:r>
+              <a:rPr b="1" lang="vi" sz="1000">
+                <a:solidFill>
+                  <a:srgbClr val="008000"/>
+                </a:solidFill>
+                <a:highlight>
+                  <a:srgbClr val="FFFFFF"/>
+                </a:highlight>
+                <a:latin typeface="Courier New"/>
+                <a:ea typeface="Courier New"/>
+                <a:cs typeface="Courier New"/>
+                <a:sym typeface="Courier New"/>
+              </a:rPr>
+              <a:t>'add two numbers'</a:t>
+            </a:r>
+            <a:r>
+              <a:rPr lang="vi" sz="1000">
+                <a:solidFill>
+                  <a:schemeClr val="dk1"/>
+                </a:solidFill>
+                <a:highlight>
+                  <a:srgbClr val="FFFFFF"/>
+                </a:highlight>
+                <a:latin typeface="Courier New"/>
+                <a:ea typeface="Courier New"/>
+                <a:cs typeface="Courier New"/>
+                <a:sym typeface="Courier New"/>
+              </a:rPr>
+              <a:t>, assert =&gt; {</a:t>
+            </a:r>
+            <a:endParaRPr sz="1000">
+              <a:solidFill>
+                <a:schemeClr val="dk1"/>
+              </a:solidFill>
+              <a:highlight>
+                <a:srgbClr val="FFFFFF"/>
+              </a:highlight>
+              <a:latin typeface="Courier New"/>
+              <a:ea typeface="Courier New"/>
+              <a:cs typeface="Courier New"/>
+              <a:sym typeface="Courier New"/>
+            </a:endParaRPr>
+          </a:p>
+          <a:p>
+            <a:pPr indent="0" lvl="0" marL="0" rtl="0" algn="l">
+              <a:lnSpc>
+                <a:spcPct val="80000"/>
+              </a:lnSpc>
+              <a:spcBef>
+                <a:spcPts val="1200"/>
+              </a:spcBef>
+              <a:spcAft>
+                <a:spcPts val="0"/>
+              </a:spcAft>
+              <a:buClr>
+                <a:schemeClr val="dk1"/>
+              </a:buClr>
+              <a:buSzPts val="1100"/>
+              <a:buFont typeface="Arial"/>
+              <a:buNone/>
+            </a:pPr>
+            <a:r>
+              <a:rPr lang="vi" sz="1000">
+                <a:solidFill>
+                  <a:schemeClr val="dk1"/>
+                </a:solidFill>
+                <a:highlight>
+                  <a:srgbClr val="FFFFFF"/>
+                </a:highlight>
+                <a:latin typeface="Courier New"/>
+                <a:ea typeface="Courier New"/>
+                <a:cs typeface="Courier New"/>
+                <a:sym typeface="Courier New"/>
+              </a:rPr>
+              <a:t>           assert.expect(</a:t>
+            </a:r>
+            <a:r>
+              <a:rPr lang="vi" sz="1000">
+                <a:solidFill>
+                  <a:srgbClr val="0000FF"/>
+                </a:solidFill>
+                <a:highlight>
+                  <a:srgbClr val="FFFFFF"/>
+                </a:highlight>
+                <a:latin typeface="Courier New"/>
+                <a:ea typeface="Courier New"/>
+                <a:cs typeface="Courier New"/>
+                <a:sym typeface="Courier New"/>
+              </a:rPr>
+              <a:t>2</a:t>
+            </a:r>
+            <a:r>
+              <a:rPr lang="vi" sz="1000">
+                <a:solidFill>
+                  <a:schemeClr val="dk1"/>
+                </a:solidFill>
+                <a:highlight>
+                  <a:srgbClr val="FFFFFF"/>
+                </a:highlight>
+                <a:latin typeface="Courier New"/>
+                <a:ea typeface="Courier New"/>
+                <a:cs typeface="Courier New"/>
+                <a:sym typeface="Courier New"/>
+              </a:rPr>
+              <a:t>)</a:t>
+            </a:r>
+            <a:endParaRPr sz="1000">
+              <a:solidFill>
+                <a:schemeClr val="dk1"/>
+              </a:solidFill>
+              <a:highlight>
+                <a:srgbClr val="FFFFFF"/>
+              </a:highlight>
+              <a:latin typeface="Courier New"/>
+              <a:ea typeface="Courier New"/>
+              <a:cs typeface="Courier New"/>
+              <a:sym typeface="Courier New"/>
+            </a:endParaRPr>
+          </a:p>
+          <a:p>
+            <a:pPr indent="0" lvl="0" marL="0" rtl="0" algn="l">
+              <a:lnSpc>
+                <a:spcPct val="80000"/>
+              </a:lnSpc>
+              <a:spcBef>
+                <a:spcPts val="1200"/>
+              </a:spcBef>
+              <a:spcAft>
+                <a:spcPts val="0"/>
+              </a:spcAft>
+              <a:buClr>
+                <a:schemeClr val="dk1"/>
+              </a:buClr>
+              <a:buSzPts val="1100"/>
+              <a:buFont typeface="Arial"/>
+              <a:buNone/>
+            </a:pPr>
+            <a:r>
+              <a:rPr lang="vi" sz="1000">
+                <a:solidFill>
+                  <a:schemeClr val="dk1"/>
+                </a:solidFill>
+                <a:highlight>
+                  <a:srgbClr val="FFFFFF"/>
+                </a:highlight>
+                <a:latin typeface="Courier New"/>
+                <a:ea typeface="Courier New"/>
+                <a:cs typeface="Courier New"/>
+                <a:sym typeface="Courier New"/>
+              </a:rPr>
+              <a:t>           assert.strictEqual(add(</a:t>
+            </a:r>
+            <a:r>
+              <a:rPr lang="vi" sz="1000">
+                <a:solidFill>
+                  <a:srgbClr val="0000FF"/>
+                </a:solidFill>
+                <a:highlight>
+                  <a:srgbClr val="FFFFFF"/>
+                </a:highlight>
+                <a:latin typeface="Courier New"/>
+                <a:ea typeface="Courier New"/>
+                <a:cs typeface="Courier New"/>
+                <a:sym typeface="Courier New"/>
+              </a:rPr>
+              <a:t>1</a:t>
+            </a:r>
+            <a:r>
+              <a:rPr lang="vi" sz="1000">
+                <a:solidFill>
+                  <a:schemeClr val="dk1"/>
+                </a:solidFill>
+                <a:highlight>
+                  <a:srgbClr val="FFFFFF"/>
+                </a:highlight>
+                <a:latin typeface="Courier New"/>
+                <a:ea typeface="Courier New"/>
+                <a:cs typeface="Courier New"/>
+                <a:sym typeface="Courier New"/>
+              </a:rPr>
+              <a:t>, </a:t>
+            </a:r>
+            <a:r>
+              <a:rPr lang="vi" sz="1000">
+                <a:solidFill>
+                  <a:srgbClr val="0000FF"/>
+                </a:solidFill>
+                <a:highlight>
+                  <a:srgbClr val="FFFFFF"/>
+                </a:highlight>
+                <a:latin typeface="Courier New"/>
+                <a:ea typeface="Courier New"/>
+                <a:cs typeface="Courier New"/>
+                <a:sym typeface="Courier New"/>
+              </a:rPr>
+              <a:t>1</a:t>
+            </a:r>
+            <a:r>
+              <a:rPr lang="vi" sz="1000">
+                <a:solidFill>
+                  <a:schemeClr val="dk1"/>
+                </a:solidFill>
+                <a:highlight>
+                  <a:srgbClr val="FFFFFF"/>
+                </a:highlight>
+                <a:latin typeface="Courier New"/>
+                <a:ea typeface="Courier New"/>
+                <a:cs typeface="Courier New"/>
+                <a:sym typeface="Courier New"/>
+              </a:rPr>
+              <a:t>), </a:t>
+            </a:r>
+            <a:r>
+              <a:rPr lang="vi" sz="1000">
+                <a:solidFill>
+                  <a:srgbClr val="0000FF"/>
+                </a:solidFill>
+                <a:highlight>
+                  <a:srgbClr val="FFFFFF"/>
+                </a:highlight>
+                <a:latin typeface="Courier New"/>
+                <a:ea typeface="Courier New"/>
+                <a:cs typeface="Courier New"/>
+                <a:sym typeface="Courier New"/>
+              </a:rPr>
+              <a:t>2</a:t>
+            </a:r>
+            <a:r>
+              <a:rPr lang="vi" sz="1000">
+                <a:solidFill>
+                  <a:schemeClr val="dk1"/>
+                </a:solidFill>
+                <a:highlight>
+                  <a:srgbClr val="FFFFFF"/>
+                </a:highlight>
+                <a:latin typeface="Courier New"/>
+                <a:ea typeface="Courier New"/>
+                <a:cs typeface="Courier New"/>
+                <a:sym typeface="Courier New"/>
+              </a:rPr>
+              <a:t>);</a:t>
+            </a:r>
+            <a:endParaRPr sz="1000">
+              <a:solidFill>
+                <a:schemeClr val="dk1"/>
+              </a:solidFill>
+              <a:highlight>
+                <a:srgbClr val="FFFFFF"/>
+              </a:highlight>
+              <a:latin typeface="Courier New"/>
+              <a:ea typeface="Courier New"/>
+              <a:cs typeface="Courier New"/>
+              <a:sym typeface="Courier New"/>
+            </a:endParaRPr>
+          </a:p>
+          <a:p>
+            <a:pPr indent="0" lvl="0" marL="0" rtl="0" algn="l">
+              <a:lnSpc>
+                <a:spcPct val="80000"/>
+              </a:lnSpc>
+              <a:spcBef>
+                <a:spcPts val="1200"/>
+              </a:spcBef>
+              <a:spcAft>
+                <a:spcPts val="0"/>
+              </a:spcAft>
+              <a:buClr>
+                <a:schemeClr val="dk1"/>
+              </a:buClr>
+              <a:buSzPts val="1100"/>
+              <a:buFont typeface="Arial"/>
+              <a:buNone/>
+            </a:pPr>
+            <a:r>
+              <a:rPr lang="vi" sz="1000">
+                <a:solidFill>
+                  <a:schemeClr val="dk1"/>
+                </a:solidFill>
+                <a:highlight>
+                  <a:srgbClr val="FFFFFF"/>
+                </a:highlight>
+                <a:latin typeface="Courier New"/>
+                <a:ea typeface="Courier New"/>
+                <a:cs typeface="Courier New"/>
+                <a:sym typeface="Courier New"/>
+              </a:rPr>
+              <a:t>           assert.strictEqual(add(</a:t>
+            </a:r>
+            <a:r>
+              <a:rPr lang="vi" sz="1000">
+                <a:solidFill>
+                  <a:srgbClr val="0000FF"/>
+                </a:solidFill>
+                <a:highlight>
+                  <a:srgbClr val="FFFFFF"/>
+                </a:highlight>
+                <a:latin typeface="Courier New"/>
+                <a:ea typeface="Courier New"/>
+                <a:cs typeface="Courier New"/>
+                <a:sym typeface="Courier New"/>
+              </a:rPr>
+              <a:t>1</a:t>
+            </a:r>
+            <a:r>
+              <a:rPr lang="vi" sz="1000">
+                <a:solidFill>
+                  <a:schemeClr val="dk1"/>
+                </a:solidFill>
+                <a:highlight>
+                  <a:srgbClr val="FFFFFF"/>
+                </a:highlight>
+                <a:latin typeface="Courier New"/>
+                <a:ea typeface="Courier New"/>
+                <a:cs typeface="Courier New"/>
+                <a:sym typeface="Courier New"/>
+              </a:rPr>
+              <a:t>, </a:t>
+            </a:r>
+            <a:r>
+              <a:rPr lang="vi" sz="1000">
+                <a:solidFill>
+                  <a:srgbClr val="0000FF"/>
+                </a:solidFill>
+                <a:highlight>
+                  <a:srgbClr val="FFFFFF"/>
+                </a:highlight>
+                <a:latin typeface="Courier New"/>
+                <a:ea typeface="Courier New"/>
+                <a:cs typeface="Courier New"/>
+                <a:sym typeface="Courier New"/>
+              </a:rPr>
+              <a:t>3</a:t>
+            </a:r>
+            <a:r>
+              <a:rPr lang="vi" sz="1000">
+                <a:solidFill>
+                  <a:schemeClr val="dk1"/>
+                </a:solidFill>
+                <a:highlight>
+                  <a:srgbClr val="FFFFFF"/>
+                </a:highlight>
+                <a:latin typeface="Courier New"/>
+                <a:ea typeface="Courier New"/>
+                <a:cs typeface="Courier New"/>
+                <a:sym typeface="Courier New"/>
+              </a:rPr>
+              <a:t>), </a:t>
+            </a:r>
+            <a:r>
+              <a:rPr lang="vi" sz="1000">
+                <a:solidFill>
+                  <a:srgbClr val="0000FF"/>
+                </a:solidFill>
+                <a:highlight>
+                  <a:srgbClr val="FFFFFF"/>
+                </a:highlight>
+                <a:latin typeface="Courier New"/>
+                <a:ea typeface="Courier New"/>
+                <a:cs typeface="Courier New"/>
+                <a:sym typeface="Courier New"/>
+              </a:rPr>
+              <a:t>4</a:t>
+            </a:r>
+            <a:r>
+              <a:rPr lang="vi" sz="1000">
+                <a:solidFill>
+                  <a:schemeClr val="dk1"/>
+                </a:solidFill>
+                <a:highlight>
+                  <a:srgbClr val="FFFFFF"/>
+                </a:highlight>
+                <a:latin typeface="Courier New"/>
+                <a:ea typeface="Courier New"/>
+                <a:cs typeface="Courier New"/>
+                <a:sym typeface="Courier New"/>
+              </a:rPr>
+              <a:t>);</a:t>
+            </a:r>
+            <a:endParaRPr sz="1000">
+              <a:solidFill>
+                <a:schemeClr val="dk1"/>
+              </a:solidFill>
+              <a:highlight>
+                <a:srgbClr val="FFFFFF"/>
+              </a:highlight>
+              <a:latin typeface="Courier New"/>
+              <a:ea typeface="Courier New"/>
+              <a:cs typeface="Courier New"/>
+              <a:sym typeface="Courier New"/>
+            </a:endParaRPr>
+          </a:p>
+          <a:p>
+            <a:pPr indent="0" lvl="0" marL="0" rtl="0" algn="l">
+              <a:lnSpc>
+                <a:spcPct val="80000"/>
+              </a:lnSpc>
+              <a:spcBef>
+                <a:spcPts val="1200"/>
+              </a:spcBef>
+              <a:spcAft>
+                <a:spcPts val="0"/>
+              </a:spcAft>
+              <a:buClr>
+                <a:schemeClr val="dk1"/>
+              </a:buClr>
+              <a:buSzPts val="1100"/>
+              <a:buFont typeface="Arial"/>
+              <a:buNone/>
+            </a:pPr>
+            <a:r>
+              <a:rPr lang="vi" sz="1000">
+                <a:solidFill>
+                  <a:schemeClr val="dk1"/>
+                </a:solidFill>
+                <a:highlight>
+                  <a:srgbClr val="FFFFFF"/>
+                </a:highlight>
+                <a:latin typeface="Courier New"/>
+                <a:ea typeface="Courier New"/>
+                <a:cs typeface="Courier New"/>
+                <a:sym typeface="Courier New"/>
+              </a:rPr>
+              <a:t>       });</a:t>
+            </a:r>
+            <a:endParaRPr sz="1000">
+              <a:solidFill>
+                <a:schemeClr val="dk1"/>
+              </a:solidFill>
+              <a:highlight>
+                <a:srgbClr val="FFFFFF"/>
+              </a:highlight>
+              <a:latin typeface="Courier New"/>
+              <a:ea typeface="Courier New"/>
+              <a:cs typeface="Courier New"/>
+              <a:sym typeface="Courier New"/>
+            </a:endParaRPr>
+          </a:p>
+          <a:p>
+            <a:pPr indent="0" lvl="0" marL="0" rtl="0" algn="l">
+              <a:lnSpc>
+                <a:spcPct val="80000"/>
+              </a:lnSpc>
+              <a:spcBef>
+                <a:spcPts val="1200"/>
+              </a:spcBef>
+              <a:spcAft>
+                <a:spcPts val="0"/>
+              </a:spcAft>
+              <a:buClr>
+                <a:schemeClr val="dk1"/>
+              </a:buClr>
+              <a:buSzPts val="1100"/>
+              <a:buFont typeface="Arial"/>
+              <a:buNone/>
+            </a:pPr>
+            <a:r>
+              <a:rPr lang="vi" sz="1000">
+                <a:solidFill>
+                  <a:schemeClr val="dk1"/>
+                </a:solidFill>
+                <a:highlight>
+                  <a:srgbClr val="FFFFFF"/>
+                </a:highlight>
+                <a:latin typeface="Courier New"/>
+                <a:ea typeface="Courier New"/>
+                <a:cs typeface="Courier New"/>
+                <a:sym typeface="Courier New"/>
+              </a:rPr>
+              <a:t>   });</a:t>
+            </a:r>
+            <a:endParaRPr sz="1000">
+              <a:solidFill>
+                <a:schemeClr val="dk1"/>
+              </a:solidFill>
+              <a:highlight>
+                <a:srgbClr val="FFFFFF"/>
+              </a:highlight>
+              <a:latin typeface="Courier New"/>
+              <a:ea typeface="Courier New"/>
+              <a:cs typeface="Courier New"/>
+              <a:sym typeface="Courier New"/>
+            </a:endParaRPr>
+          </a:p>
+          <a:p>
+            <a:pPr indent="0" lvl="0" marL="0" rtl="0" algn="l">
+              <a:lnSpc>
+                <a:spcPct val="80000"/>
+              </a:lnSpc>
+              <a:spcBef>
+                <a:spcPts val="1200"/>
+              </a:spcBef>
+              <a:spcAft>
+                <a:spcPts val="0"/>
+              </a:spcAft>
+              <a:buClr>
+                <a:schemeClr val="dk1"/>
+              </a:buClr>
+              <a:buSzPts val="1100"/>
+              <a:buFont typeface="Arial"/>
+              <a:buNone/>
+            </a:pPr>
+            <a:r>
+              <a:rPr lang="vi" sz="1000">
+                <a:solidFill>
+                  <a:schemeClr val="dk1"/>
+                </a:solidFill>
+                <a:highlight>
+                  <a:srgbClr val="FFFFFF"/>
+                </a:highlight>
+                <a:latin typeface="Courier New"/>
+                <a:ea typeface="Courier New"/>
+                <a:cs typeface="Courier New"/>
+                <a:sym typeface="Courier New"/>
+              </a:rPr>
+              <a:t>});</a:t>
+            </a:r>
+            <a:endParaRPr sz="1000">
+              <a:solidFill>
+                <a:schemeClr val="dk1"/>
+              </a:solidFill>
+              <a:highlight>
+                <a:srgbClr val="FFFFFF"/>
+              </a:highlight>
+              <a:latin typeface="Courier New"/>
+              <a:ea typeface="Courier New"/>
+              <a:cs typeface="Courier New"/>
+              <a:sym typeface="Courier New"/>
+            </a:endParaRPr>
+          </a:p>
+          <a:p>
+            <a:pPr indent="0" lvl="0" marL="0" rtl="0" algn="l">
+              <a:lnSpc>
+                <a:spcPct val="80000"/>
+              </a:lnSpc>
+              <a:spcBef>
+                <a:spcPts val="1200"/>
+              </a:spcBef>
+              <a:spcAft>
+                <a:spcPts val="0"/>
+              </a:spcAft>
+              <a:buClr>
+                <a:schemeClr val="dk1"/>
+              </a:buClr>
+              <a:buSzPts val="1100"/>
+              <a:buFont typeface="Arial"/>
+              <a:buNone/>
+            </a:pPr>
+            <a:r>
+              <a:rPr lang="vi" sz="1000">
+                <a:solidFill>
+                  <a:schemeClr val="dk1"/>
+                </a:solidFill>
+                <a:highlight>
+                  <a:srgbClr val="FFFFFF"/>
+                </a:highlight>
+                <a:latin typeface="Courier New"/>
+                <a:ea typeface="Courier New"/>
+                <a:cs typeface="Courier New"/>
+                <a:sym typeface="Courier New"/>
+              </a:rPr>
+              <a:t>});</a:t>
+            </a:r>
+            <a:endParaRPr sz="1000">
+              <a:solidFill>
+                <a:schemeClr val="dk1"/>
+              </a:solidFill>
+              <a:highlight>
+                <a:srgbClr val="FFFFFF"/>
+              </a:highlight>
+              <a:latin typeface="Courier New"/>
+              <a:ea typeface="Courier New"/>
+              <a:cs typeface="Courier New"/>
+              <a:sym typeface="Courier New"/>
+            </a:endParaRPr>
+          </a:p>
+          <a:p>
+            <a:pPr indent="0" lvl="0" marL="0" rtl="0" algn="l">
+              <a:lnSpc>
+                <a:spcPct val="80000"/>
+              </a:lnSpc>
+              <a:spcBef>
+                <a:spcPts val="1200"/>
+              </a:spcBef>
+              <a:spcAft>
+                <a:spcPts val="1200"/>
+              </a:spcAft>
+              <a:buSzPts val="935"/>
+              <a:buNone/>
+            </a:pPr>
+            <a:r>
+              <a:t/>
+            </a:r>
+            <a:endParaRPr sz="1829"/>
+          </a:p>
+        </p:txBody>
+      </p:sp>
+    </p:spTree>
+  </p:cSld>
+  <p:clrMapOvr>
+    <a:masterClrMapping/>
+  </p:clrMapOvr>
+</p:sld>
+</file>
+
+<file path=ppt/slides/slide31.xml><?xml version="1.0" encoding="utf-8"?>
+<p:sld xmlns:a="http://schemas.openxmlformats.org/drawingml/2006/main" xmlns:r="http://schemas.openxmlformats.org/officeDocument/2006/relationships" xmlns:mc="http://schemas.openxmlformats.org/markup-compatibility/2006" xmlns:mv="urn:schemas-microsoft-com:mac:vml" xmlns:p="http://schemas.openxmlformats.org/presentationml/2006/main" xmlns:c="http://schemas.openxmlformats.org/drawingml/2006/chart" xmlns:dgm="http://schemas.openxmlformats.org/drawingml/2006/diagram" xmlns:o="urn:schemas-microsoft-com:office:office" xmlns:v="urn:schemas-microsoft-com:vml" xmlns:pvml="urn:schemas-microsoft-com:office:powerpoint" xmlns:com="http://schemas.openxmlformats.org/drawingml/2006/compatibility" xmlns:p14="http://schemas.microsoft.com/office/powerpoint/2010/main" xmlns:p15="http://schemas.microsoft.com/office/powerpoint/2012/main" xmlns:ahyp="http://schemas.microsoft.com/office/drawing/2018/hyperlinkcolor">
+  <p:cSld>
+    <p:spTree>
+      <p:nvGrpSpPr>
+        <p:cNvPr id="266" name="Shape 266"/>
+        <p:cNvGrpSpPr/>
+        <p:nvPr/>
+      </p:nvGrpSpPr>
+      <p:grpSpPr>
+        <a:xfrm>
+          <a:off x="0" y="0"/>
+          <a:ext cx="0" cy="0"/>
+          <a:chOff x="0" y="0"/>
+          <a:chExt cx="0" cy="0"/>
+        </a:xfrm>
+      </p:grpSpPr>
+      <p:sp>
+        <p:nvSpPr>
+          <p:cNvPr id="267" name="Google Shape;267;p43"/>
+          <p:cNvSpPr txBox="1"/>
+          <p:nvPr>
+            <p:ph type="title"/>
+          </p:nvPr>
+        </p:nvSpPr>
+        <p:spPr>
+          <a:xfrm>
+            <a:off x="311700" y="0"/>
+            <a:ext cx="8520600" cy="572700"/>
+          </a:xfrm>
+          <a:prstGeom prst="rect">
+            <a:avLst/>
+          </a:prstGeom>
+        </p:spPr>
+        <p:txBody>
+          <a:bodyPr anchorCtr="0" anchor="t" bIns="91425" lIns="91425" spcFirstLastPara="1" rIns="91425" wrap="square" tIns="91425">
+            <a:normAutofit fontScale="90000"/>
+          </a:bodyPr>
+          <a:lstStyle/>
+          <a:p>
+            <a:pPr indent="-388620" lvl="0" marL="457200" rtl="0" algn="l">
+              <a:spcBef>
+                <a:spcPts val="0"/>
+              </a:spcBef>
+              <a:spcAft>
+                <a:spcPts val="0"/>
+              </a:spcAft>
+              <a:buSzPct val="100000"/>
+              <a:buAutoNum type="romanUcPeriod" startAt="7"/>
+            </a:pPr>
+            <a:r>
+              <a:rPr lang="vi"/>
+              <a:t>Testing Odoo</a:t>
+            </a:r>
+            <a:endParaRPr/>
+          </a:p>
+        </p:txBody>
+      </p:sp>
+      <p:sp>
+        <p:nvSpPr>
+          <p:cNvPr id="268" name="Google Shape;268;p43"/>
+          <p:cNvSpPr txBox="1"/>
+          <p:nvPr>
+            <p:ph idx="1" type="body"/>
+          </p:nvPr>
+        </p:nvSpPr>
+        <p:spPr>
+          <a:xfrm>
+            <a:off x="0" y="492375"/>
+            <a:ext cx="4794900" cy="4515000"/>
+          </a:xfrm>
+          <a:prstGeom prst="rect">
+            <a:avLst/>
+          </a:prstGeom>
+        </p:spPr>
+        <p:txBody>
+          <a:bodyPr anchorCtr="0" anchor="t" bIns="91425" lIns="91425" spcFirstLastPara="1" rIns="91425" wrap="square" tIns="91425">
+            <a:noAutofit/>
+          </a:bodyPr>
+          <a:lstStyle/>
+          <a:p>
+            <a:pPr indent="-344805" lvl="0" marL="457200" rtl="0" algn="l">
+              <a:lnSpc>
+                <a:spcPct val="80000"/>
+              </a:lnSpc>
+              <a:spcBef>
+                <a:spcPts val="0"/>
+              </a:spcBef>
+              <a:spcAft>
+                <a:spcPts val="0"/>
+              </a:spcAft>
+              <a:buSzPts val="1830"/>
+              <a:buAutoNum type="arabicPeriod" startAt="2"/>
+            </a:pPr>
+            <a:r>
+              <a:rPr lang="vi" sz="1829"/>
+              <a:t>Testing JS code</a:t>
+            </a:r>
+            <a:endParaRPr sz="1300"/>
+          </a:p>
+          <a:p>
+            <a:pPr indent="-311150" lvl="0" marL="457200" rtl="0" algn="l">
+              <a:lnSpc>
+                <a:spcPct val="80000"/>
+              </a:lnSpc>
+              <a:spcBef>
+                <a:spcPts val="0"/>
+              </a:spcBef>
+              <a:spcAft>
+                <a:spcPts val="0"/>
+              </a:spcAft>
+              <a:buSzPts val="1300"/>
+              <a:buAutoNum type="alphaLcPeriod" startAt="2"/>
+            </a:pPr>
+            <a:r>
+              <a:rPr lang="vi" sz="1300"/>
+              <a:t>Add file vào main test assets</a:t>
+            </a:r>
+            <a:endParaRPr sz="1300"/>
+          </a:p>
+          <a:p>
+            <a:pPr indent="0" lvl="0" marL="0" rtl="0" algn="l">
+              <a:lnSpc>
+                <a:spcPct val="80000"/>
+              </a:lnSpc>
+              <a:spcBef>
+                <a:spcPts val="1200"/>
+              </a:spcBef>
+              <a:spcAft>
+                <a:spcPts val="0"/>
+              </a:spcAft>
+              <a:buNone/>
+            </a:pPr>
+            <a:r>
+              <a:t/>
+            </a:r>
+            <a:endParaRPr sz="1300"/>
+          </a:p>
+          <a:p>
+            <a:pPr indent="-311150" lvl="0" marL="457200" rtl="0" algn="l">
+              <a:lnSpc>
+                <a:spcPct val="80000"/>
+              </a:lnSpc>
+              <a:spcBef>
+                <a:spcPts val="1200"/>
+              </a:spcBef>
+              <a:spcAft>
+                <a:spcPts val="0"/>
+              </a:spcAft>
+              <a:buSzPts val="1300"/>
+              <a:buAutoNum type="alphaLcPeriod" startAt="2"/>
+            </a:pPr>
+            <a:r>
+              <a:rPr lang="vi" sz="1300"/>
+              <a:t>Khai b</a:t>
+            </a:r>
+            <a:r>
+              <a:rPr lang="vi" sz="1300"/>
+              <a:t>áo assets file vào __manifest__.py</a:t>
+            </a:r>
+            <a:endParaRPr sz="1300"/>
+          </a:p>
+          <a:p>
+            <a:pPr indent="0" lvl="0" marL="0" rtl="0" algn="l">
+              <a:lnSpc>
+                <a:spcPct val="80000"/>
+              </a:lnSpc>
+              <a:spcBef>
+                <a:spcPts val="1200"/>
+              </a:spcBef>
+              <a:spcAft>
+                <a:spcPts val="0"/>
+              </a:spcAft>
+              <a:buNone/>
+            </a:pPr>
+            <a:r>
+              <a:t/>
+            </a:r>
+            <a:endParaRPr sz="1300"/>
+          </a:p>
+          <a:p>
+            <a:pPr indent="-311150" lvl="0" marL="457200" rtl="0" algn="l">
+              <a:lnSpc>
+                <a:spcPct val="80000"/>
+              </a:lnSpc>
+              <a:spcBef>
+                <a:spcPts val="1200"/>
+              </a:spcBef>
+              <a:spcAft>
+                <a:spcPts val="0"/>
+              </a:spcAft>
+              <a:buSzPts val="1300"/>
+              <a:buAutoNum type="alphaLcPeriod" startAt="2"/>
+            </a:pPr>
+            <a:r>
+              <a:rPr lang="vi" sz="1300"/>
+              <a:t>Chạy test bằng browser</a:t>
+            </a:r>
+            <a:endParaRPr sz="1300"/>
+          </a:p>
+          <a:p>
+            <a:pPr indent="0" lvl="0" marL="457200" rtl="0" algn="l">
+              <a:lnSpc>
+                <a:spcPct val="80000"/>
+              </a:lnSpc>
+              <a:spcBef>
+                <a:spcPts val="1200"/>
+              </a:spcBef>
+              <a:spcAft>
+                <a:spcPts val="0"/>
+              </a:spcAft>
+              <a:buNone/>
+            </a:pPr>
+            <a:r>
+              <a:rPr lang="vi" sz="1300"/>
+              <a:t>Truy cập: </a:t>
+            </a:r>
+            <a:r>
+              <a:rPr lang="vi" sz="1300" u="sng">
+                <a:solidFill>
+                  <a:schemeClr val="hlink"/>
+                </a:solidFill>
+                <a:hlinkClick r:id="rId3"/>
+              </a:rPr>
+              <a:t>http://localhost:8069/web/tests</a:t>
+            </a:r>
+            <a:endParaRPr sz="1300"/>
+          </a:p>
+          <a:p>
+            <a:pPr indent="0" lvl="0" marL="457200" rtl="0" algn="l">
+              <a:lnSpc>
+                <a:spcPct val="80000"/>
+              </a:lnSpc>
+              <a:spcBef>
+                <a:spcPts val="1200"/>
+              </a:spcBef>
+              <a:spcAft>
+                <a:spcPts val="1200"/>
+              </a:spcAft>
+              <a:buNone/>
+            </a:pPr>
+            <a:r>
+              <a:rPr lang="vi" sz="1300"/>
+              <a:t>Chọn module cần test hoặc chạy tất cả test theo default.</a:t>
+            </a:r>
+            <a:endParaRPr sz="1300"/>
+          </a:p>
+        </p:txBody>
+      </p:sp>
+      <p:sp>
+        <p:nvSpPr>
+          <p:cNvPr id="269" name="Google Shape;269;p43"/>
+          <p:cNvSpPr txBox="1"/>
+          <p:nvPr>
+            <p:ph idx="1" type="body"/>
+          </p:nvPr>
+        </p:nvSpPr>
+        <p:spPr>
+          <a:xfrm>
+            <a:off x="4794900" y="368025"/>
+            <a:ext cx="4349100" cy="4719600"/>
+          </a:xfrm>
+          <a:prstGeom prst="rect">
+            <a:avLst/>
+          </a:prstGeom>
+        </p:spPr>
+        <p:txBody>
+          <a:bodyPr anchorCtr="0" anchor="t" bIns="91425" lIns="91425" spcFirstLastPara="1" rIns="91425" wrap="square" tIns="91425">
+            <a:noAutofit/>
+          </a:bodyPr>
+          <a:lstStyle/>
+          <a:p>
+            <a:pPr indent="-292100" lvl="0" marL="457200" rtl="0" algn="l">
+              <a:lnSpc>
+                <a:spcPct val="80000"/>
+              </a:lnSpc>
+              <a:spcBef>
+                <a:spcPts val="0"/>
+              </a:spcBef>
+              <a:spcAft>
+                <a:spcPts val="0"/>
+              </a:spcAft>
+              <a:buClr>
+                <a:schemeClr val="dk1"/>
+              </a:buClr>
+              <a:buSzPts val="1000"/>
+              <a:buFont typeface="Courier New"/>
+              <a:buChar char="-"/>
+            </a:pPr>
+            <a:r>
+              <a:rPr lang="vi" sz="1000">
+                <a:solidFill>
+                  <a:schemeClr val="dk1"/>
+                </a:solidFill>
+                <a:highlight>
+                  <a:schemeClr val="lt1"/>
+                </a:highlight>
+                <a:latin typeface="Courier New"/>
+                <a:ea typeface="Courier New"/>
+                <a:cs typeface="Courier New"/>
+                <a:sym typeface="Courier New"/>
+              </a:rPr>
+              <a:t>estate/assets.xml</a:t>
+            </a:r>
+            <a:endParaRPr i="1" sz="1000">
+              <a:solidFill>
+                <a:schemeClr val="dk1"/>
+              </a:solidFill>
+              <a:highlight>
+                <a:srgbClr val="FFFFFF"/>
+              </a:highlight>
+              <a:latin typeface="Courier New"/>
+              <a:ea typeface="Courier New"/>
+              <a:cs typeface="Courier New"/>
+              <a:sym typeface="Courier New"/>
+            </a:endParaRPr>
+          </a:p>
+          <a:p>
+            <a:pPr indent="0" lvl="0" marL="0" rtl="0" algn="l">
+              <a:lnSpc>
+                <a:spcPct val="80000"/>
+              </a:lnSpc>
+              <a:spcBef>
+                <a:spcPts val="1200"/>
+              </a:spcBef>
+              <a:spcAft>
+                <a:spcPts val="0"/>
+              </a:spcAft>
+              <a:buNone/>
+            </a:pPr>
+            <a:r>
+              <a:rPr i="1" lang="vi" sz="1000">
+                <a:solidFill>
+                  <a:schemeClr val="dk1"/>
+                </a:solidFill>
+                <a:highlight>
+                  <a:srgbClr val="FFFFFF"/>
+                </a:highlight>
+                <a:latin typeface="Courier New"/>
+                <a:ea typeface="Courier New"/>
+                <a:cs typeface="Courier New"/>
+                <a:sym typeface="Courier New"/>
+              </a:rPr>
+              <a:t>&lt;?</a:t>
+            </a:r>
+            <a:r>
+              <a:rPr b="1" lang="vi" sz="1000">
+                <a:solidFill>
+                  <a:srgbClr val="0000FF"/>
+                </a:solidFill>
+                <a:highlight>
+                  <a:srgbClr val="EFEFEF"/>
+                </a:highlight>
+                <a:latin typeface="Courier New"/>
+                <a:ea typeface="Courier New"/>
+                <a:cs typeface="Courier New"/>
+                <a:sym typeface="Courier New"/>
+              </a:rPr>
+              <a:t>xml version</a:t>
+            </a:r>
+            <a:r>
+              <a:rPr b="1" lang="vi" sz="1000">
+                <a:solidFill>
+                  <a:srgbClr val="008000"/>
+                </a:solidFill>
+                <a:highlight>
+                  <a:srgbClr val="EFEFEF"/>
+                </a:highlight>
+                <a:latin typeface="Courier New"/>
+                <a:ea typeface="Courier New"/>
+                <a:cs typeface="Courier New"/>
+                <a:sym typeface="Courier New"/>
+              </a:rPr>
+              <a:t>="1.0" </a:t>
+            </a:r>
+            <a:r>
+              <a:rPr b="1" lang="vi" sz="1000">
+                <a:solidFill>
+                  <a:srgbClr val="0000FF"/>
+                </a:solidFill>
+                <a:highlight>
+                  <a:srgbClr val="EFEFEF"/>
+                </a:highlight>
+                <a:latin typeface="Courier New"/>
+                <a:ea typeface="Courier New"/>
+                <a:cs typeface="Courier New"/>
+                <a:sym typeface="Courier New"/>
+              </a:rPr>
+              <a:t>encoding</a:t>
+            </a:r>
+            <a:r>
+              <a:rPr b="1" lang="vi" sz="1000">
+                <a:solidFill>
+                  <a:srgbClr val="008000"/>
+                </a:solidFill>
+                <a:highlight>
+                  <a:srgbClr val="EFEFEF"/>
+                </a:highlight>
+                <a:latin typeface="Courier New"/>
+                <a:ea typeface="Courier New"/>
+                <a:cs typeface="Courier New"/>
+                <a:sym typeface="Courier New"/>
+              </a:rPr>
+              <a:t>="utf-8" </a:t>
+            </a:r>
+            <a:r>
+              <a:rPr i="1" lang="vi" sz="1000">
+                <a:solidFill>
+                  <a:schemeClr val="dk1"/>
+                </a:solidFill>
+                <a:highlight>
+                  <a:srgbClr val="FFFFFF"/>
+                </a:highlight>
+                <a:latin typeface="Courier New"/>
+                <a:ea typeface="Courier New"/>
+                <a:cs typeface="Courier New"/>
+                <a:sym typeface="Courier New"/>
+              </a:rPr>
+              <a:t>?&gt;</a:t>
+            </a:r>
+            <a:endParaRPr i="1" sz="1000">
+              <a:solidFill>
+                <a:schemeClr val="dk1"/>
+              </a:solidFill>
+              <a:highlight>
+                <a:srgbClr val="FFFFFF"/>
+              </a:highlight>
+              <a:latin typeface="Courier New"/>
+              <a:ea typeface="Courier New"/>
+              <a:cs typeface="Courier New"/>
+              <a:sym typeface="Courier New"/>
+            </a:endParaRPr>
+          </a:p>
+          <a:p>
+            <a:pPr indent="0" lvl="0" marL="0" rtl="0" algn="l">
+              <a:lnSpc>
+                <a:spcPct val="80000"/>
+              </a:lnSpc>
+              <a:spcBef>
+                <a:spcPts val="1200"/>
+              </a:spcBef>
+              <a:spcAft>
+                <a:spcPts val="0"/>
+              </a:spcAft>
+              <a:buNone/>
+            </a:pPr>
+            <a:r>
+              <a:rPr lang="vi" sz="1000">
+                <a:solidFill>
+                  <a:schemeClr val="dk1"/>
+                </a:solidFill>
+                <a:highlight>
+                  <a:srgbClr val="EFEFEF"/>
+                </a:highlight>
+                <a:latin typeface="Courier New"/>
+                <a:ea typeface="Courier New"/>
+                <a:cs typeface="Courier New"/>
+                <a:sym typeface="Courier New"/>
+              </a:rPr>
+              <a:t>&lt;</a:t>
+            </a:r>
+            <a:r>
+              <a:rPr b="1" lang="vi" sz="1000">
+                <a:solidFill>
+                  <a:srgbClr val="000080"/>
+                </a:solidFill>
+                <a:highlight>
+                  <a:srgbClr val="EFEFEF"/>
+                </a:highlight>
+                <a:latin typeface="Courier New"/>
+                <a:ea typeface="Courier New"/>
+                <a:cs typeface="Courier New"/>
+                <a:sym typeface="Courier New"/>
+              </a:rPr>
+              <a:t>odoo</a:t>
+            </a:r>
+            <a:r>
+              <a:rPr lang="vi" sz="1000">
+                <a:solidFill>
+                  <a:schemeClr val="dk1"/>
+                </a:solidFill>
+                <a:highlight>
+                  <a:srgbClr val="EFEFEF"/>
+                </a:highlight>
+                <a:latin typeface="Courier New"/>
+                <a:ea typeface="Courier New"/>
+                <a:cs typeface="Courier New"/>
+                <a:sym typeface="Courier New"/>
+              </a:rPr>
+              <a:t>&gt;</a:t>
+            </a:r>
+            <a:endParaRPr sz="1000">
+              <a:solidFill>
+                <a:schemeClr val="dk1"/>
+              </a:solidFill>
+              <a:highlight>
+                <a:srgbClr val="EFEFEF"/>
+              </a:highlight>
+              <a:latin typeface="Courier New"/>
+              <a:ea typeface="Courier New"/>
+              <a:cs typeface="Courier New"/>
+              <a:sym typeface="Courier New"/>
+            </a:endParaRPr>
+          </a:p>
+          <a:p>
+            <a:pPr indent="0" lvl="0" marL="0" rtl="0" algn="l">
+              <a:lnSpc>
+                <a:spcPct val="80000"/>
+              </a:lnSpc>
+              <a:spcBef>
+                <a:spcPts val="1200"/>
+              </a:spcBef>
+              <a:spcAft>
+                <a:spcPts val="0"/>
+              </a:spcAft>
+              <a:buNone/>
+            </a:pPr>
+            <a:r>
+              <a:rPr lang="vi" sz="1000">
+                <a:solidFill>
+                  <a:schemeClr val="dk1"/>
+                </a:solidFill>
+                <a:highlight>
+                  <a:srgbClr val="FFFFFF"/>
+                </a:highlight>
+                <a:latin typeface="Courier New"/>
+                <a:ea typeface="Courier New"/>
+                <a:cs typeface="Courier New"/>
+                <a:sym typeface="Courier New"/>
+              </a:rPr>
+              <a:t>   </a:t>
+            </a:r>
+            <a:r>
+              <a:rPr lang="vi" sz="1000">
+                <a:solidFill>
+                  <a:schemeClr val="dk1"/>
+                </a:solidFill>
+                <a:highlight>
+                  <a:srgbClr val="EFEFEF"/>
+                </a:highlight>
+                <a:latin typeface="Courier New"/>
+                <a:ea typeface="Courier New"/>
+                <a:cs typeface="Courier New"/>
+                <a:sym typeface="Courier New"/>
+              </a:rPr>
+              <a:t>&lt;</a:t>
+            </a:r>
+            <a:r>
+              <a:rPr b="1" lang="vi" sz="1000">
+                <a:solidFill>
+                  <a:srgbClr val="000080"/>
+                </a:solidFill>
+                <a:highlight>
+                  <a:srgbClr val="EFEFEF"/>
+                </a:highlight>
+                <a:latin typeface="Courier New"/>
+                <a:ea typeface="Courier New"/>
+                <a:cs typeface="Courier New"/>
+                <a:sym typeface="Courier New"/>
+              </a:rPr>
+              <a:t>template </a:t>
+            </a:r>
+            <a:r>
+              <a:rPr b="1" lang="vi" sz="1000">
+                <a:solidFill>
+                  <a:srgbClr val="0000FF"/>
+                </a:solidFill>
+                <a:highlight>
+                  <a:srgbClr val="EFEFEF"/>
+                </a:highlight>
+                <a:latin typeface="Courier New"/>
+                <a:ea typeface="Courier New"/>
+                <a:cs typeface="Courier New"/>
+                <a:sym typeface="Courier New"/>
+              </a:rPr>
+              <a:t>id</a:t>
+            </a:r>
+            <a:r>
+              <a:rPr b="1" lang="vi" sz="1000">
+                <a:solidFill>
+                  <a:srgbClr val="008000"/>
+                </a:solidFill>
+                <a:highlight>
+                  <a:srgbClr val="EFEFEF"/>
+                </a:highlight>
+                <a:latin typeface="Courier New"/>
+                <a:ea typeface="Courier New"/>
+                <a:cs typeface="Courier New"/>
+                <a:sym typeface="Courier New"/>
+              </a:rPr>
+              <a:t>="qunit_suite_tests" </a:t>
+            </a:r>
+            <a:r>
+              <a:rPr b="1" lang="vi" sz="1000">
+                <a:solidFill>
+                  <a:srgbClr val="0000FF"/>
+                </a:solidFill>
+                <a:highlight>
+                  <a:srgbClr val="EFEFEF"/>
+                </a:highlight>
+                <a:latin typeface="Courier New"/>
+                <a:ea typeface="Courier New"/>
+                <a:cs typeface="Courier New"/>
+                <a:sym typeface="Courier New"/>
+              </a:rPr>
+              <a:t>name</a:t>
+            </a:r>
+            <a:r>
+              <a:rPr b="1" lang="vi" sz="1000">
+                <a:solidFill>
+                  <a:srgbClr val="008000"/>
+                </a:solidFill>
+                <a:highlight>
+                  <a:srgbClr val="EFEFEF"/>
+                </a:highlight>
+                <a:latin typeface="Courier New"/>
+                <a:ea typeface="Courier New"/>
+                <a:cs typeface="Courier New"/>
+                <a:sym typeface="Courier New"/>
+              </a:rPr>
+              <a:t>="estate tests" </a:t>
+            </a:r>
+            <a:r>
+              <a:rPr b="1" lang="vi" sz="1000">
+                <a:solidFill>
+                  <a:srgbClr val="0000FF"/>
+                </a:solidFill>
+                <a:highlight>
+                  <a:srgbClr val="EFEFEF"/>
+                </a:highlight>
+                <a:latin typeface="Courier New"/>
+                <a:ea typeface="Courier New"/>
+                <a:cs typeface="Courier New"/>
+                <a:sym typeface="Courier New"/>
+              </a:rPr>
+              <a:t>inherit_id</a:t>
+            </a:r>
+            <a:r>
+              <a:rPr b="1" lang="vi" sz="1000">
+                <a:solidFill>
+                  <a:srgbClr val="008000"/>
+                </a:solidFill>
+                <a:highlight>
+                  <a:srgbClr val="EFEFEF"/>
+                </a:highlight>
+                <a:latin typeface="Courier New"/>
+                <a:ea typeface="Courier New"/>
+                <a:cs typeface="Courier New"/>
+                <a:sym typeface="Courier New"/>
+              </a:rPr>
+              <a:t>="web.qunit_suite_tests"</a:t>
+            </a:r>
+            <a:r>
+              <a:rPr lang="vi" sz="1000">
+                <a:solidFill>
+                  <a:schemeClr val="dk1"/>
+                </a:solidFill>
+                <a:highlight>
+                  <a:srgbClr val="EFEFEF"/>
+                </a:highlight>
+                <a:latin typeface="Courier New"/>
+                <a:ea typeface="Courier New"/>
+                <a:cs typeface="Courier New"/>
+                <a:sym typeface="Courier New"/>
+              </a:rPr>
+              <a:t>&gt;</a:t>
+            </a:r>
+            <a:endParaRPr sz="1000">
+              <a:solidFill>
+                <a:schemeClr val="dk1"/>
+              </a:solidFill>
+              <a:highlight>
+                <a:srgbClr val="EFEFEF"/>
+              </a:highlight>
+              <a:latin typeface="Courier New"/>
+              <a:ea typeface="Courier New"/>
+              <a:cs typeface="Courier New"/>
+              <a:sym typeface="Courier New"/>
+            </a:endParaRPr>
+          </a:p>
+          <a:p>
+            <a:pPr indent="0" lvl="0" marL="0" rtl="0" algn="l">
+              <a:lnSpc>
+                <a:spcPct val="80000"/>
+              </a:lnSpc>
+              <a:spcBef>
+                <a:spcPts val="1200"/>
+              </a:spcBef>
+              <a:spcAft>
+                <a:spcPts val="0"/>
+              </a:spcAft>
+              <a:buNone/>
+            </a:pPr>
+            <a:r>
+              <a:rPr lang="vi" sz="1000">
+                <a:solidFill>
+                  <a:schemeClr val="dk1"/>
+                </a:solidFill>
+                <a:highlight>
+                  <a:srgbClr val="FFFFFF"/>
+                </a:highlight>
+                <a:latin typeface="Courier New"/>
+                <a:ea typeface="Courier New"/>
+                <a:cs typeface="Courier New"/>
+                <a:sym typeface="Courier New"/>
+              </a:rPr>
+              <a:t>       </a:t>
+            </a:r>
+            <a:r>
+              <a:rPr lang="vi" sz="1000">
+                <a:solidFill>
+                  <a:schemeClr val="dk1"/>
+                </a:solidFill>
+                <a:highlight>
+                  <a:srgbClr val="EFEFEF"/>
+                </a:highlight>
+                <a:latin typeface="Courier New"/>
+                <a:ea typeface="Courier New"/>
+                <a:cs typeface="Courier New"/>
+                <a:sym typeface="Courier New"/>
+              </a:rPr>
+              <a:t>&lt;</a:t>
+            </a:r>
+            <a:r>
+              <a:rPr b="1" lang="vi" sz="1000">
+                <a:solidFill>
+                  <a:srgbClr val="000080"/>
+                </a:solidFill>
+                <a:highlight>
+                  <a:srgbClr val="EFEFEF"/>
+                </a:highlight>
+                <a:latin typeface="Courier New"/>
+                <a:ea typeface="Courier New"/>
+                <a:cs typeface="Courier New"/>
+                <a:sym typeface="Courier New"/>
+              </a:rPr>
+              <a:t>xpath </a:t>
+            </a:r>
+            <a:r>
+              <a:rPr b="1" lang="vi" sz="1000">
+                <a:solidFill>
+                  <a:srgbClr val="0000FF"/>
+                </a:solidFill>
+                <a:highlight>
+                  <a:srgbClr val="EFEFEF"/>
+                </a:highlight>
+                <a:latin typeface="Courier New"/>
+                <a:ea typeface="Courier New"/>
+                <a:cs typeface="Courier New"/>
+                <a:sym typeface="Courier New"/>
+              </a:rPr>
+              <a:t>expr</a:t>
+            </a:r>
+            <a:r>
+              <a:rPr b="1" lang="vi" sz="1000">
+                <a:solidFill>
+                  <a:srgbClr val="008000"/>
+                </a:solidFill>
+                <a:highlight>
+                  <a:srgbClr val="EFEFEF"/>
+                </a:highlight>
+                <a:latin typeface="Courier New"/>
+                <a:ea typeface="Courier New"/>
+                <a:cs typeface="Courier New"/>
+                <a:sym typeface="Courier New"/>
+              </a:rPr>
+              <a:t>="//script[last()]" </a:t>
+            </a:r>
+            <a:r>
+              <a:rPr b="1" lang="vi" sz="1000">
+                <a:solidFill>
+                  <a:srgbClr val="0000FF"/>
+                </a:solidFill>
+                <a:highlight>
+                  <a:srgbClr val="EFEFEF"/>
+                </a:highlight>
+                <a:latin typeface="Courier New"/>
+                <a:ea typeface="Courier New"/>
+                <a:cs typeface="Courier New"/>
+                <a:sym typeface="Courier New"/>
+              </a:rPr>
+              <a:t>position</a:t>
+            </a:r>
+            <a:r>
+              <a:rPr b="1" lang="vi" sz="1000">
+                <a:solidFill>
+                  <a:srgbClr val="008000"/>
+                </a:solidFill>
+                <a:highlight>
+                  <a:srgbClr val="EFEFEF"/>
+                </a:highlight>
+                <a:latin typeface="Courier New"/>
+                <a:ea typeface="Courier New"/>
+                <a:cs typeface="Courier New"/>
+                <a:sym typeface="Courier New"/>
+              </a:rPr>
+              <a:t>="after"</a:t>
+            </a:r>
+            <a:r>
+              <a:rPr lang="vi" sz="1000">
+                <a:solidFill>
+                  <a:schemeClr val="dk1"/>
+                </a:solidFill>
+                <a:highlight>
+                  <a:srgbClr val="EFEFEF"/>
+                </a:highlight>
+                <a:latin typeface="Courier New"/>
+                <a:ea typeface="Courier New"/>
+                <a:cs typeface="Courier New"/>
+                <a:sym typeface="Courier New"/>
+              </a:rPr>
+              <a:t>&gt;</a:t>
+            </a:r>
+            <a:endParaRPr sz="1000">
+              <a:solidFill>
+                <a:schemeClr val="dk1"/>
+              </a:solidFill>
+              <a:highlight>
+                <a:srgbClr val="EFEFEF"/>
+              </a:highlight>
+              <a:latin typeface="Courier New"/>
+              <a:ea typeface="Courier New"/>
+              <a:cs typeface="Courier New"/>
+              <a:sym typeface="Courier New"/>
+            </a:endParaRPr>
+          </a:p>
+          <a:p>
+            <a:pPr indent="0" lvl="0" marL="0" rtl="0" algn="l">
+              <a:lnSpc>
+                <a:spcPct val="80000"/>
+              </a:lnSpc>
+              <a:spcBef>
+                <a:spcPts val="1200"/>
+              </a:spcBef>
+              <a:spcAft>
+                <a:spcPts val="0"/>
+              </a:spcAft>
+              <a:buNone/>
+            </a:pPr>
+            <a:r>
+              <a:rPr lang="vi" sz="1000">
+                <a:solidFill>
+                  <a:schemeClr val="dk1"/>
+                </a:solidFill>
+                <a:highlight>
+                  <a:srgbClr val="FFFFFF"/>
+                </a:highlight>
+                <a:latin typeface="Courier New"/>
+                <a:ea typeface="Courier New"/>
+                <a:cs typeface="Courier New"/>
+                <a:sym typeface="Courier New"/>
+              </a:rPr>
+              <a:t>           </a:t>
+            </a:r>
+            <a:r>
+              <a:rPr lang="vi" sz="1000">
+                <a:solidFill>
+                  <a:schemeClr val="dk1"/>
+                </a:solidFill>
+                <a:highlight>
+                  <a:srgbClr val="EFEFEF"/>
+                </a:highlight>
+                <a:latin typeface="Courier New"/>
+                <a:ea typeface="Courier New"/>
+                <a:cs typeface="Courier New"/>
+                <a:sym typeface="Courier New"/>
+              </a:rPr>
+              <a:t>&lt;</a:t>
+            </a:r>
+            <a:r>
+              <a:rPr b="1" lang="vi" sz="1000">
+                <a:solidFill>
+                  <a:srgbClr val="000080"/>
+                </a:solidFill>
+                <a:highlight>
+                  <a:srgbClr val="EFEFEF"/>
+                </a:highlight>
+                <a:latin typeface="Courier New"/>
+                <a:ea typeface="Courier New"/>
+                <a:cs typeface="Courier New"/>
+                <a:sym typeface="Courier New"/>
+              </a:rPr>
+              <a:t>script </a:t>
+            </a:r>
+            <a:r>
+              <a:rPr b="1" lang="vi" sz="1000">
+                <a:solidFill>
+                  <a:srgbClr val="0000FF"/>
+                </a:solidFill>
+                <a:highlight>
+                  <a:srgbClr val="EFEFEF"/>
+                </a:highlight>
+                <a:latin typeface="Courier New"/>
+                <a:ea typeface="Courier New"/>
+                <a:cs typeface="Courier New"/>
+                <a:sym typeface="Courier New"/>
+              </a:rPr>
+              <a:t>type</a:t>
+            </a:r>
+            <a:r>
+              <a:rPr b="1" lang="vi" sz="1000">
+                <a:solidFill>
+                  <a:srgbClr val="008000"/>
+                </a:solidFill>
+                <a:highlight>
+                  <a:srgbClr val="EFEFEF"/>
+                </a:highlight>
+                <a:latin typeface="Courier New"/>
+                <a:ea typeface="Courier New"/>
+                <a:cs typeface="Courier New"/>
+                <a:sym typeface="Courier New"/>
+              </a:rPr>
+              <a:t>="text/javascript" </a:t>
+            </a:r>
+            <a:r>
+              <a:rPr b="1" lang="vi" sz="1000">
+                <a:solidFill>
+                  <a:srgbClr val="0000FF"/>
+                </a:solidFill>
+                <a:highlight>
+                  <a:srgbClr val="EFEFEF"/>
+                </a:highlight>
+                <a:latin typeface="Courier New"/>
+                <a:ea typeface="Courier New"/>
+                <a:cs typeface="Courier New"/>
+                <a:sym typeface="Courier New"/>
+              </a:rPr>
+              <a:t>src</a:t>
+            </a:r>
+            <a:r>
+              <a:rPr b="1" lang="vi" sz="1000">
+                <a:solidFill>
+                  <a:srgbClr val="008000"/>
+                </a:solidFill>
+                <a:highlight>
+                  <a:srgbClr val="EFEFEF"/>
+                </a:highlight>
+                <a:latin typeface="Courier New"/>
+                <a:ea typeface="Courier New"/>
+                <a:cs typeface="Courier New"/>
+                <a:sym typeface="Courier New"/>
+              </a:rPr>
+              <a:t>="/estate/static/tests/utils_tests.js"</a:t>
+            </a:r>
+            <a:r>
+              <a:rPr lang="vi" sz="1000">
+                <a:solidFill>
+                  <a:schemeClr val="dk1"/>
+                </a:solidFill>
+                <a:highlight>
+                  <a:srgbClr val="EFEFEF"/>
+                </a:highlight>
+                <a:latin typeface="Courier New"/>
+                <a:ea typeface="Courier New"/>
+                <a:cs typeface="Courier New"/>
+                <a:sym typeface="Courier New"/>
+              </a:rPr>
+              <a:t>/&gt;</a:t>
+            </a:r>
+            <a:endParaRPr sz="1000">
+              <a:solidFill>
+                <a:schemeClr val="dk1"/>
+              </a:solidFill>
+              <a:highlight>
+                <a:srgbClr val="EFEFEF"/>
+              </a:highlight>
+              <a:latin typeface="Courier New"/>
+              <a:ea typeface="Courier New"/>
+              <a:cs typeface="Courier New"/>
+              <a:sym typeface="Courier New"/>
+            </a:endParaRPr>
+          </a:p>
+          <a:p>
+            <a:pPr indent="0" lvl="0" marL="0" rtl="0" algn="l">
+              <a:lnSpc>
+                <a:spcPct val="80000"/>
+              </a:lnSpc>
+              <a:spcBef>
+                <a:spcPts val="1200"/>
+              </a:spcBef>
+              <a:spcAft>
+                <a:spcPts val="0"/>
+              </a:spcAft>
+              <a:buNone/>
+            </a:pPr>
+            <a:r>
+              <a:rPr lang="vi" sz="1000">
+                <a:solidFill>
+                  <a:schemeClr val="dk1"/>
+                </a:solidFill>
+                <a:highlight>
+                  <a:srgbClr val="FFFFFF"/>
+                </a:highlight>
+                <a:latin typeface="Courier New"/>
+                <a:ea typeface="Courier New"/>
+                <a:cs typeface="Courier New"/>
+                <a:sym typeface="Courier New"/>
+              </a:rPr>
+              <a:t>       </a:t>
+            </a:r>
+            <a:r>
+              <a:rPr lang="vi" sz="1000">
+                <a:solidFill>
+                  <a:schemeClr val="dk1"/>
+                </a:solidFill>
+                <a:highlight>
+                  <a:srgbClr val="EFEFEF"/>
+                </a:highlight>
+                <a:latin typeface="Courier New"/>
+                <a:ea typeface="Courier New"/>
+                <a:cs typeface="Courier New"/>
+                <a:sym typeface="Courier New"/>
+              </a:rPr>
+              <a:t>&lt;/</a:t>
+            </a:r>
+            <a:r>
+              <a:rPr b="1" lang="vi" sz="1000">
+                <a:solidFill>
+                  <a:srgbClr val="000080"/>
+                </a:solidFill>
+                <a:highlight>
+                  <a:srgbClr val="EFEFEF"/>
+                </a:highlight>
+                <a:latin typeface="Courier New"/>
+                <a:ea typeface="Courier New"/>
+                <a:cs typeface="Courier New"/>
+                <a:sym typeface="Courier New"/>
+              </a:rPr>
+              <a:t>xpath</a:t>
+            </a:r>
+            <a:r>
+              <a:rPr lang="vi" sz="1000">
+                <a:solidFill>
+                  <a:schemeClr val="dk1"/>
+                </a:solidFill>
+                <a:highlight>
+                  <a:srgbClr val="EFEFEF"/>
+                </a:highlight>
+                <a:latin typeface="Courier New"/>
+                <a:ea typeface="Courier New"/>
+                <a:cs typeface="Courier New"/>
+                <a:sym typeface="Courier New"/>
+              </a:rPr>
+              <a:t>&gt;</a:t>
+            </a:r>
+            <a:endParaRPr sz="1000">
+              <a:solidFill>
+                <a:schemeClr val="dk1"/>
+              </a:solidFill>
+              <a:highlight>
+                <a:srgbClr val="EFEFEF"/>
+              </a:highlight>
+              <a:latin typeface="Courier New"/>
+              <a:ea typeface="Courier New"/>
+              <a:cs typeface="Courier New"/>
+              <a:sym typeface="Courier New"/>
+            </a:endParaRPr>
+          </a:p>
+          <a:p>
+            <a:pPr indent="0" lvl="0" marL="0" rtl="0" algn="l">
+              <a:lnSpc>
+                <a:spcPct val="80000"/>
+              </a:lnSpc>
+              <a:spcBef>
+                <a:spcPts val="1200"/>
+              </a:spcBef>
+              <a:spcAft>
+                <a:spcPts val="0"/>
+              </a:spcAft>
+              <a:buNone/>
+            </a:pPr>
+            <a:r>
+              <a:rPr lang="vi" sz="1000">
+                <a:solidFill>
+                  <a:schemeClr val="dk1"/>
+                </a:solidFill>
+                <a:highlight>
+                  <a:srgbClr val="FFFFFF"/>
+                </a:highlight>
+                <a:latin typeface="Courier New"/>
+                <a:ea typeface="Courier New"/>
+                <a:cs typeface="Courier New"/>
+                <a:sym typeface="Courier New"/>
+              </a:rPr>
+              <a:t>   </a:t>
+            </a:r>
+            <a:r>
+              <a:rPr lang="vi" sz="1000">
+                <a:solidFill>
+                  <a:schemeClr val="dk1"/>
+                </a:solidFill>
+                <a:highlight>
+                  <a:srgbClr val="EFEFEF"/>
+                </a:highlight>
+                <a:latin typeface="Courier New"/>
+                <a:ea typeface="Courier New"/>
+                <a:cs typeface="Courier New"/>
+                <a:sym typeface="Courier New"/>
+              </a:rPr>
+              <a:t>&lt;/</a:t>
+            </a:r>
+            <a:r>
+              <a:rPr b="1" lang="vi" sz="1000">
+                <a:solidFill>
+                  <a:srgbClr val="000080"/>
+                </a:solidFill>
+                <a:highlight>
+                  <a:srgbClr val="EFEFEF"/>
+                </a:highlight>
+                <a:latin typeface="Courier New"/>
+                <a:ea typeface="Courier New"/>
+                <a:cs typeface="Courier New"/>
+                <a:sym typeface="Courier New"/>
+              </a:rPr>
+              <a:t>template</a:t>
+            </a:r>
+            <a:r>
+              <a:rPr lang="vi" sz="1000">
+                <a:solidFill>
+                  <a:schemeClr val="dk1"/>
+                </a:solidFill>
+                <a:highlight>
+                  <a:srgbClr val="EFEFEF"/>
+                </a:highlight>
+                <a:latin typeface="Courier New"/>
+                <a:ea typeface="Courier New"/>
+                <a:cs typeface="Courier New"/>
+                <a:sym typeface="Courier New"/>
+              </a:rPr>
+              <a:t>&gt;</a:t>
+            </a:r>
+            <a:endParaRPr sz="1000">
+              <a:solidFill>
+                <a:schemeClr val="dk1"/>
+              </a:solidFill>
+              <a:highlight>
+                <a:srgbClr val="EFEFEF"/>
+              </a:highlight>
+              <a:latin typeface="Courier New"/>
+              <a:ea typeface="Courier New"/>
+              <a:cs typeface="Courier New"/>
+              <a:sym typeface="Courier New"/>
+            </a:endParaRPr>
+          </a:p>
+          <a:p>
+            <a:pPr indent="0" lvl="0" marL="0" rtl="0" algn="l">
+              <a:lnSpc>
+                <a:spcPct val="80000"/>
+              </a:lnSpc>
+              <a:spcBef>
+                <a:spcPts val="1200"/>
+              </a:spcBef>
+              <a:spcAft>
+                <a:spcPts val="0"/>
+              </a:spcAft>
+              <a:buNone/>
+            </a:pPr>
+            <a:r>
+              <a:rPr lang="vi" sz="1000">
+                <a:solidFill>
+                  <a:schemeClr val="dk1"/>
+                </a:solidFill>
+                <a:highlight>
+                  <a:srgbClr val="EFEFEF"/>
+                </a:highlight>
+                <a:latin typeface="Courier New"/>
+                <a:ea typeface="Courier New"/>
+                <a:cs typeface="Courier New"/>
+                <a:sym typeface="Courier New"/>
+              </a:rPr>
+              <a:t>&lt;/</a:t>
+            </a:r>
+            <a:r>
+              <a:rPr b="1" lang="vi" sz="1000">
+                <a:solidFill>
+                  <a:srgbClr val="000080"/>
+                </a:solidFill>
+                <a:highlight>
+                  <a:srgbClr val="EFEFEF"/>
+                </a:highlight>
+                <a:latin typeface="Courier New"/>
+                <a:ea typeface="Courier New"/>
+                <a:cs typeface="Courier New"/>
+                <a:sym typeface="Courier New"/>
+              </a:rPr>
+              <a:t>odoo</a:t>
+            </a:r>
+            <a:r>
+              <a:rPr lang="vi" sz="1000">
+                <a:solidFill>
+                  <a:schemeClr val="dk1"/>
+                </a:solidFill>
+                <a:highlight>
+                  <a:srgbClr val="EFEFEF"/>
+                </a:highlight>
+                <a:latin typeface="Courier New"/>
+                <a:ea typeface="Courier New"/>
+                <a:cs typeface="Courier New"/>
+                <a:sym typeface="Courier New"/>
+              </a:rPr>
+              <a:t>&gt;</a:t>
+            </a:r>
+            <a:endParaRPr sz="1000">
+              <a:solidFill>
+                <a:schemeClr val="dk1"/>
+              </a:solidFill>
+              <a:highlight>
+                <a:srgbClr val="EFEFEF"/>
+              </a:highlight>
+              <a:latin typeface="Courier New"/>
+              <a:ea typeface="Courier New"/>
+              <a:cs typeface="Courier New"/>
+              <a:sym typeface="Courier New"/>
+            </a:endParaRPr>
+          </a:p>
+          <a:p>
+            <a:pPr indent="-292100" lvl="0" marL="457200" rtl="0" algn="l">
+              <a:lnSpc>
+                <a:spcPct val="80000"/>
+              </a:lnSpc>
+              <a:spcBef>
+                <a:spcPts val="1200"/>
+              </a:spcBef>
+              <a:spcAft>
+                <a:spcPts val="0"/>
+              </a:spcAft>
+              <a:buClr>
+                <a:schemeClr val="dk1"/>
+              </a:buClr>
+              <a:buSzPts val="1000"/>
+              <a:buFont typeface="Courier New"/>
+              <a:buChar char="-"/>
+            </a:pPr>
+            <a:r>
+              <a:rPr lang="vi" sz="1000">
+                <a:solidFill>
+                  <a:schemeClr val="dk1"/>
+                </a:solidFill>
+                <a:highlight>
+                  <a:schemeClr val="lt1"/>
+                </a:highlight>
+                <a:latin typeface="Courier New"/>
+                <a:ea typeface="Courier New"/>
+                <a:cs typeface="Courier New"/>
+                <a:sym typeface="Courier New"/>
+              </a:rPr>
+              <a:t>estate/__manifest__.py</a:t>
+            </a:r>
+            <a:endParaRPr sz="1000">
+              <a:solidFill>
+                <a:schemeClr val="dk1"/>
+              </a:solidFill>
+              <a:highlight>
+                <a:schemeClr val="lt1"/>
+              </a:highlight>
+              <a:latin typeface="Courier New"/>
+              <a:ea typeface="Courier New"/>
+              <a:cs typeface="Courier New"/>
+              <a:sym typeface="Courier New"/>
+            </a:endParaRPr>
+          </a:p>
+          <a:p>
+            <a:pPr indent="0" lvl="0" marL="0" rtl="0" algn="l">
+              <a:lnSpc>
+                <a:spcPct val="80000"/>
+              </a:lnSpc>
+              <a:spcBef>
+                <a:spcPts val="1200"/>
+              </a:spcBef>
+              <a:spcAft>
+                <a:spcPts val="0"/>
+              </a:spcAft>
+              <a:buNone/>
+            </a:pPr>
+            <a:r>
+              <a:rPr b="1" lang="vi" sz="1000">
+                <a:solidFill>
+                  <a:srgbClr val="008080"/>
+                </a:solidFill>
+                <a:highlight>
+                  <a:srgbClr val="FFFFFF"/>
+                </a:highlight>
+                <a:latin typeface="Courier New"/>
+                <a:ea typeface="Courier New"/>
+                <a:cs typeface="Courier New"/>
+                <a:sym typeface="Courier New"/>
+              </a:rPr>
+              <a:t>'data'</a:t>
+            </a:r>
+            <a:r>
+              <a:rPr lang="vi" sz="1000">
+                <a:solidFill>
+                  <a:schemeClr val="dk1"/>
+                </a:solidFill>
+                <a:highlight>
+                  <a:srgbClr val="FFFFFF"/>
+                </a:highlight>
+                <a:latin typeface="Courier New"/>
+                <a:ea typeface="Courier New"/>
+                <a:cs typeface="Courier New"/>
+                <a:sym typeface="Courier New"/>
+              </a:rPr>
+              <a:t>: [</a:t>
+            </a:r>
+            <a:endParaRPr sz="1000">
+              <a:solidFill>
+                <a:schemeClr val="dk1"/>
+              </a:solidFill>
+              <a:highlight>
+                <a:srgbClr val="FFFFFF"/>
+              </a:highlight>
+              <a:latin typeface="Courier New"/>
+              <a:ea typeface="Courier New"/>
+              <a:cs typeface="Courier New"/>
+              <a:sym typeface="Courier New"/>
+            </a:endParaRPr>
+          </a:p>
+          <a:p>
+            <a:pPr indent="0" lvl="0" marL="0" rtl="0" algn="l">
+              <a:lnSpc>
+                <a:spcPct val="80000"/>
+              </a:lnSpc>
+              <a:spcBef>
+                <a:spcPts val="1200"/>
+              </a:spcBef>
+              <a:spcAft>
+                <a:spcPts val="0"/>
+              </a:spcAft>
+              <a:buNone/>
+            </a:pPr>
+            <a:r>
+              <a:rPr lang="vi" sz="1000">
+                <a:solidFill>
+                  <a:schemeClr val="dk1"/>
+                </a:solidFill>
+                <a:highlight>
+                  <a:srgbClr val="FFFFFF"/>
+                </a:highlight>
+                <a:latin typeface="Courier New"/>
+                <a:ea typeface="Courier New"/>
+                <a:cs typeface="Courier New"/>
+                <a:sym typeface="Courier New"/>
+              </a:rPr>
+              <a:t>   </a:t>
+            </a:r>
+            <a:r>
+              <a:rPr b="1" lang="vi" sz="1000">
+                <a:solidFill>
+                  <a:srgbClr val="008080"/>
+                </a:solidFill>
+                <a:highlight>
+                  <a:srgbClr val="FFFFFF"/>
+                </a:highlight>
+                <a:latin typeface="Courier New"/>
+                <a:ea typeface="Courier New"/>
+                <a:cs typeface="Courier New"/>
+                <a:sym typeface="Courier New"/>
+              </a:rPr>
+              <a:t>'assets.xml'</a:t>
+            </a:r>
+            <a:r>
+              <a:rPr lang="vi" sz="1000">
+                <a:solidFill>
+                  <a:schemeClr val="dk1"/>
+                </a:solidFill>
+                <a:highlight>
+                  <a:srgbClr val="FFFFFF"/>
+                </a:highlight>
+                <a:latin typeface="Courier New"/>
+                <a:ea typeface="Courier New"/>
+                <a:cs typeface="Courier New"/>
+                <a:sym typeface="Courier New"/>
+              </a:rPr>
+              <a:t>,</a:t>
+            </a:r>
+            <a:endParaRPr sz="1000">
+              <a:solidFill>
+                <a:schemeClr val="dk1"/>
+              </a:solidFill>
+              <a:highlight>
+                <a:srgbClr val="FFFFFF"/>
+              </a:highlight>
+              <a:latin typeface="Courier New"/>
+              <a:ea typeface="Courier New"/>
+              <a:cs typeface="Courier New"/>
+              <a:sym typeface="Courier New"/>
+            </a:endParaRPr>
+          </a:p>
+          <a:p>
+            <a:pPr indent="0" lvl="0" marL="0" rtl="0" algn="l">
+              <a:lnSpc>
+                <a:spcPct val="80000"/>
+              </a:lnSpc>
+              <a:spcBef>
+                <a:spcPts val="1200"/>
+              </a:spcBef>
+              <a:spcAft>
+                <a:spcPts val="0"/>
+              </a:spcAft>
+              <a:buNone/>
+            </a:pPr>
+            <a:r>
+              <a:rPr lang="vi" sz="1000">
+                <a:solidFill>
+                  <a:schemeClr val="dk1"/>
+                </a:solidFill>
+                <a:highlight>
+                  <a:srgbClr val="FFFFFF"/>
+                </a:highlight>
+                <a:latin typeface="Courier New"/>
+                <a:ea typeface="Courier New"/>
+                <a:cs typeface="Courier New"/>
+                <a:sym typeface="Courier New"/>
+              </a:rPr>
+              <a:t>. . .</a:t>
+            </a:r>
+            <a:endParaRPr sz="1000">
+              <a:solidFill>
+                <a:schemeClr val="dk1"/>
+              </a:solidFill>
+              <a:highlight>
+                <a:srgbClr val="FFFFFF"/>
+              </a:highlight>
+              <a:latin typeface="Courier New"/>
+              <a:ea typeface="Courier New"/>
+              <a:cs typeface="Courier New"/>
+              <a:sym typeface="Courier New"/>
+            </a:endParaRPr>
+          </a:p>
+          <a:p>
+            <a:pPr indent="0" lvl="0" marL="0" rtl="0" algn="l">
+              <a:lnSpc>
+                <a:spcPct val="80000"/>
+              </a:lnSpc>
+              <a:spcBef>
+                <a:spcPts val="1200"/>
+              </a:spcBef>
+              <a:spcAft>
+                <a:spcPts val="0"/>
+              </a:spcAft>
+              <a:buNone/>
+            </a:pPr>
+            <a:r>
+              <a:rPr lang="vi" sz="1000">
+                <a:solidFill>
+                  <a:schemeClr val="dk1"/>
+                </a:solidFill>
+                <a:highlight>
+                  <a:srgbClr val="FFFFFF"/>
+                </a:highlight>
+                <a:latin typeface="Courier New"/>
+                <a:ea typeface="Courier New"/>
+                <a:cs typeface="Courier New"/>
+                <a:sym typeface="Courier New"/>
+              </a:rPr>
+              <a:t>],</a:t>
+            </a:r>
+            <a:endParaRPr sz="1000">
+              <a:solidFill>
+                <a:schemeClr val="dk1"/>
+              </a:solidFill>
+              <a:highlight>
+                <a:srgbClr val="FFFFFF"/>
+              </a:highlight>
+              <a:latin typeface="Courier New"/>
+              <a:ea typeface="Courier New"/>
+              <a:cs typeface="Courier New"/>
+              <a:sym typeface="Courier New"/>
+            </a:endParaRPr>
+          </a:p>
+          <a:p>
+            <a:pPr indent="0" lvl="0" marL="0" rtl="0" algn="l">
+              <a:lnSpc>
+                <a:spcPct val="80000"/>
+              </a:lnSpc>
+              <a:spcBef>
+                <a:spcPts val="1200"/>
+              </a:spcBef>
+              <a:spcAft>
+                <a:spcPts val="0"/>
+              </a:spcAft>
+              <a:buNone/>
+            </a:pPr>
+            <a:r>
+              <a:t/>
+            </a:r>
+            <a:endParaRPr sz="1000">
+              <a:solidFill>
+                <a:schemeClr val="dk1"/>
+              </a:solidFill>
+              <a:highlight>
+                <a:schemeClr val="lt1"/>
+              </a:highlight>
+              <a:latin typeface="Courier New"/>
+              <a:ea typeface="Courier New"/>
+              <a:cs typeface="Courier New"/>
+              <a:sym typeface="Courier New"/>
+            </a:endParaRPr>
+          </a:p>
+          <a:p>
+            <a:pPr indent="0" lvl="0" marL="0" rtl="0" algn="l">
+              <a:lnSpc>
+                <a:spcPct val="80000"/>
+              </a:lnSpc>
+              <a:spcBef>
+                <a:spcPts val="1200"/>
+              </a:spcBef>
+              <a:spcAft>
+                <a:spcPts val="0"/>
+              </a:spcAft>
+              <a:buClr>
+                <a:schemeClr val="dk1"/>
+              </a:buClr>
+              <a:buSzPts val="1100"/>
+              <a:buFont typeface="Arial"/>
+              <a:buNone/>
+            </a:pPr>
+            <a:r>
+              <a:t/>
+            </a:r>
+            <a:endParaRPr i="1" sz="1000">
+              <a:solidFill>
+                <a:schemeClr val="dk1"/>
+              </a:solidFill>
+              <a:highlight>
+                <a:srgbClr val="FFFFFF"/>
+              </a:highlight>
+              <a:latin typeface="Courier New"/>
+              <a:ea typeface="Courier New"/>
+              <a:cs typeface="Courier New"/>
+              <a:sym typeface="Courier New"/>
+            </a:endParaRPr>
+          </a:p>
+          <a:p>
+            <a:pPr indent="0" lvl="0" marL="0" rtl="0" algn="l">
+              <a:lnSpc>
+                <a:spcPct val="80000"/>
+              </a:lnSpc>
+              <a:spcBef>
+                <a:spcPts val="1200"/>
+              </a:spcBef>
+              <a:spcAft>
+                <a:spcPts val="1200"/>
+              </a:spcAft>
+              <a:buSzPts val="935"/>
+              <a:buNone/>
+            </a:pPr>
+            <a:r>
+              <a:t/>
+            </a:r>
+            <a:endParaRPr sz="1000">
+              <a:solidFill>
+                <a:schemeClr val="dk1"/>
+              </a:solidFill>
+              <a:highlight>
+                <a:srgbClr val="FFFFFF"/>
+              </a:highlight>
+              <a:latin typeface="Courier New"/>
+              <a:ea typeface="Courier New"/>
+              <a:cs typeface="Courier New"/>
+              <a:sym typeface="Courier New"/>
+            </a:endParaRPr>
           </a:p>
         </p:txBody>
       </p:sp>
@@ -36888,6 +43218,285 @@
 </file>
 
 <file path=ppt/theme/theme1.xml><?xml version="1.0" encoding="utf-8"?>
+<a:theme xmlns:a="http://schemas.openxmlformats.org/drawingml/2006/main" xmlns:r="http://schemas.openxmlformats.org/officeDocument/2006/relationships" name="Simple Light">
+  <a:themeElements>
+    <a:clrScheme name="Simple Light">
+      <a:dk1>
+        <a:srgbClr val="000000"/>
+      </a:dk1>
+      <a:lt1>
+        <a:srgbClr val="FFFFFF"/>
+      </a:lt1>
+      <a:dk2>
+        <a:srgbClr val="595959"/>
+      </a:dk2>
+      <a:lt2>
+        <a:srgbClr val="EEEEEE"/>
+      </a:lt2>
+      <a:accent1>
+        <a:srgbClr val="4285F4"/>
+      </a:accent1>
+      <a:accent2>
+        <a:srgbClr val="212121"/>
+      </a:accent2>
+      <a:accent3>
+        <a:srgbClr val="78909C"/>
+      </a:accent3>
+      <a:accent4>
+        <a:srgbClr val="FFAB40"/>
+      </a:accent4>
+      <a:accent5>
+        <a:srgbClr val="0097A7"/>
+      </a:accent5>
+      <a:accent6>
+        <a:srgbClr val="EEFF41"/>
+      </a:accent6>
+      <a:hlink>
+        <a:srgbClr val="0097A7"/>
+      </a:hlink>
+      <a:folHlink>
+        <a:srgbClr val="0097A7"/>
+      </a:folHlink>
+    </a:clrScheme>
+    <a:fontScheme name="Office">
+      <a:majorFont>
+        <a:latin typeface="Arial"/>
+        <a:ea typeface=""/>
+        <a:cs typeface=""/>
+        <a:font script="Jpan" typeface="ＭＳ Ｐゴシック"/>
+        <a:font script="Hang" typeface="맑은 고딕"/>
+        <a:font script="Hans" typeface="宋体"/>
+        <a:font script="Hant" typeface="新細明體"/>
+        <a:font script="Arab" typeface="Times New Roman"/>
+        <a:font script="Hebr" typeface="Times New Roman"/>
+        <a:font script="Thai" typeface="Angsana New"/>
+        <a:font script="Ethi" typeface="Nyala"/>
+        <a:font script="Beng" typeface="Vrinda"/>
+        <a:font script="Gujr" typeface="Shruti"/>
+        <a:font script="Khmr" typeface="MoolBoran"/>
+        <a:font script="Knda" typeface="Tunga"/>
+        <a:font script="Guru" typeface="Raavi"/>
+        <a:font script="Cans" typeface="Euphemia"/>
+        <a:font script="Cher" typeface="Plantagenet Cherokee"/>
+        <a:font script="Yiii" typeface="Microsoft Yi Baiti"/>
+        <a:font script="Tibt" typeface="Microsoft Himalaya"/>
+        <a:font script="Thaa" typeface="MV Boli"/>
+        <a:font script="Deva" typeface="Mangal"/>
+        <a:font script="Telu" typeface="Gautami"/>
+        <a:font script="Taml" typeface="Latha"/>
+        <a:font script="Syrc" typeface="Estrangelo Edessa"/>
+        <a:font script="Orya" typeface="Kalinga"/>
+        <a:font script="Mlym" typeface="Kartika"/>
+        <a:font script="Laoo" typeface="DokChampa"/>
+        <a:font script="Sinh" typeface="Iskoola Pota"/>
+        <a:font script="Mong" typeface="Mongolian Baiti"/>
+        <a:font script="Viet" typeface="Times New Roman"/>
+        <a:font script="Uigh" typeface="Microsoft Uighur"/>
+        <a:font script="Geor" typeface="Sylfaen"/>
+      </a:majorFont>
+      <a:minorFont>
+        <a:latin typeface="Arial"/>
+        <a:ea typeface=""/>
+        <a:cs typeface=""/>
+        <a:font script="Jpan" typeface="ＭＳ Ｐゴシック"/>
+        <a:font script="Hang" typeface="맑은 고딕"/>
+        <a:font script="Hans" typeface="宋体"/>
+        <a:font script="Hant" typeface="新細明體"/>
+        <a:font script="Arab" typeface="Arial"/>
+        <a:font script="Hebr" typeface="Arial"/>
+        <a:font script="Thai" typeface="Cordia New"/>
+        <a:font script="Ethi" typeface="Nyala"/>
+        <a:font script="Beng" typeface="Vrinda"/>
+        <a:font script="Gujr" typeface="Shruti"/>
+        <a:font script="Khmr" typeface="DaunPenh"/>
+        <a:font script="Knda" typeface="Tunga"/>
+        <a:font script="Guru" typeface="Raavi"/>
+        <a:font script="Cans" typeface="Euphemia"/>
+        <a:font script="Cher" typeface="Plantagenet Cherokee"/>
+        <a:font script="Yiii" typeface="Microsoft Yi Baiti"/>
+        <a:font script="Tibt" typeface="Microsoft Himalaya"/>
+        <a:font script="Thaa" typeface="MV Boli"/>
+        <a:font script="Deva" typeface="Mangal"/>
+        <a:font script="Telu" typeface="Gautami"/>
+        <a:font script="Taml" typeface="Latha"/>
+        <a:font script="Syrc" typeface="Estrangelo Edessa"/>
+        <a:font script="Orya" typeface="Kalinga"/>
+        <a:font script="Mlym" typeface="Kartika"/>
+        <a:font script="Laoo" typeface="DokChampa"/>
+        <a:font script="Sinh" typeface="Iskoola Pota"/>
+        <a:font script="Mong" typeface="Mongolian Baiti"/>
+        <a:font script="Viet" typeface="Arial"/>
+        <a:font script="Uigh" typeface="Microsoft Uighur"/>
+        <a:font script="Geor" typeface="Sylfaen"/>
+      </a:minorFont>
+    </a:fontScheme>
+    <a:fmtScheme name="Office">
+      <a:fillStyleLst>
+        <a:solidFill>
+          <a:schemeClr val="phClr"/>
+        </a:solidFill>
+        <a:gradFill rotWithShape="1">
+          <a:gsLst>
+            <a:gs pos="0">
+              <a:schemeClr val="phClr">
+                <a:tint val="50000"/>
+                <a:satMod val="300000"/>
+              </a:schemeClr>
+            </a:gs>
+            <a:gs pos="35000">
+              <a:schemeClr val="phClr">
+                <a:tint val="37000"/>
+                <a:satMod val="300000"/>
+              </a:schemeClr>
+            </a:gs>
+            <a:gs pos="100000">
+              <a:schemeClr val="phClr">
+                <a:tint val="15000"/>
+                <a:satMod val="350000"/>
+              </a:schemeClr>
+            </a:gs>
+          </a:gsLst>
+          <a:lin ang="16200000" scaled="1"/>
+        </a:gradFill>
+        <a:gradFill rotWithShape="1">
+          <a:gsLst>
+            <a:gs pos="0">
+              <a:schemeClr val="phClr">
+                <a:tint val="100000"/>
+                <a:shade val="100000"/>
+                <a:satMod val="130000"/>
+              </a:schemeClr>
+            </a:gs>
+            <a:gs pos="100000">
+              <a:schemeClr val="phClr">
+                <a:tint val="50000"/>
+                <a:shade val="100000"/>
+                <a:satMod val="350000"/>
+              </a:schemeClr>
+            </a:gs>
+          </a:gsLst>
+          <a:lin ang="16200000" scaled="0"/>
+        </a:gradFill>
+      </a:fillStyleLst>
+      <a:lnStyleLst>
+        <a:ln w="9525" cap="flat" cmpd="sng" algn="ctr">
+          <a:solidFill>
+            <a:schemeClr val="phClr">
+              <a:shade val="95000"/>
+              <a:satMod val="105000"/>
+            </a:schemeClr>
+          </a:solidFill>
+          <a:prstDash val="solid"/>
+        </a:ln>
+        <a:ln w="25400" cap="flat" cmpd="sng" algn="ctr">
+          <a:solidFill>
+            <a:schemeClr val="phClr"/>
+          </a:solidFill>
+          <a:prstDash val="solid"/>
+        </a:ln>
+        <a:ln w="38100" cap="flat" cmpd="sng" algn="ctr">
+          <a:solidFill>
+            <a:schemeClr val="phClr"/>
+          </a:solidFill>
+          <a:prstDash val="solid"/>
+        </a:ln>
+      </a:lnStyleLst>
+      <a:effectStyleLst>
+        <a:effectStyle>
+          <a:effectLst>
+            <a:outerShdw blurRad="40000" dist="20000" dir="5400000" rotWithShape="0">
+              <a:srgbClr val="000000">
+                <a:alpha val="38000"/>
+              </a:srgbClr>
+            </a:outerShdw>
+          </a:effectLst>
+        </a:effectStyle>
+        <a:effectStyle>
+          <a:effectLst>
+            <a:outerShdw blurRad="40000" dist="23000" dir="5400000" rotWithShape="0">
+              <a:srgbClr val="000000">
+                <a:alpha val="35000"/>
+              </a:srgbClr>
+            </a:outerShdw>
+          </a:effectLst>
+        </a:effectStyle>
+        <a:effectStyle>
+          <a:effectLst>
+            <a:outerShdw blurRad="40000" dist="23000" dir="5400000" rotWithShape="0">
+              <a:srgbClr val="000000">
+                <a:alpha val="35000"/>
+              </a:srgbClr>
+            </a:outerShdw>
+          </a:effectLst>
+          <a:scene3d>
+            <a:camera prst="orthographicFront">
+              <a:rot lat="0" lon="0" rev="0"/>
+            </a:camera>
+            <a:lightRig rig="threePt" dir="t">
+              <a:rot lat="0" lon="0" rev="1200000"/>
+            </a:lightRig>
+          </a:scene3d>
+          <a:sp3d>
+            <a:bevelT w="63500" h="25400"/>
+          </a:sp3d>
+        </a:effectStyle>
+      </a:effectStyleLst>
+      <a:bgFillStyleLst>
+        <a:solidFill>
+          <a:schemeClr val="phClr"/>
+        </a:solidFill>
+        <a:gradFill rotWithShape="1">
+          <a:gsLst>
+            <a:gs pos="0">
+              <a:schemeClr val="phClr">
+                <a:tint val="40000"/>
+                <a:satMod val="350000"/>
+              </a:schemeClr>
+            </a:gs>
+            <a:gs pos="40000">
+              <a:schemeClr val="phClr">
+                <a:tint val="45000"/>
+                <a:shade val="99000"/>
+                <a:satMod val="350000"/>
+              </a:schemeClr>
+            </a:gs>
+            <a:gs pos="100000">
+              <a:schemeClr val="phClr">
+                <a:shade val="20000"/>
+                <a:satMod val="255000"/>
+              </a:schemeClr>
+            </a:gs>
+          </a:gsLst>
+          <a:path path="circle">
+            <a:fillToRect l="50000" t="-80000" r="50000" b="180000"/>
+          </a:path>
+        </a:gradFill>
+        <a:gradFill rotWithShape="1">
+          <a:gsLst>
+            <a:gs pos="0">
+              <a:schemeClr val="phClr">
+                <a:tint val="80000"/>
+                <a:satMod val="300000"/>
+              </a:schemeClr>
+            </a:gs>
+            <a:gs pos="100000">
+              <a:schemeClr val="phClr">
+                <a:shade val="30000"/>
+                <a:satMod val="200000"/>
+              </a:schemeClr>
+            </a:gs>
+          </a:gsLst>
+          <a:path path="circle">
+            <a:fillToRect l="50000" t="50000" r="50000" b="50000"/>
+          </a:path>
+        </a:gradFill>
+      </a:bgFillStyleLst>
+    </a:fmtScheme>
+  </a:themeElements>
+</a:theme>
+</file>
+
+<file path=ppt/theme/theme2.xml><?xml version="1.0" encoding="utf-8"?>
 <a:theme xmlns:a="http://schemas.openxmlformats.org/drawingml/2006/main" xmlns:r="http://schemas.openxmlformats.org/officeDocument/2006/relationships">
   <a:themeElements>
     <a:clrScheme name="Default">
@@ -37164,283 +43773,4 @@
     </a:fmtScheme>
   </a:themeElements>
 </a:theme>
-</file>
-
-<file path=ppt/theme/theme2.xml><?xml version="1.0" encoding="utf-8"?>
-<a:theme xmlns:a="http://schemas.openxmlformats.org/drawingml/2006/main" xmlns:r="http://schemas.openxmlformats.org/officeDocument/2006/relationships" name="Simple Light">
-  <a:themeElements>
-    <a:clrScheme name="Simple Light">
-      <a:dk1>
-        <a:srgbClr val="000000"/>
-      </a:dk1>
-      <a:lt1>
-        <a:srgbClr val="FFFFFF"/>
-      </a:lt1>
-      <a:dk2>
-        <a:srgbClr val="595959"/>
-      </a:dk2>
-      <a:lt2>
-        <a:srgbClr val="EEEEEE"/>
-      </a:lt2>
-      <a:accent1>
-        <a:srgbClr val="4285F4"/>
-      </a:accent1>
-      <a:accent2>
-        <a:srgbClr val="212121"/>
-      </a:accent2>
-      <a:accent3>
-        <a:srgbClr val="78909C"/>
-      </a:accent3>
-      <a:accent4>
-        <a:srgbClr val="FFAB40"/>
-      </a:accent4>
-      <a:accent5>
-        <a:srgbClr val="0097A7"/>
-      </a:accent5>
-      <a:accent6>
-        <a:srgbClr val="EEFF41"/>
-      </a:accent6>
-      <a:hlink>
-        <a:srgbClr val="0097A7"/>
-      </a:hlink>
-      <a:folHlink>
-        <a:srgbClr val="0097A7"/>
-      </a:folHlink>
-    </a:clrScheme>
-    <a:fontScheme name="Office">
-      <a:majorFont>
-        <a:latin typeface="Arial"/>
-        <a:ea typeface=""/>
-        <a:cs typeface=""/>
-        <a:font script="Jpan" typeface="ＭＳ Ｐゴシック"/>
-        <a:font script="Hang" typeface="맑은 고딕"/>
-        <a:font script="Hans" typeface="宋体"/>
-        <a:font script="Hant" typeface="新細明體"/>
-        <a:font script="Arab" typeface="Times New Roman"/>
-        <a:font script="Hebr" typeface="Times New Roman"/>
-        <a:font script="Thai" typeface="Angsana New"/>
-        <a:font script="Ethi" typeface="Nyala"/>
-        <a:font script="Beng" typeface="Vrinda"/>
-        <a:font script="Gujr" typeface="Shruti"/>
-        <a:font script="Khmr" typeface="MoolBoran"/>
-        <a:font script="Knda" typeface="Tunga"/>
-        <a:font script="Guru" typeface="Raavi"/>
-        <a:font script="Cans" typeface="Euphemia"/>
-        <a:font script="Cher" typeface="Plantagenet Cherokee"/>
-        <a:font script="Yiii" typeface="Microsoft Yi Baiti"/>
-        <a:font script="Tibt" typeface="Microsoft Himalaya"/>
-        <a:font script="Thaa" typeface="MV Boli"/>
-        <a:font script="Deva" typeface="Mangal"/>
-        <a:font script="Telu" typeface="Gautami"/>
-        <a:font script="Taml" typeface="Latha"/>
-        <a:font script="Syrc" typeface="Estrangelo Edessa"/>
-        <a:font script="Orya" typeface="Kalinga"/>
-        <a:font script="Mlym" typeface="Kartika"/>
-        <a:font script="Laoo" typeface="DokChampa"/>
-        <a:font script="Sinh" typeface="Iskoola Pota"/>
-        <a:font script="Mong" typeface="Mongolian Baiti"/>
-        <a:font script="Viet" typeface="Times New Roman"/>
-        <a:font script="Uigh" typeface="Microsoft Uighur"/>
-        <a:font script="Geor" typeface="Sylfaen"/>
-      </a:majorFont>
-      <a:minorFont>
-        <a:latin typeface="Arial"/>
-        <a:ea typeface=""/>
-        <a:cs typeface=""/>
-        <a:font script="Jpan" typeface="ＭＳ Ｐゴシック"/>
-        <a:font script="Hang" typeface="맑은 고딕"/>
-        <a:font script="Hans" typeface="宋体"/>
-        <a:font script="Hant" typeface="新細明體"/>
-        <a:font script="Arab" typeface="Arial"/>
-        <a:font script="Hebr" typeface="Arial"/>
-        <a:font script="Thai" typeface="Cordia New"/>
-        <a:font script="Ethi" typeface="Nyala"/>
-        <a:font script="Beng" typeface="Vrinda"/>
-        <a:font script="Gujr" typeface="Shruti"/>
-        <a:font script="Khmr" typeface="DaunPenh"/>
-        <a:font script="Knda" typeface="Tunga"/>
-        <a:font script="Guru" typeface="Raavi"/>
-        <a:font script="Cans" typeface="Euphemia"/>
-        <a:font script="Cher" typeface="Plantagenet Cherokee"/>
-        <a:font script="Yiii" typeface="Microsoft Yi Baiti"/>
-        <a:font script="Tibt" typeface="Microsoft Himalaya"/>
-        <a:font script="Thaa" typeface="MV Boli"/>
-        <a:font script="Deva" typeface="Mangal"/>
-        <a:font script="Telu" typeface="Gautami"/>
-        <a:font script="Taml" typeface="Latha"/>
-        <a:font script="Syrc" typeface="Estrangelo Edessa"/>
-        <a:font script="Orya" typeface="Kalinga"/>
-        <a:font script="Mlym" typeface="Kartika"/>
-        <a:font script="Laoo" typeface="DokChampa"/>
-        <a:font script="Sinh" typeface="Iskoola Pota"/>
-        <a:font script="Mong" typeface="Mongolian Baiti"/>
-        <a:font script="Viet" typeface="Arial"/>
-        <a:font script="Uigh" typeface="Microsoft Uighur"/>
-        <a:font script="Geor" typeface="Sylfaen"/>
-      </a:minorFont>
-    </a:fontScheme>
-    <a:fmtScheme name="Office">
-      <a:fillStyleLst>
-        <a:solidFill>
-          <a:schemeClr val="phClr"/>
-        </a:solidFill>
-        <a:gradFill rotWithShape="1">
-          <a:gsLst>
-            <a:gs pos="0">
-              <a:schemeClr val="phClr">
-                <a:tint val="50000"/>
-                <a:satMod val="300000"/>
-              </a:schemeClr>
-            </a:gs>
-            <a:gs pos="35000">
-              <a:schemeClr val="phClr">
-                <a:tint val="37000"/>
-                <a:satMod val="300000"/>
-              </a:schemeClr>
-            </a:gs>
-            <a:gs pos="100000">
-              <a:schemeClr val="phClr">
-                <a:tint val="15000"/>
-                <a:satMod val="350000"/>
-              </a:schemeClr>
-            </a:gs>
-          </a:gsLst>
-          <a:lin ang="16200000" scaled="1"/>
-        </a:gradFill>
-        <a:gradFill rotWithShape="1">
-          <a:gsLst>
-            <a:gs pos="0">
-              <a:schemeClr val="phClr">
-                <a:tint val="100000"/>
-                <a:shade val="100000"/>
-                <a:satMod val="130000"/>
-              </a:schemeClr>
-            </a:gs>
-            <a:gs pos="100000">
-              <a:schemeClr val="phClr">
-                <a:tint val="50000"/>
-                <a:shade val="100000"/>
-                <a:satMod val="350000"/>
-              </a:schemeClr>
-            </a:gs>
-          </a:gsLst>
-          <a:lin ang="16200000" scaled="0"/>
-        </a:gradFill>
-      </a:fillStyleLst>
-      <a:lnStyleLst>
-        <a:ln w="9525" cap="flat" cmpd="sng" algn="ctr">
-          <a:solidFill>
-            <a:schemeClr val="phClr">
-              <a:shade val="95000"/>
-              <a:satMod val="105000"/>
-            </a:schemeClr>
-          </a:solidFill>
-          <a:prstDash val="solid"/>
-        </a:ln>
-        <a:ln w="25400" cap="flat" cmpd="sng" algn="ctr">
-          <a:solidFill>
-            <a:schemeClr val="phClr"/>
-          </a:solidFill>
-          <a:prstDash val="solid"/>
-        </a:ln>
-        <a:ln w="38100" cap="flat" cmpd="sng" algn="ctr">
-          <a:solidFill>
-            <a:schemeClr val="phClr"/>
-          </a:solidFill>
-          <a:prstDash val="solid"/>
-        </a:ln>
-      </a:lnStyleLst>
-      <a:effectStyleLst>
-        <a:effectStyle>
-          <a:effectLst>
-            <a:outerShdw blurRad="40000" dist="20000" dir="5400000" rotWithShape="0">
-              <a:srgbClr val="000000">
-                <a:alpha val="38000"/>
-              </a:srgbClr>
-            </a:outerShdw>
-          </a:effectLst>
-        </a:effectStyle>
-        <a:effectStyle>
-          <a:effectLst>
-            <a:outerShdw blurRad="40000" dist="23000" dir="5400000" rotWithShape="0">
-              <a:srgbClr val="000000">
-                <a:alpha val="35000"/>
-              </a:srgbClr>
-            </a:outerShdw>
-          </a:effectLst>
-        </a:effectStyle>
-        <a:effectStyle>
-          <a:effectLst>
-            <a:outerShdw blurRad="40000" dist="23000" dir="5400000" rotWithShape="0">
-              <a:srgbClr val="000000">
-                <a:alpha val="35000"/>
-              </a:srgbClr>
-            </a:outerShdw>
-          </a:effectLst>
-          <a:scene3d>
-            <a:camera prst="orthographicFront">
-              <a:rot lat="0" lon="0" rev="0"/>
-            </a:camera>
-            <a:lightRig rig="threePt" dir="t">
-              <a:rot lat="0" lon="0" rev="1200000"/>
-            </a:lightRig>
-          </a:scene3d>
-          <a:sp3d>
-            <a:bevelT w="63500" h="25400"/>
-          </a:sp3d>
-        </a:effectStyle>
-      </a:effectStyleLst>
-      <a:bgFillStyleLst>
-        <a:solidFill>
-          <a:schemeClr val="phClr"/>
-        </a:solidFill>
-        <a:gradFill rotWithShape="1">
-          <a:gsLst>
-            <a:gs pos="0">
-              <a:schemeClr val="phClr">
-                <a:tint val="40000"/>
-                <a:satMod val="350000"/>
-              </a:schemeClr>
-            </a:gs>
-            <a:gs pos="40000">
-              <a:schemeClr val="phClr">
-                <a:tint val="45000"/>
-                <a:shade val="99000"/>
-                <a:satMod val="350000"/>
-              </a:schemeClr>
-            </a:gs>
-            <a:gs pos="100000">
-              <a:schemeClr val="phClr">
-                <a:shade val="20000"/>
-                <a:satMod val="255000"/>
-              </a:schemeClr>
-            </a:gs>
-          </a:gsLst>
-          <a:path path="circle">
-            <a:fillToRect l="50000" t="-80000" r="50000" b="180000"/>
-          </a:path>
-        </a:gradFill>
-        <a:gradFill rotWithShape="1">
-          <a:gsLst>
-            <a:gs pos="0">
-              <a:schemeClr val="phClr">
-                <a:tint val="80000"/>
-                <a:satMod val="300000"/>
-              </a:schemeClr>
-            </a:gs>
-            <a:gs pos="100000">
-              <a:schemeClr val="phClr">
-                <a:shade val="30000"/>
-                <a:satMod val="200000"/>
-              </a:schemeClr>
-            </a:gs>
-          </a:gsLst>
-          <a:path path="circle">
-            <a:fillToRect l="50000" t="50000" r="50000" b="50000"/>
-          </a:path>
-        </a:gradFill>
-      </a:bgFillStyleLst>
-    </a:fmtScheme>
-  </a:themeElements>
-</a:theme>
 </file>